--- a/what_are_we_watching_tonight.pptx
+++ b/what_are_we_watching_tonight.pptx
@@ -4,9 +4,24 @@
   <p:sldMasterIdLst>
     <p:sldMasterId id="2147483648" r:id="rId1"/>
   </p:sldMasterIdLst>
+  <p:notesMasterIdLst>
+    <p:notesMasterId r:id="rId16"/>
+  </p:notesMasterIdLst>
   <p:sldIdLst>
     <p:sldId id="256" r:id="rId2"/>
     <p:sldId id="257" r:id="rId3"/>
+    <p:sldId id="258" r:id="rId4"/>
+    <p:sldId id="259" r:id="rId5"/>
+    <p:sldId id="260" r:id="rId6"/>
+    <p:sldId id="262" r:id="rId7"/>
+    <p:sldId id="263" r:id="rId8"/>
+    <p:sldId id="264" r:id="rId9"/>
+    <p:sldId id="267" r:id="rId10"/>
+    <p:sldId id="265" r:id="rId11"/>
+    <p:sldId id="268" r:id="rId12"/>
+    <p:sldId id="266" r:id="rId13"/>
+    <p:sldId id="269" r:id="rId14"/>
+    <p:sldId id="270" r:id="rId15"/>
   </p:sldIdLst>
   <p:sldSz cx="12192000" cy="6858000"/>
   <p:notesSz cx="6858000" cy="9144000"/>
@@ -105,7 +120,529 @@
       </a:defRPr>
     </a:lvl9pPr>
   </p:defaultTextStyle>
+  <p:extLst>
+    <p:ext uri="{EFAFB233-063F-42B5-8137-9DF3F51BA10A}">
+      <p15:sldGuideLst xmlns:p15="http://schemas.microsoft.com/office/powerpoint/2012/main"/>
+    </p:ext>
+  </p:extLst>
 </p:presentation>
+</file>
+
+<file path=ppt/notesMasters/notesMaster1.xml><?xml version="1.0" encoding="utf-8"?>
+<p:notesMaster xmlns:a="http://schemas.openxmlformats.org/drawingml/2006/main" xmlns:r="http://schemas.openxmlformats.org/officeDocument/2006/relationships" xmlns:p="http://schemas.openxmlformats.org/presentationml/2006/main">
+  <p:cSld>
+    <p:bg>
+      <p:bgRef idx="1001">
+        <a:schemeClr val="bg1"/>
+      </p:bgRef>
+    </p:bg>
+    <p:spTree>
+      <p:nvGrpSpPr>
+        <p:cNvPr id="1" name=""/>
+        <p:cNvGrpSpPr/>
+        <p:nvPr/>
+      </p:nvGrpSpPr>
+      <p:grpSpPr>
+        <a:xfrm>
+          <a:off x="0" y="0"/>
+          <a:ext cx="0" cy="0"/>
+          <a:chOff x="0" y="0"/>
+          <a:chExt cx="0" cy="0"/>
+        </a:xfrm>
+      </p:grpSpPr>
+      <p:sp>
+        <p:nvSpPr>
+          <p:cNvPr id="2" name="Header Placeholder 1"/>
+          <p:cNvSpPr>
+            <a:spLocks noGrp="1"/>
+          </p:cNvSpPr>
+          <p:nvPr>
+            <p:ph type="hdr" sz="quarter"/>
+          </p:nvPr>
+        </p:nvSpPr>
+        <p:spPr>
+          <a:xfrm>
+            <a:off x="0" y="0"/>
+            <a:ext cx="2971800" cy="458788"/>
+          </a:xfrm>
+          <a:prstGeom prst="rect">
+            <a:avLst/>
+          </a:prstGeom>
+        </p:spPr>
+        <p:txBody>
+          <a:bodyPr vert="horz" lIns="91440" tIns="45720" rIns="91440" bIns="45720" rtlCol="0"/>
+          <a:lstStyle>
+            <a:lvl1pPr algn="l">
+              <a:defRPr sz="1200"/>
+            </a:lvl1pPr>
+          </a:lstStyle>
+          <a:p>
+            <a:endParaRPr lang="en-US"/>
+          </a:p>
+        </p:txBody>
+      </p:sp>
+      <p:sp>
+        <p:nvSpPr>
+          <p:cNvPr id="3" name="Date Placeholder 2"/>
+          <p:cNvSpPr>
+            <a:spLocks noGrp="1"/>
+          </p:cNvSpPr>
+          <p:nvPr>
+            <p:ph type="dt" idx="1"/>
+          </p:nvPr>
+        </p:nvSpPr>
+        <p:spPr>
+          <a:xfrm>
+            <a:off x="3884613" y="0"/>
+            <a:ext cx="2971800" cy="458788"/>
+          </a:xfrm>
+          <a:prstGeom prst="rect">
+            <a:avLst/>
+          </a:prstGeom>
+        </p:spPr>
+        <p:txBody>
+          <a:bodyPr vert="horz" lIns="91440" tIns="45720" rIns="91440" bIns="45720" rtlCol="0"/>
+          <a:lstStyle>
+            <a:lvl1pPr algn="r">
+              <a:defRPr sz="1200"/>
+            </a:lvl1pPr>
+          </a:lstStyle>
+          <a:p>
+            <a:fld id="{71BD10CF-F22E-4F66-9E77-E9638DB18C5A}" type="datetimeFigureOut">
+              <a:rPr lang="en-US" smtClean="0"/>
+              <a:t>5/13/2024</a:t>
+            </a:fld>
+            <a:endParaRPr lang="en-US"/>
+          </a:p>
+        </p:txBody>
+      </p:sp>
+      <p:sp>
+        <p:nvSpPr>
+          <p:cNvPr id="4" name="Slide Image Placeholder 3"/>
+          <p:cNvSpPr>
+            <a:spLocks noGrp="1" noRot="1" noChangeAspect="1"/>
+          </p:cNvSpPr>
+          <p:nvPr>
+            <p:ph type="sldImg" idx="2"/>
+          </p:nvPr>
+        </p:nvSpPr>
+        <p:spPr>
+          <a:xfrm>
+            <a:off x="685800" y="1143000"/>
+            <a:ext cx="5486400" cy="3086100"/>
+          </a:xfrm>
+          <a:prstGeom prst="rect">
+            <a:avLst/>
+          </a:prstGeom>
+          <a:noFill/>
+          <a:ln w="12700">
+            <a:solidFill>
+              <a:prstClr val="black"/>
+            </a:solidFill>
+          </a:ln>
+        </p:spPr>
+        <p:txBody>
+          <a:bodyPr vert="horz" lIns="91440" tIns="45720" rIns="91440" bIns="45720" rtlCol="0" anchor="ctr"/>
+          <a:lstStyle/>
+          <a:p>
+            <a:endParaRPr lang="en-US"/>
+          </a:p>
+        </p:txBody>
+      </p:sp>
+      <p:sp>
+        <p:nvSpPr>
+          <p:cNvPr id="5" name="Notes Placeholder 4"/>
+          <p:cNvSpPr>
+            <a:spLocks noGrp="1"/>
+          </p:cNvSpPr>
+          <p:nvPr>
+            <p:ph type="body" sz="quarter" idx="3"/>
+          </p:nvPr>
+        </p:nvSpPr>
+        <p:spPr>
+          <a:xfrm>
+            <a:off x="685800" y="4400550"/>
+            <a:ext cx="5486400" cy="3600450"/>
+          </a:xfrm>
+          <a:prstGeom prst="rect">
+            <a:avLst/>
+          </a:prstGeom>
+        </p:spPr>
+        <p:txBody>
+          <a:bodyPr vert="horz" lIns="91440" tIns="45720" rIns="91440" bIns="45720" rtlCol="0"/>
+          <a:lstStyle/>
+          <a:p>
+            <a:pPr lvl="0"/>
+            <a:r>
+              <a:rPr lang="en-US"/>
+              <a:t>Click to edit Master text styles</a:t>
+            </a:r>
+          </a:p>
+          <a:p>
+            <a:pPr lvl="1"/>
+            <a:r>
+              <a:rPr lang="en-US"/>
+              <a:t>Second level</a:t>
+            </a:r>
+          </a:p>
+          <a:p>
+            <a:pPr lvl="2"/>
+            <a:r>
+              <a:rPr lang="en-US"/>
+              <a:t>Third level</a:t>
+            </a:r>
+          </a:p>
+          <a:p>
+            <a:pPr lvl="3"/>
+            <a:r>
+              <a:rPr lang="en-US"/>
+              <a:t>Fourth level</a:t>
+            </a:r>
+          </a:p>
+          <a:p>
+            <a:pPr lvl="4"/>
+            <a:r>
+              <a:rPr lang="en-US"/>
+              <a:t>Fifth level</a:t>
+            </a:r>
+          </a:p>
+        </p:txBody>
+      </p:sp>
+      <p:sp>
+        <p:nvSpPr>
+          <p:cNvPr id="6" name="Footer Placeholder 5"/>
+          <p:cNvSpPr>
+            <a:spLocks noGrp="1"/>
+          </p:cNvSpPr>
+          <p:nvPr>
+            <p:ph type="ftr" sz="quarter" idx="4"/>
+          </p:nvPr>
+        </p:nvSpPr>
+        <p:spPr>
+          <a:xfrm>
+            <a:off x="0" y="8685213"/>
+            <a:ext cx="2971800" cy="458787"/>
+          </a:xfrm>
+          <a:prstGeom prst="rect">
+            <a:avLst/>
+          </a:prstGeom>
+        </p:spPr>
+        <p:txBody>
+          <a:bodyPr vert="horz" lIns="91440" tIns="45720" rIns="91440" bIns="45720" rtlCol="0" anchor="b"/>
+          <a:lstStyle>
+            <a:lvl1pPr algn="l">
+              <a:defRPr sz="1200"/>
+            </a:lvl1pPr>
+          </a:lstStyle>
+          <a:p>
+            <a:endParaRPr lang="en-US"/>
+          </a:p>
+        </p:txBody>
+      </p:sp>
+      <p:sp>
+        <p:nvSpPr>
+          <p:cNvPr id="7" name="Slide Number Placeholder 6"/>
+          <p:cNvSpPr>
+            <a:spLocks noGrp="1"/>
+          </p:cNvSpPr>
+          <p:nvPr>
+            <p:ph type="sldNum" sz="quarter" idx="5"/>
+          </p:nvPr>
+        </p:nvSpPr>
+        <p:spPr>
+          <a:xfrm>
+            <a:off x="3884613" y="8685213"/>
+            <a:ext cx="2971800" cy="458787"/>
+          </a:xfrm>
+          <a:prstGeom prst="rect">
+            <a:avLst/>
+          </a:prstGeom>
+        </p:spPr>
+        <p:txBody>
+          <a:bodyPr vert="horz" lIns="91440" tIns="45720" rIns="91440" bIns="45720" rtlCol="0" anchor="b"/>
+          <a:lstStyle>
+            <a:lvl1pPr algn="r">
+              <a:defRPr sz="1200"/>
+            </a:lvl1pPr>
+          </a:lstStyle>
+          <a:p>
+            <a:fld id="{921AF3DF-4AF8-436B-A96F-8A28546A46DA}" type="slidenum">
+              <a:rPr lang="en-US" smtClean="0"/>
+              <a:t>‹#›</a:t>
+            </a:fld>
+            <a:endParaRPr lang="en-US"/>
+          </a:p>
+        </p:txBody>
+      </p:sp>
+    </p:spTree>
+    <p:extLst>
+      <p:ext uri="{BB962C8B-B14F-4D97-AF65-F5344CB8AC3E}">
+        <p14:creationId xmlns:p14="http://schemas.microsoft.com/office/powerpoint/2010/main" val="2315270280"/>
+      </p:ext>
+    </p:extLst>
+  </p:cSld>
+  <p:clrMap bg1="lt1" tx1="dk1" bg2="lt2" tx2="dk2" accent1="accent1" accent2="accent2" accent3="accent3" accent4="accent4" accent5="accent5" accent6="accent6" hlink="hlink" folHlink="folHlink"/>
+  <p:notesStyle>
+    <a:lvl1pPr marL="0" algn="l" defTabSz="914400" rtl="0" eaLnBrk="1" latinLnBrk="0" hangingPunct="1">
+      <a:defRPr sz="1200" kern="1200">
+        <a:solidFill>
+          <a:schemeClr val="tx1"/>
+        </a:solidFill>
+        <a:latin typeface="+mn-lt"/>
+        <a:ea typeface="+mn-ea"/>
+        <a:cs typeface="+mn-cs"/>
+      </a:defRPr>
+    </a:lvl1pPr>
+    <a:lvl2pPr marL="457200" algn="l" defTabSz="914400" rtl="0" eaLnBrk="1" latinLnBrk="0" hangingPunct="1">
+      <a:defRPr sz="1200" kern="1200">
+        <a:solidFill>
+          <a:schemeClr val="tx1"/>
+        </a:solidFill>
+        <a:latin typeface="+mn-lt"/>
+        <a:ea typeface="+mn-ea"/>
+        <a:cs typeface="+mn-cs"/>
+      </a:defRPr>
+    </a:lvl2pPr>
+    <a:lvl3pPr marL="914400" algn="l" defTabSz="914400" rtl="0" eaLnBrk="1" latinLnBrk="0" hangingPunct="1">
+      <a:defRPr sz="1200" kern="1200">
+        <a:solidFill>
+          <a:schemeClr val="tx1"/>
+        </a:solidFill>
+        <a:latin typeface="+mn-lt"/>
+        <a:ea typeface="+mn-ea"/>
+        <a:cs typeface="+mn-cs"/>
+      </a:defRPr>
+    </a:lvl3pPr>
+    <a:lvl4pPr marL="1371600" algn="l" defTabSz="914400" rtl="0" eaLnBrk="1" latinLnBrk="0" hangingPunct="1">
+      <a:defRPr sz="1200" kern="1200">
+        <a:solidFill>
+          <a:schemeClr val="tx1"/>
+        </a:solidFill>
+        <a:latin typeface="+mn-lt"/>
+        <a:ea typeface="+mn-ea"/>
+        <a:cs typeface="+mn-cs"/>
+      </a:defRPr>
+    </a:lvl4pPr>
+    <a:lvl5pPr marL="1828800" algn="l" defTabSz="914400" rtl="0" eaLnBrk="1" latinLnBrk="0" hangingPunct="1">
+      <a:defRPr sz="1200" kern="1200">
+        <a:solidFill>
+          <a:schemeClr val="tx1"/>
+        </a:solidFill>
+        <a:latin typeface="+mn-lt"/>
+        <a:ea typeface="+mn-ea"/>
+        <a:cs typeface="+mn-cs"/>
+      </a:defRPr>
+    </a:lvl5pPr>
+    <a:lvl6pPr marL="2286000" algn="l" defTabSz="914400" rtl="0" eaLnBrk="1" latinLnBrk="0" hangingPunct="1">
+      <a:defRPr sz="1200" kern="1200">
+        <a:solidFill>
+          <a:schemeClr val="tx1"/>
+        </a:solidFill>
+        <a:latin typeface="+mn-lt"/>
+        <a:ea typeface="+mn-ea"/>
+        <a:cs typeface="+mn-cs"/>
+      </a:defRPr>
+    </a:lvl6pPr>
+    <a:lvl7pPr marL="2743200" algn="l" defTabSz="914400" rtl="0" eaLnBrk="1" latinLnBrk="0" hangingPunct="1">
+      <a:defRPr sz="1200" kern="1200">
+        <a:solidFill>
+          <a:schemeClr val="tx1"/>
+        </a:solidFill>
+        <a:latin typeface="+mn-lt"/>
+        <a:ea typeface="+mn-ea"/>
+        <a:cs typeface="+mn-cs"/>
+      </a:defRPr>
+    </a:lvl7pPr>
+    <a:lvl8pPr marL="3200400" algn="l" defTabSz="914400" rtl="0" eaLnBrk="1" latinLnBrk="0" hangingPunct="1">
+      <a:defRPr sz="1200" kern="1200">
+        <a:solidFill>
+          <a:schemeClr val="tx1"/>
+        </a:solidFill>
+        <a:latin typeface="+mn-lt"/>
+        <a:ea typeface="+mn-ea"/>
+        <a:cs typeface="+mn-cs"/>
+      </a:defRPr>
+    </a:lvl8pPr>
+    <a:lvl9pPr marL="3657600" algn="l" defTabSz="914400" rtl="0" eaLnBrk="1" latinLnBrk="0" hangingPunct="1">
+      <a:defRPr sz="1200" kern="1200">
+        <a:solidFill>
+          <a:schemeClr val="tx1"/>
+        </a:solidFill>
+        <a:latin typeface="+mn-lt"/>
+        <a:ea typeface="+mn-ea"/>
+        <a:cs typeface="+mn-cs"/>
+      </a:defRPr>
+    </a:lvl9pPr>
+  </p:notesStyle>
+</p:notesMaster>
+</file>
+
+<file path=ppt/notesSlides/notesSlide1.xml><?xml version="1.0" encoding="utf-8"?>
+<p:notes xmlns:a="http://schemas.openxmlformats.org/drawingml/2006/main" xmlns:r="http://schemas.openxmlformats.org/officeDocument/2006/relationships" xmlns:p="http://schemas.openxmlformats.org/presentationml/2006/main">
+  <p:cSld>
+    <p:spTree>
+      <p:nvGrpSpPr>
+        <p:cNvPr id="1" name=""/>
+        <p:cNvGrpSpPr/>
+        <p:nvPr/>
+      </p:nvGrpSpPr>
+      <p:grpSpPr>
+        <a:xfrm>
+          <a:off x="0" y="0"/>
+          <a:ext cx="0" cy="0"/>
+          <a:chOff x="0" y="0"/>
+          <a:chExt cx="0" cy="0"/>
+        </a:xfrm>
+      </p:grpSpPr>
+      <p:sp>
+        <p:nvSpPr>
+          <p:cNvPr id="2" name="Slide Image Placeholder 1"/>
+          <p:cNvSpPr>
+            <a:spLocks noGrp="1" noRot="1" noChangeAspect="1"/>
+          </p:cNvSpPr>
+          <p:nvPr>
+            <p:ph type="sldImg"/>
+          </p:nvPr>
+        </p:nvSpPr>
+        <p:spPr/>
+      </p:sp>
+      <p:sp>
+        <p:nvSpPr>
+          <p:cNvPr id="3" name="Notes Placeholder 2"/>
+          <p:cNvSpPr>
+            <a:spLocks noGrp="1"/>
+          </p:cNvSpPr>
+          <p:nvPr>
+            <p:ph type="body" idx="1"/>
+          </p:nvPr>
+        </p:nvSpPr>
+        <p:spPr/>
+        <p:txBody>
+          <a:bodyPr/>
+          <a:lstStyle/>
+          <a:p>
+            <a:endParaRPr lang="en-US" dirty="0"/>
+          </a:p>
+        </p:txBody>
+      </p:sp>
+      <p:sp>
+        <p:nvSpPr>
+          <p:cNvPr id="4" name="Slide Number Placeholder 3"/>
+          <p:cNvSpPr>
+            <a:spLocks noGrp="1"/>
+          </p:cNvSpPr>
+          <p:nvPr>
+            <p:ph type="sldNum" sz="quarter" idx="5"/>
+          </p:nvPr>
+        </p:nvSpPr>
+        <p:spPr/>
+        <p:txBody>
+          <a:bodyPr/>
+          <a:lstStyle/>
+          <a:p>
+            <a:fld id="{921AF3DF-4AF8-436B-A96F-8A28546A46DA}" type="slidenum">
+              <a:rPr lang="en-US" smtClean="0"/>
+              <a:t>2</a:t>
+            </a:fld>
+            <a:endParaRPr lang="en-US"/>
+          </a:p>
+        </p:txBody>
+      </p:sp>
+    </p:spTree>
+    <p:extLst>
+      <p:ext uri="{BB962C8B-B14F-4D97-AF65-F5344CB8AC3E}">
+        <p14:creationId xmlns:p14="http://schemas.microsoft.com/office/powerpoint/2010/main" val="3599383717"/>
+      </p:ext>
+    </p:extLst>
+  </p:cSld>
+  <p:clrMapOvr>
+    <a:masterClrMapping/>
+  </p:clrMapOvr>
+</p:notes>
+</file>
+
+<file path=ppt/notesSlides/notesSlide2.xml><?xml version="1.0" encoding="utf-8"?>
+<p:notes xmlns:a="http://schemas.openxmlformats.org/drawingml/2006/main" xmlns:r="http://schemas.openxmlformats.org/officeDocument/2006/relationships" xmlns:p="http://schemas.openxmlformats.org/presentationml/2006/main">
+  <p:cSld>
+    <p:spTree>
+      <p:nvGrpSpPr>
+        <p:cNvPr id="1" name=""/>
+        <p:cNvGrpSpPr/>
+        <p:nvPr/>
+      </p:nvGrpSpPr>
+      <p:grpSpPr>
+        <a:xfrm>
+          <a:off x="0" y="0"/>
+          <a:ext cx="0" cy="0"/>
+          <a:chOff x="0" y="0"/>
+          <a:chExt cx="0" cy="0"/>
+        </a:xfrm>
+      </p:grpSpPr>
+      <p:sp>
+        <p:nvSpPr>
+          <p:cNvPr id="2" name="Slide Image Placeholder 1"/>
+          <p:cNvSpPr>
+            <a:spLocks noGrp="1" noRot="1" noChangeAspect="1"/>
+          </p:cNvSpPr>
+          <p:nvPr>
+            <p:ph type="sldImg"/>
+          </p:nvPr>
+        </p:nvSpPr>
+        <p:spPr/>
+      </p:sp>
+      <p:sp>
+        <p:nvSpPr>
+          <p:cNvPr id="3" name="Notes Placeholder 2"/>
+          <p:cNvSpPr>
+            <a:spLocks noGrp="1"/>
+          </p:cNvSpPr>
+          <p:nvPr>
+            <p:ph type="body" idx="1"/>
+          </p:nvPr>
+        </p:nvSpPr>
+        <p:spPr/>
+        <p:txBody>
+          <a:bodyPr/>
+          <a:lstStyle/>
+          <a:p>
+            <a:endParaRPr lang="en-US" dirty="0"/>
+          </a:p>
+        </p:txBody>
+      </p:sp>
+      <p:sp>
+        <p:nvSpPr>
+          <p:cNvPr id="4" name="Slide Number Placeholder 3"/>
+          <p:cNvSpPr>
+            <a:spLocks noGrp="1"/>
+          </p:cNvSpPr>
+          <p:nvPr>
+            <p:ph type="sldNum" sz="quarter" idx="5"/>
+          </p:nvPr>
+        </p:nvSpPr>
+        <p:spPr/>
+        <p:txBody>
+          <a:bodyPr/>
+          <a:lstStyle/>
+          <a:p>
+            <a:fld id="{921AF3DF-4AF8-436B-A96F-8A28546A46DA}" type="slidenum">
+              <a:rPr lang="en-US" smtClean="0"/>
+              <a:t>3</a:t>
+            </a:fld>
+            <a:endParaRPr lang="en-US"/>
+          </a:p>
+        </p:txBody>
+      </p:sp>
+    </p:spTree>
+    <p:extLst>
+      <p:ext uri="{BB962C8B-B14F-4D97-AF65-F5344CB8AC3E}">
+        <p14:creationId xmlns:p14="http://schemas.microsoft.com/office/powerpoint/2010/main" val="3674210101"/>
+      </p:ext>
+    </p:extLst>
+  </p:cSld>
+  <p:clrMapOvr>
+    <a:masterClrMapping/>
+  </p:clrMapOvr>
+</p:notes>
 </file>
 
 <file path=ppt/slideLayouts/slideLayout1.xml><?xml version="1.0" encoding="utf-8"?>
@@ -255,7 +792,7 @@
           <a:p>
             <a:fld id="{01DB1436-ED8F-4574-8D2D-21F8FB310577}" type="datetimeFigureOut">
               <a:rPr lang="en-US" smtClean="0"/>
-              <a:t>5/6/2024</a:t>
+              <a:t>5/13/2024</a:t>
             </a:fld>
             <a:endParaRPr lang="en-US"/>
           </a:p>
@@ -453,7 +990,7 @@
           <a:p>
             <a:fld id="{01DB1436-ED8F-4574-8D2D-21F8FB310577}" type="datetimeFigureOut">
               <a:rPr lang="en-US" smtClean="0"/>
-              <a:t>5/6/2024</a:t>
+              <a:t>5/13/2024</a:t>
             </a:fld>
             <a:endParaRPr lang="en-US"/>
           </a:p>
@@ -661,7 +1198,7 @@
           <a:p>
             <a:fld id="{01DB1436-ED8F-4574-8D2D-21F8FB310577}" type="datetimeFigureOut">
               <a:rPr lang="en-US" smtClean="0"/>
-              <a:t>5/6/2024</a:t>
+              <a:t>5/13/2024</a:t>
             </a:fld>
             <a:endParaRPr lang="en-US"/>
           </a:p>
@@ -859,7 +1396,7 @@
           <a:p>
             <a:fld id="{01DB1436-ED8F-4574-8D2D-21F8FB310577}" type="datetimeFigureOut">
               <a:rPr lang="en-US" smtClean="0"/>
-              <a:t>5/6/2024</a:t>
+              <a:t>5/13/2024</a:t>
             </a:fld>
             <a:endParaRPr lang="en-US"/>
           </a:p>
@@ -1134,7 +1671,7 @@
           <a:p>
             <a:fld id="{01DB1436-ED8F-4574-8D2D-21F8FB310577}" type="datetimeFigureOut">
               <a:rPr lang="en-US" smtClean="0"/>
-              <a:t>5/6/2024</a:t>
+              <a:t>5/13/2024</a:t>
             </a:fld>
             <a:endParaRPr lang="en-US"/>
           </a:p>
@@ -1399,7 +1936,7 @@
           <a:p>
             <a:fld id="{01DB1436-ED8F-4574-8D2D-21F8FB310577}" type="datetimeFigureOut">
               <a:rPr lang="en-US" smtClean="0"/>
-              <a:t>5/6/2024</a:t>
+              <a:t>5/13/2024</a:t>
             </a:fld>
             <a:endParaRPr lang="en-US"/>
           </a:p>
@@ -1811,7 +2348,7 @@
           <a:p>
             <a:fld id="{01DB1436-ED8F-4574-8D2D-21F8FB310577}" type="datetimeFigureOut">
               <a:rPr lang="en-US" smtClean="0"/>
-              <a:t>5/6/2024</a:t>
+              <a:t>5/13/2024</a:t>
             </a:fld>
             <a:endParaRPr lang="en-US"/>
           </a:p>
@@ -1952,7 +2489,7 @@
           <a:p>
             <a:fld id="{01DB1436-ED8F-4574-8D2D-21F8FB310577}" type="datetimeFigureOut">
               <a:rPr lang="en-US" smtClean="0"/>
-              <a:t>5/6/2024</a:t>
+              <a:t>5/13/2024</a:t>
             </a:fld>
             <a:endParaRPr lang="en-US"/>
           </a:p>
@@ -2065,7 +2602,7 @@
           <a:p>
             <a:fld id="{01DB1436-ED8F-4574-8D2D-21F8FB310577}" type="datetimeFigureOut">
               <a:rPr lang="en-US" smtClean="0"/>
-              <a:t>5/6/2024</a:t>
+              <a:t>5/13/2024</a:t>
             </a:fld>
             <a:endParaRPr lang="en-US"/>
           </a:p>
@@ -2376,7 +2913,7 @@
           <a:p>
             <a:fld id="{01DB1436-ED8F-4574-8D2D-21F8FB310577}" type="datetimeFigureOut">
               <a:rPr lang="en-US" smtClean="0"/>
-              <a:t>5/6/2024</a:t>
+              <a:t>5/13/2024</a:t>
             </a:fld>
             <a:endParaRPr lang="en-US"/>
           </a:p>
@@ -2664,7 +3201,7 @@
           <a:p>
             <a:fld id="{01DB1436-ED8F-4574-8D2D-21F8FB310577}" type="datetimeFigureOut">
               <a:rPr lang="en-US" smtClean="0"/>
-              <a:t>5/6/2024</a:t>
+              <a:t>5/13/2024</a:t>
             </a:fld>
             <a:endParaRPr lang="en-US"/>
           </a:p>
@@ -2905,7 +3442,7 @@
           <a:p>
             <a:fld id="{01DB1436-ED8F-4574-8D2D-21F8FB310577}" type="datetimeFigureOut">
               <a:rPr lang="en-US" smtClean="0"/>
-              <a:t>5/6/2024</a:t>
+              <a:t>5/13/2024</a:t>
             </a:fld>
             <a:endParaRPr lang="en-US"/>
           </a:p>
@@ -3369,7 +3906,7 @@
         <p:spPr/>
         <p:txBody>
           <a:bodyPr>
-            <a:normAutofit lnSpcReduction="10000"/>
+            <a:normAutofit/>
           </a:bodyPr>
           <a:lstStyle/>
           <a:p>
@@ -3384,13 +3921,6 @@
             <a:r>
               <a:rPr lang="en-US" dirty="0"/>
               <a:t>Le Nguyen</a:t>
-            </a:r>
-          </a:p>
-          <a:p>
-            <a:pPr algn="l"/>
-            <a:r>
-              <a:rPr lang="en-US" dirty="0"/>
-              <a:t>Megan Pond</a:t>
             </a:r>
           </a:p>
           <a:p>
@@ -3406,6 +3936,464 @@
     <p:extLst>
       <p:ext uri="{BB962C8B-B14F-4D97-AF65-F5344CB8AC3E}">
         <p14:creationId xmlns:p14="http://schemas.microsoft.com/office/powerpoint/2010/main" val="2347308446"/>
+      </p:ext>
+    </p:extLst>
+  </p:cSld>
+  <p:clrMapOvr>
+    <a:masterClrMapping/>
+  </p:clrMapOvr>
+</p:sld>
+</file>
+
+<file path=ppt/slides/slide10.xml><?xml version="1.0" encoding="utf-8"?>
+<p:sld xmlns:a="http://schemas.openxmlformats.org/drawingml/2006/main" xmlns:r="http://schemas.openxmlformats.org/officeDocument/2006/relationships" xmlns:p="http://schemas.openxmlformats.org/presentationml/2006/main">
+  <p:cSld>
+    <p:spTree>
+      <p:nvGrpSpPr>
+        <p:cNvPr id="1" name=""/>
+        <p:cNvGrpSpPr/>
+        <p:nvPr/>
+      </p:nvGrpSpPr>
+      <p:grpSpPr>
+        <a:xfrm>
+          <a:off x="0" y="0"/>
+          <a:ext cx="0" cy="0"/>
+          <a:chOff x="0" y="0"/>
+          <a:chExt cx="0" cy="0"/>
+        </a:xfrm>
+      </p:grpSpPr>
+      <p:sp>
+        <p:nvSpPr>
+          <p:cNvPr id="2" name="Title 1">
+            <a:extLst>
+              <a:ext uri="{FF2B5EF4-FFF2-40B4-BE49-F238E27FC236}">
+                <a16:creationId xmlns:a16="http://schemas.microsoft.com/office/drawing/2014/main" id="{6F77E0AD-D824-6B6E-5453-12456358687B}"/>
+              </a:ext>
+            </a:extLst>
+          </p:cNvPr>
+          <p:cNvSpPr>
+            <a:spLocks noGrp="1"/>
+          </p:cNvSpPr>
+          <p:nvPr>
+            <p:ph type="title"/>
+          </p:nvPr>
+        </p:nvSpPr>
+        <p:spPr/>
+        <p:txBody>
+          <a:bodyPr/>
+          <a:lstStyle/>
+          <a:p>
+            <a:r>
+              <a:rPr lang="en-US" dirty="0"/>
+              <a:t>Approach (Christian)</a:t>
+            </a:r>
+          </a:p>
+        </p:txBody>
+      </p:sp>
+      <p:sp>
+        <p:nvSpPr>
+          <p:cNvPr id="3" name="Content Placeholder 2">
+            <a:extLst>
+              <a:ext uri="{FF2B5EF4-FFF2-40B4-BE49-F238E27FC236}">
+                <a16:creationId xmlns:a16="http://schemas.microsoft.com/office/drawing/2014/main" id="{C5F98696-3B9B-AD74-9AC6-930A9AFECF41}"/>
+              </a:ext>
+            </a:extLst>
+          </p:cNvPr>
+          <p:cNvSpPr>
+            <a:spLocks noGrp="1"/>
+          </p:cNvSpPr>
+          <p:nvPr>
+            <p:ph idx="1"/>
+          </p:nvPr>
+        </p:nvSpPr>
+        <p:spPr/>
+        <p:txBody>
+          <a:bodyPr/>
+          <a:lstStyle/>
+          <a:p>
+            <a:pPr marL="0" indent="0">
+              <a:buNone/>
+            </a:pPr>
+            <a:endParaRPr lang="en-US" dirty="0"/>
+          </a:p>
+        </p:txBody>
+      </p:sp>
+    </p:spTree>
+    <p:extLst>
+      <p:ext uri="{BB962C8B-B14F-4D97-AF65-F5344CB8AC3E}">
+        <p14:creationId xmlns:p14="http://schemas.microsoft.com/office/powerpoint/2010/main" val="2546708889"/>
+      </p:ext>
+    </p:extLst>
+  </p:cSld>
+  <p:clrMapOvr>
+    <a:masterClrMapping/>
+  </p:clrMapOvr>
+</p:sld>
+</file>
+
+<file path=ppt/slides/slide11.xml><?xml version="1.0" encoding="utf-8"?>
+<p:sld xmlns:a="http://schemas.openxmlformats.org/drawingml/2006/main" xmlns:r="http://schemas.openxmlformats.org/officeDocument/2006/relationships" xmlns:p="http://schemas.openxmlformats.org/presentationml/2006/main">
+  <p:cSld>
+    <p:spTree>
+      <p:nvGrpSpPr>
+        <p:cNvPr id="1" name=""/>
+        <p:cNvGrpSpPr/>
+        <p:nvPr/>
+      </p:nvGrpSpPr>
+      <p:grpSpPr>
+        <a:xfrm>
+          <a:off x="0" y="0"/>
+          <a:ext cx="0" cy="0"/>
+          <a:chOff x="0" y="0"/>
+          <a:chExt cx="0" cy="0"/>
+        </a:xfrm>
+      </p:grpSpPr>
+      <p:sp>
+        <p:nvSpPr>
+          <p:cNvPr id="2" name="Title 1">
+            <a:extLst>
+              <a:ext uri="{FF2B5EF4-FFF2-40B4-BE49-F238E27FC236}">
+                <a16:creationId xmlns:a16="http://schemas.microsoft.com/office/drawing/2014/main" id="{6F77E0AD-D824-6B6E-5453-12456358687B}"/>
+              </a:ext>
+            </a:extLst>
+          </p:cNvPr>
+          <p:cNvSpPr>
+            <a:spLocks noGrp="1"/>
+          </p:cNvSpPr>
+          <p:nvPr>
+            <p:ph type="title"/>
+          </p:nvPr>
+        </p:nvSpPr>
+        <p:spPr/>
+        <p:txBody>
+          <a:bodyPr/>
+          <a:lstStyle/>
+          <a:p>
+            <a:r>
+              <a:rPr lang="en-US" dirty="0"/>
+              <a:t>Results (Christian)</a:t>
+            </a:r>
+          </a:p>
+        </p:txBody>
+      </p:sp>
+      <p:sp>
+        <p:nvSpPr>
+          <p:cNvPr id="3" name="Content Placeholder 2">
+            <a:extLst>
+              <a:ext uri="{FF2B5EF4-FFF2-40B4-BE49-F238E27FC236}">
+                <a16:creationId xmlns:a16="http://schemas.microsoft.com/office/drawing/2014/main" id="{C5F98696-3B9B-AD74-9AC6-930A9AFECF41}"/>
+              </a:ext>
+            </a:extLst>
+          </p:cNvPr>
+          <p:cNvSpPr>
+            <a:spLocks noGrp="1"/>
+          </p:cNvSpPr>
+          <p:nvPr>
+            <p:ph idx="1"/>
+          </p:nvPr>
+        </p:nvSpPr>
+        <p:spPr/>
+        <p:txBody>
+          <a:bodyPr/>
+          <a:lstStyle/>
+          <a:p>
+            <a:pPr marL="0" indent="0">
+              <a:buNone/>
+            </a:pPr>
+            <a:endParaRPr lang="en-US" dirty="0"/>
+          </a:p>
+        </p:txBody>
+      </p:sp>
+    </p:spTree>
+    <p:extLst>
+      <p:ext uri="{BB962C8B-B14F-4D97-AF65-F5344CB8AC3E}">
+        <p14:creationId xmlns:p14="http://schemas.microsoft.com/office/powerpoint/2010/main" val="3113885996"/>
+      </p:ext>
+    </p:extLst>
+  </p:cSld>
+  <p:clrMapOvr>
+    <a:masterClrMapping/>
+  </p:clrMapOvr>
+</p:sld>
+</file>
+
+<file path=ppt/slides/slide12.xml><?xml version="1.0" encoding="utf-8"?>
+<p:sld xmlns:a="http://schemas.openxmlformats.org/drawingml/2006/main" xmlns:r="http://schemas.openxmlformats.org/officeDocument/2006/relationships" xmlns:p="http://schemas.openxmlformats.org/presentationml/2006/main">
+  <p:cSld>
+    <p:spTree>
+      <p:nvGrpSpPr>
+        <p:cNvPr id="1" name=""/>
+        <p:cNvGrpSpPr/>
+        <p:nvPr/>
+      </p:nvGrpSpPr>
+      <p:grpSpPr>
+        <a:xfrm>
+          <a:off x="0" y="0"/>
+          <a:ext cx="0" cy="0"/>
+          <a:chOff x="0" y="0"/>
+          <a:chExt cx="0" cy="0"/>
+        </a:xfrm>
+      </p:grpSpPr>
+      <p:sp>
+        <p:nvSpPr>
+          <p:cNvPr id="2" name="Title 1">
+            <a:extLst>
+              <a:ext uri="{FF2B5EF4-FFF2-40B4-BE49-F238E27FC236}">
+                <a16:creationId xmlns:a16="http://schemas.microsoft.com/office/drawing/2014/main" id="{6F77E0AD-D824-6B6E-5453-12456358687B}"/>
+              </a:ext>
+            </a:extLst>
+          </p:cNvPr>
+          <p:cNvSpPr>
+            <a:spLocks noGrp="1"/>
+          </p:cNvSpPr>
+          <p:nvPr>
+            <p:ph type="title"/>
+          </p:nvPr>
+        </p:nvSpPr>
+        <p:spPr/>
+        <p:txBody>
+          <a:bodyPr/>
+          <a:lstStyle/>
+          <a:p>
+            <a:r>
+              <a:rPr lang="en-US" dirty="0"/>
+              <a:t>Approach (Richard)</a:t>
+            </a:r>
+          </a:p>
+        </p:txBody>
+      </p:sp>
+      <p:sp>
+        <p:nvSpPr>
+          <p:cNvPr id="3" name="Content Placeholder 2">
+            <a:extLst>
+              <a:ext uri="{FF2B5EF4-FFF2-40B4-BE49-F238E27FC236}">
+                <a16:creationId xmlns:a16="http://schemas.microsoft.com/office/drawing/2014/main" id="{C5F98696-3B9B-AD74-9AC6-930A9AFECF41}"/>
+              </a:ext>
+            </a:extLst>
+          </p:cNvPr>
+          <p:cNvSpPr>
+            <a:spLocks noGrp="1"/>
+          </p:cNvSpPr>
+          <p:nvPr>
+            <p:ph idx="1"/>
+          </p:nvPr>
+        </p:nvSpPr>
+        <p:spPr/>
+        <p:txBody>
+          <a:bodyPr/>
+          <a:lstStyle/>
+          <a:p>
+            <a:pPr marL="0" indent="0">
+              <a:buNone/>
+            </a:pPr>
+            <a:endParaRPr lang="en-US" dirty="0"/>
+          </a:p>
+        </p:txBody>
+      </p:sp>
+    </p:spTree>
+    <p:extLst>
+      <p:ext uri="{BB962C8B-B14F-4D97-AF65-F5344CB8AC3E}">
+        <p14:creationId xmlns:p14="http://schemas.microsoft.com/office/powerpoint/2010/main" val="4249368755"/>
+      </p:ext>
+    </p:extLst>
+  </p:cSld>
+  <p:clrMapOvr>
+    <a:masterClrMapping/>
+  </p:clrMapOvr>
+</p:sld>
+</file>
+
+<file path=ppt/slides/slide13.xml><?xml version="1.0" encoding="utf-8"?>
+<p:sld xmlns:a="http://schemas.openxmlformats.org/drawingml/2006/main" xmlns:r="http://schemas.openxmlformats.org/officeDocument/2006/relationships" xmlns:p="http://schemas.openxmlformats.org/presentationml/2006/main">
+  <p:cSld>
+    <p:spTree>
+      <p:nvGrpSpPr>
+        <p:cNvPr id="1" name=""/>
+        <p:cNvGrpSpPr/>
+        <p:nvPr/>
+      </p:nvGrpSpPr>
+      <p:grpSpPr>
+        <a:xfrm>
+          <a:off x="0" y="0"/>
+          <a:ext cx="0" cy="0"/>
+          <a:chOff x="0" y="0"/>
+          <a:chExt cx="0" cy="0"/>
+        </a:xfrm>
+      </p:grpSpPr>
+      <p:sp>
+        <p:nvSpPr>
+          <p:cNvPr id="2" name="Title 1">
+            <a:extLst>
+              <a:ext uri="{FF2B5EF4-FFF2-40B4-BE49-F238E27FC236}">
+                <a16:creationId xmlns:a16="http://schemas.microsoft.com/office/drawing/2014/main" id="{6F77E0AD-D824-6B6E-5453-12456358687B}"/>
+              </a:ext>
+            </a:extLst>
+          </p:cNvPr>
+          <p:cNvSpPr>
+            <a:spLocks noGrp="1"/>
+          </p:cNvSpPr>
+          <p:nvPr>
+            <p:ph type="title"/>
+          </p:nvPr>
+        </p:nvSpPr>
+        <p:spPr/>
+        <p:txBody>
+          <a:bodyPr/>
+          <a:lstStyle/>
+          <a:p>
+            <a:r>
+              <a:rPr lang="en-US" dirty="0"/>
+              <a:t>Results (Richard)</a:t>
+            </a:r>
+          </a:p>
+        </p:txBody>
+      </p:sp>
+      <p:sp>
+        <p:nvSpPr>
+          <p:cNvPr id="3" name="Content Placeholder 2">
+            <a:extLst>
+              <a:ext uri="{FF2B5EF4-FFF2-40B4-BE49-F238E27FC236}">
+                <a16:creationId xmlns:a16="http://schemas.microsoft.com/office/drawing/2014/main" id="{C5F98696-3B9B-AD74-9AC6-930A9AFECF41}"/>
+              </a:ext>
+            </a:extLst>
+          </p:cNvPr>
+          <p:cNvSpPr>
+            <a:spLocks noGrp="1"/>
+          </p:cNvSpPr>
+          <p:nvPr>
+            <p:ph idx="1"/>
+          </p:nvPr>
+        </p:nvSpPr>
+        <p:spPr/>
+        <p:txBody>
+          <a:bodyPr/>
+          <a:lstStyle/>
+          <a:p>
+            <a:pPr marL="0" indent="0">
+              <a:buNone/>
+            </a:pPr>
+            <a:endParaRPr lang="en-US" dirty="0"/>
+          </a:p>
+        </p:txBody>
+      </p:sp>
+    </p:spTree>
+    <p:extLst>
+      <p:ext uri="{BB962C8B-B14F-4D97-AF65-F5344CB8AC3E}">
+        <p14:creationId xmlns:p14="http://schemas.microsoft.com/office/powerpoint/2010/main" val="3658290793"/>
+      </p:ext>
+    </p:extLst>
+  </p:cSld>
+  <p:clrMapOvr>
+    <a:masterClrMapping/>
+  </p:clrMapOvr>
+</p:sld>
+</file>
+
+<file path=ppt/slides/slide14.xml><?xml version="1.0" encoding="utf-8"?>
+<p:sld xmlns:a="http://schemas.openxmlformats.org/drawingml/2006/main" xmlns:r="http://schemas.openxmlformats.org/officeDocument/2006/relationships" xmlns:p="http://schemas.openxmlformats.org/presentationml/2006/main">
+  <p:cSld>
+    <p:spTree>
+      <p:nvGrpSpPr>
+        <p:cNvPr id="1" name=""/>
+        <p:cNvGrpSpPr/>
+        <p:nvPr/>
+      </p:nvGrpSpPr>
+      <p:grpSpPr>
+        <a:xfrm>
+          <a:off x="0" y="0"/>
+          <a:ext cx="0" cy="0"/>
+          <a:chOff x="0" y="0"/>
+          <a:chExt cx="0" cy="0"/>
+        </a:xfrm>
+      </p:grpSpPr>
+      <p:sp>
+        <p:nvSpPr>
+          <p:cNvPr id="2" name="Title 1">
+            <a:extLst>
+              <a:ext uri="{FF2B5EF4-FFF2-40B4-BE49-F238E27FC236}">
+                <a16:creationId xmlns:a16="http://schemas.microsoft.com/office/drawing/2014/main" id="{B04BA152-366A-6DC3-A56C-CA3D5B9EC720}"/>
+              </a:ext>
+            </a:extLst>
+          </p:cNvPr>
+          <p:cNvSpPr>
+            <a:spLocks noGrp="1"/>
+          </p:cNvSpPr>
+          <p:nvPr>
+            <p:ph type="title"/>
+          </p:nvPr>
+        </p:nvSpPr>
+        <p:spPr/>
+        <p:txBody>
+          <a:bodyPr/>
+          <a:lstStyle/>
+          <a:p>
+            <a:r>
+              <a:rPr lang="en-US" dirty="0"/>
+              <a:t>Next Steps</a:t>
+            </a:r>
+          </a:p>
+        </p:txBody>
+      </p:sp>
+      <p:sp>
+        <p:nvSpPr>
+          <p:cNvPr id="3" name="Content Placeholder 2">
+            <a:extLst>
+              <a:ext uri="{FF2B5EF4-FFF2-40B4-BE49-F238E27FC236}">
+                <a16:creationId xmlns:a16="http://schemas.microsoft.com/office/drawing/2014/main" id="{BFF6859F-5BC6-76A3-F7A4-87AB7AFAE14C}"/>
+              </a:ext>
+            </a:extLst>
+          </p:cNvPr>
+          <p:cNvSpPr>
+            <a:spLocks noGrp="1"/>
+          </p:cNvSpPr>
+          <p:nvPr>
+            <p:ph idx="1"/>
+          </p:nvPr>
+        </p:nvSpPr>
+        <p:spPr/>
+        <p:txBody>
+          <a:bodyPr/>
+          <a:lstStyle/>
+          <a:p>
+            <a:r>
+              <a:rPr lang="en-US" dirty="0"/>
+              <a:t>Expanding the scope to include more streaming services most likely by using an API-based approach</a:t>
+            </a:r>
+          </a:p>
+          <a:p>
+            <a:r>
+              <a:rPr lang="en-US" dirty="0"/>
+              <a:t>Asking additional questions to further our understanding of which streaming service may be best</a:t>
+            </a:r>
+          </a:p>
+          <a:p>
+            <a:pPr lvl="1"/>
+            <a:r>
+              <a:rPr lang="en-US" dirty="0"/>
+              <a:t>The API would afford us the opportunity to ask further questions at much greater depth</a:t>
+            </a:r>
+          </a:p>
+          <a:p>
+            <a:r>
+              <a:rPr lang="en-US" dirty="0"/>
+              <a:t>Using current (2023-2024) data to analyze and confirm our findings</a:t>
+            </a:r>
+          </a:p>
+          <a:p>
+            <a:r>
+              <a:rPr lang="en-US" dirty="0"/>
+              <a:t>A more comprehensive initial dataset could allow for more testing, including hypothesis testing</a:t>
+            </a:r>
+          </a:p>
+          <a:p>
+            <a:endParaRPr lang="en-US" dirty="0"/>
+          </a:p>
+        </p:txBody>
+      </p:sp>
+    </p:spTree>
+    <p:extLst>
+      <p:ext uri="{BB962C8B-B14F-4D97-AF65-F5344CB8AC3E}">
+        <p14:creationId xmlns:p14="http://schemas.microsoft.com/office/powerpoint/2010/main" val="3789982252"/>
       </p:ext>
     </p:extLst>
   </p:cSld>
@@ -3455,38 +4443,106 @@
           <a:p>
             <a:r>
               <a:rPr lang="en-US" dirty="0"/>
-              <a:t>What are we </a:t>
-            </a:r>
-            <a:r>
-              <a:rPr lang="en-US"/>
-              <a:t>watching tonight?</a:t>
-            </a:r>
+              <a:t>Executive Summary</a:t>
+            </a:r>
+          </a:p>
+        </p:txBody>
+      </p:sp>
+      <p:sp>
+        <p:nvSpPr>
+          <p:cNvPr id="3" name="Content Placeholder 2">
+            <a:extLst>
+              <a:ext uri="{FF2B5EF4-FFF2-40B4-BE49-F238E27FC236}">
+                <a16:creationId xmlns:a16="http://schemas.microsoft.com/office/drawing/2014/main" id="{2A4AB622-10C2-BCAD-4D9C-935E257C73D5}"/>
+              </a:ext>
+            </a:extLst>
+          </p:cNvPr>
+          <p:cNvSpPr>
+            <a:spLocks noGrp="1"/>
+          </p:cNvSpPr>
+          <p:nvPr>
+            <p:ph idx="1"/>
+          </p:nvPr>
+        </p:nvSpPr>
+        <p:spPr/>
+        <p:txBody>
+          <a:bodyPr>
+            <a:normAutofit lnSpcReduction="10000"/>
+          </a:bodyPr>
+          <a:lstStyle/>
+          <a:p>
+            <a:r>
+              <a:rPr lang="en-US" dirty="0"/>
+              <a:t>Do you ever wonder which streaming service is right for your needs?</a:t>
+            </a:r>
+          </a:p>
+          <a:p>
+            <a:pPr lvl="1"/>
+            <a:r>
+              <a:rPr lang="en-US" dirty="0"/>
+              <a:t>Kids?</a:t>
+            </a:r>
+          </a:p>
+          <a:p>
+            <a:pPr lvl="1"/>
+            <a:r>
+              <a:rPr lang="en-US" dirty="0"/>
+              <a:t>Quality of content?</a:t>
+            </a:r>
+          </a:p>
+          <a:p>
+            <a:pPr lvl="1"/>
+            <a:r>
+              <a:rPr lang="en-US" dirty="0"/>
+              <a:t>Newest content?</a:t>
+            </a:r>
+          </a:p>
+          <a:p>
+            <a:r>
+              <a:rPr lang="en-US" dirty="0"/>
+              <a:t>Our project was reviewing data from streaming services to identify data trends-</a:t>
+            </a:r>
+          </a:p>
+          <a:p>
+            <a:pPr lvl="1"/>
+            <a:r>
+              <a:rPr lang="en-US" dirty="0"/>
+              <a:t>The focus was on four primary services:</a:t>
+            </a:r>
+          </a:p>
+          <a:p>
+            <a:pPr lvl="2"/>
+            <a:r>
+              <a:rPr lang="en-US" dirty="0"/>
+              <a:t>Netflix</a:t>
+            </a:r>
+          </a:p>
+          <a:p>
+            <a:pPr lvl="2"/>
+            <a:r>
+              <a:rPr lang="en-US" dirty="0"/>
+              <a:t>Hulu</a:t>
+            </a:r>
+          </a:p>
+          <a:p>
+            <a:pPr lvl="2"/>
+            <a:r>
+              <a:rPr lang="en-US" dirty="0"/>
+              <a:t>Amazon Prime</a:t>
+            </a:r>
+          </a:p>
+          <a:p>
+            <a:pPr lvl="2"/>
+            <a:r>
+              <a:rPr lang="en-US" dirty="0"/>
+              <a:t>Disney Plus</a:t>
+            </a:r>
+          </a:p>
+          <a:p>
+            <a:pPr marL="0" indent="0">
+              <a:buNone/>
+            </a:pPr>
             <a:endParaRPr lang="en-US" dirty="0"/>
-          </a:p>
-        </p:txBody>
-      </p:sp>
-      <p:sp>
-        <p:nvSpPr>
-          <p:cNvPr id="3" name="Content Placeholder 2">
-            <a:extLst>
-              <a:ext uri="{FF2B5EF4-FFF2-40B4-BE49-F238E27FC236}">
-                <a16:creationId xmlns:a16="http://schemas.microsoft.com/office/drawing/2014/main" id="{2A4AB622-10C2-BCAD-4D9C-935E257C73D5}"/>
-              </a:ext>
-            </a:extLst>
-          </p:cNvPr>
-          <p:cNvSpPr>
-            <a:spLocks noGrp="1"/>
-          </p:cNvSpPr>
-          <p:nvPr>
-            <p:ph idx="1"/>
-          </p:nvPr>
-        </p:nvSpPr>
-        <p:spPr/>
-        <p:txBody>
-          <a:bodyPr/>
-          <a:lstStyle/>
-          <a:p>
-            <a:endParaRPr lang="en-US"/>
           </a:p>
         </p:txBody>
       </p:sp>
@@ -3494,6 +4550,830 @@
     <p:extLst>
       <p:ext uri="{BB962C8B-B14F-4D97-AF65-F5344CB8AC3E}">
         <p14:creationId xmlns:p14="http://schemas.microsoft.com/office/powerpoint/2010/main" val="1733622319"/>
+      </p:ext>
+    </p:extLst>
+  </p:cSld>
+  <p:clrMapOvr>
+    <a:masterClrMapping/>
+  </p:clrMapOvr>
+</p:sld>
+</file>
+
+<file path=ppt/slides/slide3.xml><?xml version="1.0" encoding="utf-8"?>
+<p:sld xmlns:a="http://schemas.openxmlformats.org/drawingml/2006/main" xmlns:r="http://schemas.openxmlformats.org/officeDocument/2006/relationships" xmlns:p="http://schemas.openxmlformats.org/presentationml/2006/main">
+  <p:cSld>
+    <p:spTree>
+      <p:nvGrpSpPr>
+        <p:cNvPr id="1" name=""/>
+        <p:cNvGrpSpPr/>
+        <p:nvPr/>
+      </p:nvGrpSpPr>
+      <p:grpSpPr>
+        <a:xfrm>
+          <a:off x="0" y="0"/>
+          <a:ext cx="0" cy="0"/>
+          <a:chOff x="0" y="0"/>
+          <a:chExt cx="0" cy="0"/>
+        </a:xfrm>
+      </p:grpSpPr>
+      <p:sp>
+        <p:nvSpPr>
+          <p:cNvPr id="2" name="Title 1">
+            <a:extLst>
+              <a:ext uri="{FF2B5EF4-FFF2-40B4-BE49-F238E27FC236}">
+                <a16:creationId xmlns:a16="http://schemas.microsoft.com/office/drawing/2014/main" id="{46408683-B22D-3A70-9BB8-42088EC5BD7A}"/>
+              </a:ext>
+            </a:extLst>
+          </p:cNvPr>
+          <p:cNvSpPr>
+            <a:spLocks noGrp="1"/>
+          </p:cNvSpPr>
+          <p:nvPr>
+            <p:ph type="title"/>
+          </p:nvPr>
+        </p:nvSpPr>
+        <p:spPr/>
+        <p:txBody>
+          <a:bodyPr/>
+          <a:lstStyle/>
+          <a:p>
+            <a:r>
+              <a:rPr lang="en-US" dirty="0"/>
+              <a:t>Project Goals</a:t>
+            </a:r>
+          </a:p>
+        </p:txBody>
+      </p:sp>
+      <p:sp>
+        <p:nvSpPr>
+          <p:cNvPr id="3" name="Content Placeholder 2">
+            <a:extLst>
+              <a:ext uri="{FF2B5EF4-FFF2-40B4-BE49-F238E27FC236}">
+                <a16:creationId xmlns:a16="http://schemas.microsoft.com/office/drawing/2014/main" id="{2A4AB622-10C2-BCAD-4D9C-935E257C73D5}"/>
+              </a:ext>
+            </a:extLst>
+          </p:cNvPr>
+          <p:cNvSpPr>
+            <a:spLocks noGrp="1"/>
+          </p:cNvSpPr>
+          <p:nvPr>
+            <p:ph idx="1"/>
+          </p:nvPr>
+        </p:nvSpPr>
+        <p:spPr/>
+        <p:txBody>
+          <a:bodyPr>
+            <a:normAutofit/>
+          </a:bodyPr>
+          <a:lstStyle/>
+          <a:p>
+            <a:pPr marR="0" lvl="0">
+              <a:lnSpc>
+                <a:spcPct val="107000"/>
+              </a:lnSpc>
+              <a:spcBef>
+                <a:spcPts val="600"/>
+              </a:spcBef>
+              <a:spcAft>
+                <a:spcPts val="600"/>
+              </a:spcAft>
+            </a:pPr>
+            <a:r>
+              <a:rPr lang="en-US" kern="100" dirty="0">
+                <a:effectLst/>
+                <a:latin typeface="Aptos" panose="020B0004020202020204" pitchFamily="34" charset="0"/>
+                <a:ea typeface="Aptos" panose="020B0004020202020204" pitchFamily="34" charset="0"/>
+                <a:cs typeface="Times New Roman" panose="02020603050405020304" pitchFamily="18" charset="0"/>
+              </a:rPr>
+              <a:t>Which is the best service for families?</a:t>
+            </a:r>
+          </a:p>
+          <a:p>
+            <a:pPr>
+              <a:lnSpc>
+                <a:spcPct val="107000"/>
+              </a:lnSpc>
+              <a:spcBef>
+                <a:spcPts val="600"/>
+              </a:spcBef>
+              <a:spcAft>
+                <a:spcPts val="600"/>
+              </a:spcAft>
+            </a:pPr>
+            <a:r>
+              <a:rPr lang="en-US" kern="100" dirty="0">
+                <a:effectLst/>
+                <a:latin typeface="Aptos" panose="020B0004020202020204" pitchFamily="34" charset="0"/>
+                <a:ea typeface="Aptos" panose="020B0004020202020204" pitchFamily="34" charset="0"/>
+                <a:cs typeface="Times New Roman" panose="02020603050405020304" pitchFamily="18" charset="0"/>
+              </a:rPr>
+              <a:t>Which service has the most highly rated shows?</a:t>
+            </a:r>
+          </a:p>
+          <a:p>
+            <a:pPr marR="0" lvl="0">
+              <a:lnSpc>
+                <a:spcPct val="107000"/>
+              </a:lnSpc>
+              <a:spcBef>
+                <a:spcPts val="600"/>
+              </a:spcBef>
+              <a:spcAft>
+                <a:spcPts val="600"/>
+              </a:spcAft>
+            </a:pPr>
+            <a:r>
+              <a:rPr lang="en-US" kern="100" dirty="0">
+                <a:effectLst/>
+                <a:latin typeface="Aptos" panose="020B0004020202020204" pitchFamily="34" charset="0"/>
+                <a:ea typeface="Aptos" panose="020B0004020202020204" pitchFamily="34" charset="0"/>
+                <a:cs typeface="Times New Roman" panose="02020603050405020304" pitchFamily="18" charset="0"/>
+              </a:rPr>
+              <a:t>Which year(s) had the most highly rated shows?</a:t>
+            </a:r>
+          </a:p>
+          <a:p>
+            <a:pPr marL="0" indent="0">
+              <a:buNone/>
+            </a:pPr>
+            <a:endParaRPr lang="en-US" dirty="0"/>
+          </a:p>
+        </p:txBody>
+      </p:sp>
+    </p:spTree>
+    <p:extLst>
+      <p:ext uri="{BB962C8B-B14F-4D97-AF65-F5344CB8AC3E}">
+        <p14:creationId xmlns:p14="http://schemas.microsoft.com/office/powerpoint/2010/main" val="649062940"/>
+      </p:ext>
+    </p:extLst>
+  </p:cSld>
+  <p:clrMapOvr>
+    <a:masterClrMapping/>
+  </p:clrMapOvr>
+</p:sld>
+</file>
+
+<file path=ppt/slides/slide4.xml><?xml version="1.0" encoding="utf-8"?>
+<p:sld xmlns:a="http://schemas.openxmlformats.org/drawingml/2006/main" xmlns:r="http://schemas.openxmlformats.org/officeDocument/2006/relationships" xmlns:p="http://schemas.openxmlformats.org/presentationml/2006/main">
+  <p:cSld>
+    <p:spTree>
+      <p:nvGrpSpPr>
+        <p:cNvPr id="1" name=""/>
+        <p:cNvGrpSpPr/>
+        <p:nvPr/>
+      </p:nvGrpSpPr>
+      <p:grpSpPr>
+        <a:xfrm>
+          <a:off x="0" y="0"/>
+          <a:ext cx="0" cy="0"/>
+          <a:chOff x="0" y="0"/>
+          <a:chExt cx="0" cy="0"/>
+        </a:xfrm>
+      </p:grpSpPr>
+      <p:sp>
+        <p:nvSpPr>
+          <p:cNvPr id="2" name="Title 1">
+            <a:extLst>
+              <a:ext uri="{FF2B5EF4-FFF2-40B4-BE49-F238E27FC236}">
+                <a16:creationId xmlns:a16="http://schemas.microsoft.com/office/drawing/2014/main" id="{E052D89C-C7E8-B767-F6BE-AB7299240473}"/>
+              </a:ext>
+            </a:extLst>
+          </p:cNvPr>
+          <p:cNvSpPr>
+            <a:spLocks noGrp="1"/>
+          </p:cNvSpPr>
+          <p:nvPr>
+            <p:ph type="title"/>
+          </p:nvPr>
+        </p:nvSpPr>
+        <p:spPr/>
+        <p:txBody>
+          <a:bodyPr/>
+          <a:lstStyle/>
+          <a:p>
+            <a:r>
+              <a:rPr lang="en-US" dirty="0"/>
+              <a:t>Applicability</a:t>
+            </a:r>
+          </a:p>
+        </p:txBody>
+      </p:sp>
+      <p:sp>
+        <p:nvSpPr>
+          <p:cNvPr id="3" name="Content Placeholder 2">
+            <a:extLst>
+              <a:ext uri="{FF2B5EF4-FFF2-40B4-BE49-F238E27FC236}">
+                <a16:creationId xmlns:a16="http://schemas.microsoft.com/office/drawing/2014/main" id="{3F22A18E-448E-1502-E766-48A1402EF473}"/>
+              </a:ext>
+            </a:extLst>
+          </p:cNvPr>
+          <p:cNvSpPr>
+            <a:spLocks noGrp="1"/>
+          </p:cNvSpPr>
+          <p:nvPr>
+            <p:ph idx="1"/>
+          </p:nvPr>
+        </p:nvSpPr>
+        <p:spPr/>
+        <p:txBody>
+          <a:bodyPr/>
+          <a:lstStyle/>
+          <a:p>
+            <a:r>
+              <a:rPr lang="en-US" dirty="0"/>
+              <a:t>As more streaming services are being offered as time passes, this type of question is very prevalent in most homes</a:t>
+            </a:r>
+          </a:p>
+          <a:p>
+            <a:r>
+              <a:rPr lang="en-US" dirty="0"/>
+              <a:t>Everyone is trying to save money and lower the number of subscriptions they need (and avoiding having subscriptions for items that don’t fit the bill for your home and family)</a:t>
+            </a:r>
+          </a:p>
+        </p:txBody>
+      </p:sp>
+    </p:spTree>
+    <p:extLst>
+      <p:ext uri="{BB962C8B-B14F-4D97-AF65-F5344CB8AC3E}">
+        <p14:creationId xmlns:p14="http://schemas.microsoft.com/office/powerpoint/2010/main" val="3299086077"/>
+      </p:ext>
+    </p:extLst>
+  </p:cSld>
+  <p:clrMapOvr>
+    <a:masterClrMapping/>
+  </p:clrMapOvr>
+</p:sld>
+</file>
+
+<file path=ppt/slides/slide5.xml><?xml version="1.0" encoding="utf-8"?>
+<p:sld xmlns:a="http://schemas.openxmlformats.org/drawingml/2006/main" xmlns:r="http://schemas.openxmlformats.org/officeDocument/2006/relationships" xmlns:p="http://schemas.openxmlformats.org/presentationml/2006/main">
+  <p:cSld>
+    <p:spTree>
+      <p:nvGrpSpPr>
+        <p:cNvPr id="1" name=""/>
+        <p:cNvGrpSpPr/>
+        <p:nvPr/>
+      </p:nvGrpSpPr>
+      <p:grpSpPr>
+        <a:xfrm>
+          <a:off x="0" y="0"/>
+          <a:ext cx="0" cy="0"/>
+          <a:chOff x="0" y="0"/>
+          <a:chExt cx="0" cy="0"/>
+        </a:xfrm>
+      </p:grpSpPr>
+      <p:sp>
+        <p:nvSpPr>
+          <p:cNvPr id="2" name="Title 1">
+            <a:extLst>
+              <a:ext uri="{FF2B5EF4-FFF2-40B4-BE49-F238E27FC236}">
+                <a16:creationId xmlns:a16="http://schemas.microsoft.com/office/drawing/2014/main" id="{DAEDCF7F-79D1-4C39-B577-848D13B5DB16}"/>
+              </a:ext>
+            </a:extLst>
+          </p:cNvPr>
+          <p:cNvSpPr>
+            <a:spLocks noGrp="1"/>
+          </p:cNvSpPr>
+          <p:nvPr>
+            <p:ph type="title"/>
+          </p:nvPr>
+        </p:nvSpPr>
+        <p:spPr/>
+        <p:txBody>
+          <a:bodyPr/>
+          <a:lstStyle/>
+          <a:p>
+            <a:r>
+              <a:rPr lang="en-US" dirty="0"/>
+              <a:t>Our datasets</a:t>
+            </a:r>
+          </a:p>
+        </p:txBody>
+      </p:sp>
+      <p:sp>
+        <p:nvSpPr>
+          <p:cNvPr id="3" name="Content Placeholder 2">
+            <a:extLst>
+              <a:ext uri="{FF2B5EF4-FFF2-40B4-BE49-F238E27FC236}">
+                <a16:creationId xmlns:a16="http://schemas.microsoft.com/office/drawing/2014/main" id="{D8292D7E-DF72-B303-3D37-6B573E45FE92}"/>
+              </a:ext>
+            </a:extLst>
+          </p:cNvPr>
+          <p:cNvSpPr>
+            <a:spLocks noGrp="1"/>
+          </p:cNvSpPr>
+          <p:nvPr>
+            <p:ph idx="1"/>
+          </p:nvPr>
+        </p:nvSpPr>
+        <p:spPr/>
+        <p:txBody>
+          <a:bodyPr/>
+          <a:lstStyle/>
+          <a:p>
+            <a:r>
+              <a:rPr lang="en-US" dirty="0"/>
+              <a:t>Data selected:</a:t>
+            </a:r>
+          </a:p>
+          <a:p>
+            <a:pPr lvl="1"/>
+            <a:r>
+              <a:rPr lang="en-US" dirty="0"/>
+              <a:t>A </a:t>
+            </a:r>
+            <a:r>
+              <a:rPr lang="en-US" dirty="0">
+                <a:hlinkClick r:id="rId2"/>
+              </a:rPr>
+              <a:t>Kaggle</a:t>
+            </a:r>
+            <a:r>
+              <a:rPr lang="en-US" dirty="0"/>
+              <a:t> dataset for Television (TV) shows on various streaming services</a:t>
+            </a:r>
+          </a:p>
+          <a:p>
+            <a:pPr lvl="2"/>
+            <a:r>
+              <a:rPr lang="en-US" dirty="0"/>
+              <a:t>This dataset gives us more than 5,000 shows across four streaming services</a:t>
+            </a:r>
+          </a:p>
+          <a:p>
+            <a:pPr lvl="2"/>
+            <a:r>
+              <a:rPr lang="en-US" dirty="0"/>
+              <a:t>It provides:</a:t>
+            </a:r>
+          </a:p>
+          <a:p>
+            <a:pPr lvl="3"/>
+            <a:r>
+              <a:rPr lang="en-US" dirty="0"/>
+              <a:t>Year produced</a:t>
+            </a:r>
+          </a:p>
+          <a:p>
+            <a:pPr lvl="3"/>
+            <a:r>
+              <a:rPr lang="en-US" dirty="0"/>
+              <a:t>Target age group</a:t>
+            </a:r>
+          </a:p>
+          <a:p>
+            <a:pPr lvl="3"/>
+            <a:r>
+              <a:rPr lang="en-US" dirty="0"/>
+              <a:t>Ratings from two unique sources, Internet Movie Database (IMDb) and Rotten Tomatoes</a:t>
+            </a:r>
+          </a:p>
+          <a:p>
+            <a:pPr lvl="2"/>
+            <a:r>
+              <a:rPr lang="en-US" dirty="0"/>
+              <a:t>Chosen by the team because the dataset provides the variables we needed to answer any research proposal questions we defined during the planning phase</a:t>
+            </a:r>
+          </a:p>
+          <a:p>
+            <a:pPr lvl="1"/>
+            <a:endParaRPr lang="en-US" dirty="0"/>
+          </a:p>
+        </p:txBody>
+      </p:sp>
+    </p:spTree>
+    <p:extLst>
+      <p:ext uri="{BB962C8B-B14F-4D97-AF65-F5344CB8AC3E}">
+        <p14:creationId xmlns:p14="http://schemas.microsoft.com/office/powerpoint/2010/main" val="3677560437"/>
+      </p:ext>
+    </p:extLst>
+  </p:cSld>
+  <p:clrMapOvr>
+    <a:masterClrMapping/>
+  </p:clrMapOvr>
+</p:sld>
+</file>
+
+<file path=ppt/slides/slide6.xml><?xml version="1.0" encoding="utf-8"?>
+<p:sld xmlns:a="http://schemas.openxmlformats.org/drawingml/2006/main" xmlns:r="http://schemas.openxmlformats.org/officeDocument/2006/relationships" xmlns:p="http://schemas.openxmlformats.org/presentationml/2006/main">
+  <p:cSld>
+    <p:spTree>
+      <p:nvGrpSpPr>
+        <p:cNvPr id="1" name=""/>
+        <p:cNvGrpSpPr/>
+        <p:nvPr/>
+      </p:nvGrpSpPr>
+      <p:grpSpPr>
+        <a:xfrm>
+          <a:off x="0" y="0"/>
+          <a:ext cx="0" cy="0"/>
+          <a:chOff x="0" y="0"/>
+          <a:chExt cx="0" cy="0"/>
+        </a:xfrm>
+      </p:grpSpPr>
+      <p:sp>
+        <p:nvSpPr>
+          <p:cNvPr id="2" name="Title 1">
+            <a:extLst>
+              <a:ext uri="{FF2B5EF4-FFF2-40B4-BE49-F238E27FC236}">
+                <a16:creationId xmlns:a16="http://schemas.microsoft.com/office/drawing/2014/main" id="{10827BA6-373B-21A4-C82A-1AB90D33A82B}"/>
+              </a:ext>
+            </a:extLst>
+          </p:cNvPr>
+          <p:cNvSpPr>
+            <a:spLocks noGrp="1"/>
+          </p:cNvSpPr>
+          <p:nvPr>
+            <p:ph type="title"/>
+          </p:nvPr>
+        </p:nvSpPr>
+        <p:spPr/>
+        <p:txBody>
+          <a:bodyPr/>
+          <a:lstStyle/>
+          <a:p>
+            <a:r>
+              <a:rPr lang="en-US" dirty="0"/>
+              <a:t>Working with the dataset</a:t>
+            </a:r>
+          </a:p>
+        </p:txBody>
+      </p:sp>
+      <p:sp>
+        <p:nvSpPr>
+          <p:cNvPr id="3" name="Content Placeholder 2">
+            <a:extLst>
+              <a:ext uri="{FF2B5EF4-FFF2-40B4-BE49-F238E27FC236}">
+                <a16:creationId xmlns:a16="http://schemas.microsoft.com/office/drawing/2014/main" id="{09D39FD1-EFB3-B4C6-4040-2377C5383461}"/>
+              </a:ext>
+            </a:extLst>
+          </p:cNvPr>
+          <p:cNvSpPr>
+            <a:spLocks noGrp="1"/>
+          </p:cNvSpPr>
+          <p:nvPr>
+            <p:ph idx="1"/>
+          </p:nvPr>
+        </p:nvSpPr>
+        <p:spPr/>
+        <p:txBody>
+          <a:bodyPr/>
+          <a:lstStyle/>
+          <a:p>
+            <a:r>
+              <a:rPr lang="en-US" dirty="0"/>
+              <a:t>Read in the .csv files into </a:t>
+            </a:r>
+            <a:r>
+              <a:rPr lang="en-US" dirty="0" err="1"/>
+              <a:t>DataFrames</a:t>
+            </a:r>
+            <a:endParaRPr lang="en-US" dirty="0"/>
+          </a:p>
+          <a:p>
+            <a:r>
+              <a:rPr lang="en-US" dirty="0"/>
+              <a:t>Deleted unnecessary columns</a:t>
+            </a:r>
+          </a:p>
+          <a:p>
+            <a:r>
+              <a:rPr lang="en-US" dirty="0"/>
+              <a:t>Dropped rows without data (e.g., </a:t>
+            </a:r>
+            <a:r>
+              <a:rPr lang="en-US" dirty="0" err="1"/>
+              <a:t>NaN</a:t>
+            </a:r>
+            <a:r>
+              <a:rPr lang="en-US" dirty="0"/>
+              <a:t>)</a:t>
+            </a:r>
+          </a:p>
+          <a:p>
+            <a:r>
+              <a:rPr lang="en-US" dirty="0"/>
+              <a:t>Looped through </a:t>
+            </a:r>
+            <a:r>
+              <a:rPr lang="en-US" dirty="0" err="1"/>
+              <a:t>DataFrame</a:t>
+            </a:r>
+            <a:r>
+              <a:rPr lang="en-US" dirty="0"/>
+              <a:t> to find data relevant to our research questions</a:t>
+            </a:r>
+          </a:p>
+          <a:p>
+            <a:r>
+              <a:rPr lang="en-US" dirty="0"/>
+              <a:t>Created plots and figures to visualize the data relevant to our research questions</a:t>
+            </a:r>
+          </a:p>
+          <a:p>
+            <a:pPr marL="0" indent="0">
+              <a:buNone/>
+            </a:pPr>
+            <a:endParaRPr lang="en-US" dirty="0"/>
+          </a:p>
+        </p:txBody>
+      </p:sp>
+    </p:spTree>
+    <p:extLst>
+      <p:ext uri="{BB962C8B-B14F-4D97-AF65-F5344CB8AC3E}">
+        <p14:creationId xmlns:p14="http://schemas.microsoft.com/office/powerpoint/2010/main" val="1144404274"/>
+      </p:ext>
+    </p:extLst>
+  </p:cSld>
+  <p:clrMapOvr>
+    <a:masterClrMapping/>
+  </p:clrMapOvr>
+</p:sld>
+</file>
+
+<file path=ppt/slides/slide7.xml><?xml version="1.0" encoding="utf-8"?>
+<p:sld xmlns:a="http://schemas.openxmlformats.org/drawingml/2006/main" xmlns:r="http://schemas.openxmlformats.org/officeDocument/2006/relationships" xmlns:p="http://schemas.openxmlformats.org/presentationml/2006/main">
+  <p:cSld>
+    <p:spTree>
+      <p:nvGrpSpPr>
+        <p:cNvPr id="1" name=""/>
+        <p:cNvGrpSpPr/>
+        <p:nvPr/>
+      </p:nvGrpSpPr>
+      <p:grpSpPr>
+        <a:xfrm>
+          <a:off x="0" y="0"/>
+          <a:ext cx="0" cy="0"/>
+          <a:chOff x="0" y="0"/>
+          <a:chExt cx="0" cy="0"/>
+        </a:xfrm>
+      </p:grpSpPr>
+      <p:sp>
+        <p:nvSpPr>
+          <p:cNvPr id="2" name="Title 1">
+            <a:extLst>
+              <a:ext uri="{FF2B5EF4-FFF2-40B4-BE49-F238E27FC236}">
+                <a16:creationId xmlns:a16="http://schemas.microsoft.com/office/drawing/2014/main" id="{6F77E0AD-D824-6B6E-5453-12456358687B}"/>
+              </a:ext>
+            </a:extLst>
+          </p:cNvPr>
+          <p:cNvSpPr>
+            <a:spLocks noGrp="1"/>
+          </p:cNvSpPr>
+          <p:nvPr>
+            <p:ph type="title"/>
+          </p:nvPr>
+        </p:nvSpPr>
+        <p:spPr/>
+        <p:txBody>
+          <a:bodyPr/>
+          <a:lstStyle/>
+          <a:p>
+            <a:r>
+              <a:rPr lang="en-US" dirty="0"/>
+              <a:t>Approach Overview</a:t>
+            </a:r>
+          </a:p>
+        </p:txBody>
+      </p:sp>
+      <p:sp>
+        <p:nvSpPr>
+          <p:cNvPr id="3" name="Content Placeholder 2">
+            <a:extLst>
+              <a:ext uri="{FF2B5EF4-FFF2-40B4-BE49-F238E27FC236}">
+                <a16:creationId xmlns:a16="http://schemas.microsoft.com/office/drawing/2014/main" id="{C5F98696-3B9B-AD74-9AC6-930A9AFECF41}"/>
+              </a:ext>
+            </a:extLst>
+          </p:cNvPr>
+          <p:cNvSpPr>
+            <a:spLocks noGrp="1"/>
+          </p:cNvSpPr>
+          <p:nvPr>
+            <p:ph idx="1"/>
+          </p:nvPr>
+        </p:nvSpPr>
+        <p:spPr/>
+        <p:txBody>
+          <a:bodyPr/>
+          <a:lstStyle/>
+          <a:p>
+            <a:r>
+              <a:rPr lang="en-US" dirty="0"/>
+              <a:t>Approach to achieve project goals:</a:t>
+            </a:r>
+          </a:p>
+          <a:p>
+            <a:pPr lvl="1"/>
+            <a:r>
+              <a:rPr lang="en-US" dirty="0"/>
+              <a:t>Initially, the team planned to scrape data from one API; however, this was cost prohibitive and had to be abandoned</a:t>
+            </a:r>
+          </a:p>
+          <a:p>
+            <a:pPr lvl="1"/>
+            <a:r>
+              <a:rPr lang="en-US" dirty="0"/>
+              <a:t>Also, there were more initial questions to answer, but ultimately decided which ones to pursue based on team discussion</a:t>
+            </a:r>
+          </a:p>
+          <a:p>
+            <a:r>
+              <a:rPr lang="en-US" dirty="0"/>
+              <a:t>Unexpected insights:</a:t>
+            </a:r>
+          </a:p>
+          <a:p>
+            <a:pPr lvl="1"/>
+            <a:r>
+              <a:rPr lang="en-US" dirty="0"/>
+              <a:t>Don’t pick an API with less free access that you require if you have a budgetary restriction</a:t>
+            </a:r>
+          </a:p>
+          <a:p>
+            <a:pPr lvl="1"/>
+            <a:r>
+              <a:rPr lang="en-US" dirty="0"/>
+              <a:t>Dataset was limited to information up to and including 2021</a:t>
+            </a:r>
+          </a:p>
+        </p:txBody>
+      </p:sp>
+    </p:spTree>
+    <p:extLst>
+      <p:ext uri="{BB962C8B-B14F-4D97-AF65-F5344CB8AC3E}">
+        <p14:creationId xmlns:p14="http://schemas.microsoft.com/office/powerpoint/2010/main" val="2035357408"/>
+      </p:ext>
+    </p:extLst>
+  </p:cSld>
+  <p:clrMapOvr>
+    <a:masterClrMapping/>
+  </p:clrMapOvr>
+</p:sld>
+</file>
+
+<file path=ppt/slides/slide8.xml><?xml version="1.0" encoding="utf-8"?>
+<p:sld xmlns:a="http://schemas.openxmlformats.org/drawingml/2006/main" xmlns:r="http://schemas.openxmlformats.org/officeDocument/2006/relationships" xmlns:p="http://schemas.openxmlformats.org/presentationml/2006/main">
+  <p:cSld>
+    <p:spTree>
+      <p:nvGrpSpPr>
+        <p:cNvPr id="1" name=""/>
+        <p:cNvGrpSpPr/>
+        <p:nvPr/>
+      </p:nvGrpSpPr>
+      <p:grpSpPr>
+        <a:xfrm>
+          <a:off x="0" y="0"/>
+          <a:ext cx="0" cy="0"/>
+          <a:chOff x="0" y="0"/>
+          <a:chExt cx="0" cy="0"/>
+        </a:xfrm>
+      </p:grpSpPr>
+      <p:sp>
+        <p:nvSpPr>
+          <p:cNvPr id="2" name="Title 1">
+            <a:extLst>
+              <a:ext uri="{FF2B5EF4-FFF2-40B4-BE49-F238E27FC236}">
+                <a16:creationId xmlns:a16="http://schemas.microsoft.com/office/drawing/2014/main" id="{6F77E0AD-D824-6B6E-5453-12456358687B}"/>
+              </a:ext>
+            </a:extLst>
+          </p:cNvPr>
+          <p:cNvSpPr>
+            <a:spLocks noGrp="1"/>
+          </p:cNvSpPr>
+          <p:nvPr>
+            <p:ph type="title"/>
+          </p:nvPr>
+        </p:nvSpPr>
+        <p:spPr/>
+        <p:txBody>
+          <a:bodyPr/>
+          <a:lstStyle/>
+          <a:p>
+            <a:r>
+              <a:rPr lang="en-US" dirty="0"/>
+              <a:t>Approach (Le)</a:t>
+            </a:r>
+          </a:p>
+        </p:txBody>
+      </p:sp>
+      <p:sp>
+        <p:nvSpPr>
+          <p:cNvPr id="3" name="Content Placeholder 2">
+            <a:extLst>
+              <a:ext uri="{FF2B5EF4-FFF2-40B4-BE49-F238E27FC236}">
+                <a16:creationId xmlns:a16="http://schemas.microsoft.com/office/drawing/2014/main" id="{C5F98696-3B9B-AD74-9AC6-930A9AFECF41}"/>
+              </a:ext>
+            </a:extLst>
+          </p:cNvPr>
+          <p:cNvSpPr>
+            <a:spLocks noGrp="1"/>
+          </p:cNvSpPr>
+          <p:nvPr>
+            <p:ph idx="1"/>
+          </p:nvPr>
+        </p:nvSpPr>
+        <p:spPr/>
+        <p:txBody>
+          <a:bodyPr/>
+          <a:lstStyle/>
+          <a:p>
+            <a:pPr marL="0" indent="0">
+              <a:buNone/>
+            </a:pPr>
+            <a:endParaRPr lang="en-US" dirty="0"/>
+          </a:p>
+        </p:txBody>
+      </p:sp>
+    </p:spTree>
+    <p:extLst>
+      <p:ext uri="{BB962C8B-B14F-4D97-AF65-F5344CB8AC3E}">
+        <p14:creationId xmlns:p14="http://schemas.microsoft.com/office/powerpoint/2010/main" val="3285236100"/>
+      </p:ext>
+    </p:extLst>
+  </p:cSld>
+  <p:clrMapOvr>
+    <a:masterClrMapping/>
+  </p:clrMapOvr>
+</p:sld>
+</file>
+
+<file path=ppt/slides/slide9.xml><?xml version="1.0" encoding="utf-8"?>
+<p:sld xmlns:a="http://schemas.openxmlformats.org/drawingml/2006/main" xmlns:r="http://schemas.openxmlformats.org/officeDocument/2006/relationships" xmlns:p="http://schemas.openxmlformats.org/presentationml/2006/main">
+  <p:cSld>
+    <p:spTree>
+      <p:nvGrpSpPr>
+        <p:cNvPr id="1" name=""/>
+        <p:cNvGrpSpPr/>
+        <p:nvPr/>
+      </p:nvGrpSpPr>
+      <p:grpSpPr>
+        <a:xfrm>
+          <a:off x="0" y="0"/>
+          <a:ext cx="0" cy="0"/>
+          <a:chOff x="0" y="0"/>
+          <a:chExt cx="0" cy="0"/>
+        </a:xfrm>
+      </p:grpSpPr>
+      <p:sp>
+        <p:nvSpPr>
+          <p:cNvPr id="2" name="Title 1">
+            <a:extLst>
+              <a:ext uri="{FF2B5EF4-FFF2-40B4-BE49-F238E27FC236}">
+                <a16:creationId xmlns:a16="http://schemas.microsoft.com/office/drawing/2014/main" id="{6F77E0AD-D824-6B6E-5453-12456358687B}"/>
+              </a:ext>
+            </a:extLst>
+          </p:cNvPr>
+          <p:cNvSpPr>
+            <a:spLocks noGrp="1"/>
+          </p:cNvSpPr>
+          <p:nvPr>
+            <p:ph type="title"/>
+          </p:nvPr>
+        </p:nvSpPr>
+        <p:spPr/>
+        <p:txBody>
+          <a:bodyPr/>
+          <a:lstStyle/>
+          <a:p>
+            <a:r>
+              <a:rPr lang="en-US" dirty="0"/>
+              <a:t>Results (Le)</a:t>
+            </a:r>
+          </a:p>
+        </p:txBody>
+      </p:sp>
+      <p:sp>
+        <p:nvSpPr>
+          <p:cNvPr id="3" name="Content Placeholder 2">
+            <a:extLst>
+              <a:ext uri="{FF2B5EF4-FFF2-40B4-BE49-F238E27FC236}">
+                <a16:creationId xmlns:a16="http://schemas.microsoft.com/office/drawing/2014/main" id="{C5F98696-3B9B-AD74-9AC6-930A9AFECF41}"/>
+              </a:ext>
+            </a:extLst>
+          </p:cNvPr>
+          <p:cNvSpPr>
+            <a:spLocks noGrp="1"/>
+          </p:cNvSpPr>
+          <p:nvPr>
+            <p:ph idx="1"/>
+          </p:nvPr>
+        </p:nvSpPr>
+        <p:spPr/>
+        <p:txBody>
+          <a:bodyPr/>
+          <a:lstStyle/>
+          <a:p>
+            <a:pPr marL="0" indent="0">
+              <a:buNone/>
+            </a:pPr>
+            <a:endParaRPr lang="en-US" dirty="0"/>
+          </a:p>
+        </p:txBody>
+      </p:sp>
+    </p:spTree>
+    <p:extLst>
+      <p:ext uri="{BB962C8B-B14F-4D97-AF65-F5344CB8AC3E}">
+        <p14:creationId xmlns:p14="http://schemas.microsoft.com/office/powerpoint/2010/main" val="3901284342"/>
       </p:ext>
     </p:extLst>
   </p:cSld>
@@ -3816,4 +5696,319 @@
     </a:ext>
   </a:extLst>
 </a:theme>
+</file>
+
+<file path=ppt/theme/theme2.xml><?xml version="1.0" encoding="utf-8"?>
+<a:theme xmlns:a="http://schemas.openxmlformats.org/drawingml/2006/main" name="Office Theme">
+  <a:themeElements>
+    <a:clrScheme name="Office">
+      <a:dk1>
+        <a:sysClr val="windowText" lastClr="000000"/>
+      </a:dk1>
+      <a:lt1>
+        <a:sysClr val="window" lastClr="FFFFFF"/>
+      </a:lt1>
+      <a:dk2>
+        <a:srgbClr val="0E2841"/>
+      </a:dk2>
+      <a:lt2>
+        <a:srgbClr val="E8E8E8"/>
+      </a:lt2>
+      <a:accent1>
+        <a:srgbClr val="156082"/>
+      </a:accent1>
+      <a:accent2>
+        <a:srgbClr val="E97132"/>
+      </a:accent2>
+      <a:accent3>
+        <a:srgbClr val="196B24"/>
+      </a:accent3>
+      <a:accent4>
+        <a:srgbClr val="0F9ED5"/>
+      </a:accent4>
+      <a:accent5>
+        <a:srgbClr val="A02B93"/>
+      </a:accent5>
+      <a:accent6>
+        <a:srgbClr val="4EA72E"/>
+      </a:accent6>
+      <a:hlink>
+        <a:srgbClr val="467886"/>
+      </a:hlink>
+      <a:folHlink>
+        <a:srgbClr val="96607D"/>
+      </a:folHlink>
+    </a:clrScheme>
+    <a:fontScheme name="Office">
+      <a:majorFont>
+        <a:latin typeface="Aptos Display" panose="02110004020202020204"/>
+        <a:ea typeface=""/>
+        <a:cs typeface=""/>
+        <a:font script="Jpan" typeface="游ゴシック Light"/>
+        <a:font script="Hang" typeface="맑은 고딕"/>
+        <a:font script="Hans" typeface="等线 Light"/>
+        <a:font script="Hant" typeface="新細明體"/>
+        <a:font script="Arab" typeface="Times New Roman"/>
+        <a:font script="Hebr" typeface="Times New Roman"/>
+        <a:font script="Thai" typeface="Angsana New"/>
+        <a:font script="Ethi" typeface="Nyala"/>
+        <a:font script="Beng" typeface="Vrinda"/>
+        <a:font script="Gujr" typeface="Shruti"/>
+        <a:font script="Khmr" typeface="MoolBoran"/>
+        <a:font script="Knda" typeface="Tunga"/>
+        <a:font script="Guru" typeface="Raavi"/>
+        <a:font script="Cans" typeface="Euphemia"/>
+        <a:font script="Cher" typeface="Plantagenet Cherokee"/>
+        <a:font script="Yiii" typeface="Microsoft Yi Baiti"/>
+        <a:font script="Tibt" typeface="Microsoft Himalaya"/>
+        <a:font script="Thaa" typeface="MV Boli"/>
+        <a:font script="Deva" typeface="Mangal"/>
+        <a:font script="Telu" typeface="Gautami"/>
+        <a:font script="Taml" typeface="Latha"/>
+        <a:font script="Syrc" typeface="Estrangelo Edessa"/>
+        <a:font script="Orya" typeface="Kalinga"/>
+        <a:font script="Mlym" typeface="Kartika"/>
+        <a:font script="Laoo" typeface="DokChampa"/>
+        <a:font script="Sinh" typeface="Iskoola Pota"/>
+        <a:font script="Mong" typeface="Mongolian Baiti"/>
+        <a:font script="Viet" typeface="Times New Roman"/>
+        <a:font script="Uigh" typeface="Microsoft Uighur"/>
+        <a:font script="Geor" typeface="Sylfaen"/>
+        <a:font script="Armn" typeface="Arial"/>
+        <a:font script="Bugi" typeface="Leelawadee UI"/>
+        <a:font script="Bopo" typeface="Microsoft JhengHei"/>
+        <a:font script="Java" typeface="Javanese Text"/>
+        <a:font script="Lisu" typeface="Segoe UI"/>
+        <a:font script="Mymr" typeface="Myanmar Text"/>
+        <a:font script="Nkoo" typeface="Ebrima"/>
+        <a:font script="Olck" typeface="Nirmala UI"/>
+        <a:font script="Osma" typeface="Ebrima"/>
+        <a:font script="Phag" typeface="Phagspa"/>
+        <a:font script="Syrn" typeface="Estrangelo Edessa"/>
+        <a:font script="Syrj" typeface="Estrangelo Edessa"/>
+        <a:font script="Syre" typeface="Estrangelo Edessa"/>
+        <a:font script="Sora" typeface="Nirmala UI"/>
+        <a:font script="Tale" typeface="Microsoft Tai Le"/>
+        <a:font script="Talu" typeface="Microsoft New Tai Lue"/>
+        <a:font script="Tfng" typeface="Ebrima"/>
+      </a:majorFont>
+      <a:minorFont>
+        <a:latin typeface="Aptos" panose="02110004020202020204"/>
+        <a:ea typeface=""/>
+        <a:cs typeface=""/>
+        <a:font script="Jpan" typeface="游ゴシック"/>
+        <a:font script="Hang" typeface="맑은 고딕"/>
+        <a:font script="Hans" typeface="等线"/>
+        <a:font script="Hant" typeface="新細明體"/>
+        <a:font script="Arab" typeface="Arial"/>
+        <a:font script="Hebr" typeface="Arial"/>
+        <a:font script="Thai" typeface="Cordia New"/>
+        <a:font script="Ethi" typeface="Nyala"/>
+        <a:font script="Beng" typeface="Vrinda"/>
+        <a:font script="Gujr" typeface="Shruti"/>
+        <a:font script="Khmr" typeface="DaunPenh"/>
+        <a:font script="Knda" typeface="Tunga"/>
+        <a:font script="Guru" typeface="Raavi"/>
+        <a:font script="Cans" typeface="Euphemia"/>
+        <a:font script="Cher" typeface="Plantagenet Cherokee"/>
+        <a:font script="Yiii" typeface="Microsoft Yi Baiti"/>
+        <a:font script="Tibt" typeface="Microsoft Himalaya"/>
+        <a:font script="Thaa" typeface="MV Boli"/>
+        <a:font script="Deva" typeface="Mangal"/>
+        <a:font script="Telu" typeface="Gautami"/>
+        <a:font script="Taml" typeface="Latha"/>
+        <a:font script="Syrc" typeface="Estrangelo Edessa"/>
+        <a:font script="Orya" typeface="Kalinga"/>
+        <a:font script="Mlym" typeface="Kartika"/>
+        <a:font script="Laoo" typeface="DokChampa"/>
+        <a:font script="Sinh" typeface="Iskoola Pota"/>
+        <a:font script="Mong" typeface="Mongolian Baiti"/>
+        <a:font script="Viet" typeface="Arial"/>
+        <a:font script="Uigh" typeface="Microsoft Uighur"/>
+        <a:font script="Geor" typeface="Sylfaen"/>
+        <a:font script="Armn" typeface="Arial"/>
+        <a:font script="Bugi" typeface="Leelawadee UI"/>
+        <a:font script="Bopo" typeface="Microsoft JhengHei"/>
+        <a:font script="Java" typeface="Javanese Text"/>
+        <a:font script="Lisu" typeface="Segoe UI"/>
+        <a:font script="Mymr" typeface="Myanmar Text"/>
+        <a:font script="Nkoo" typeface="Ebrima"/>
+        <a:font script="Olck" typeface="Nirmala UI"/>
+        <a:font script="Osma" typeface="Ebrima"/>
+        <a:font script="Phag" typeface="Phagspa"/>
+        <a:font script="Syrn" typeface="Estrangelo Edessa"/>
+        <a:font script="Syrj" typeface="Estrangelo Edessa"/>
+        <a:font script="Syre" typeface="Estrangelo Edessa"/>
+        <a:font script="Sora" typeface="Nirmala UI"/>
+        <a:font script="Tale" typeface="Microsoft Tai Le"/>
+        <a:font script="Talu" typeface="Microsoft New Tai Lue"/>
+        <a:font script="Tfng" typeface="Ebrima"/>
+      </a:minorFont>
+    </a:fontScheme>
+    <a:fmtScheme name="Office">
+      <a:fillStyleLst>
+        <a:solidFill>
+          <a:schemeClr val="phClr"/>
+        </a:solidFill>
+        <a:gradFill rotWithShape="1">
+          <a:gsLst>
+            <a:gs pos="0">
+              <a:schemeClr val="phClr">
+                <a:lumMod val="110000"/>
+                <a:satMod val="105000"/>
+                <a:tint val="67000"/>
+              </a:schemeClr>
+            </a:gs>
+            <a:gs pos="50000">
+              <a:schemeClr val="phClr">
+                <a:lumMod val="105000"/>
+                <a:satMod val="103000"/>
+                <a:tint val="73000"/>
+              </a:schemeClr>
+            </a:gs>
+            <a:gs pos="100000">
+              <a:schemeClr val="phClr">
+                <a:lumMod val="105000"/>
+                <a:satMod val="109000"/>
+                <a:tint val="81000"/>
+              </a:schemeClr>
+            </a:gs>
+          </a:gsLst>
+          <a:lin ang="5400000" scaled="0"/>
+        </a:gradFill>
+        <a:gradFill rotWithShape="1">
+          <a:gsLst>
+            <a:gs pos="0">
+              <a:schemeClr val="phClr">
+                <a:satMod val="103000"/>
+                <a:lumMod val="102000"/>
+                <a:tint val="94000"/>
+              </a:schemeClr>
+            </a:gs>
+            <a:gs pos="50000">
+              <a:schemeClr val="phClr">
+                <a:satMod val="110000"/>
+                <a:lumMod val="100000"/>
+                <a:shade val="100000"/>
+              </a:schemeClr>
+            </a:gs>
+            <a:gs pos="100000">
+              <a:schemeClr val="phClr">
+                <a:lumMod val="99000"/>
+                <a:satMod val="120000"/>
+                <a:shade val="78000"/>
+              </a:schemeClr>
+            </a:gs>
+          </a:gsLst>
+          <a:lin ang="5400000" scaled="0"/>
+        </a:gradFill>
+      </a:fillStyleLst>
+      <a:lnStyleLst>
+        <a:ln w="12700" cap="flat" cmpd="sng" algn="ctr">
+          <a:solidFill>
+            <a:schemeClr val="phClr"/>
+          </a:solidFill>
+          <a:prstDash val="solid"/>
+          <a:miter lim="800000"/>
+        </a:ln>
+        <a:ln w="19050" cap="flat" cmpd="sng" algn="ctr">
+          <a:solidFill>
+            <a:schemeClr val="phClr"/>
+          </a:solidFill>
+          <a:prstDash val="solid"/>
+          <a:miter lim="800000"/>
+        </a:ln>
+        <a:ln w="25400" cap="flat" cmpd="sng" algn="ctr">
+          <a:solidFill>
+            <a:schemeClr val="phClr"/>
+          </a:solidFill>
+          <a:prstDash val="solid"/>
+          <a:miter lim="800000"/>
+        </a:ln>
+      </a:lnStyleLst>
+      <a:effectStyleLst>
+        <a:effectStyle>
+          <a:effectLst/>
+        </a:effectStyle>
+        <a:effectStyle>
+          <a:effectLst/>
+        </a:effectStyle>
+        <a:effectStyle>
+          <a:effectLst>
+            <a:outerShdw blurRad="57150" dist="19050" dir="5400000" algn="ctr" rotWithShape="0">
+              <a:srgbClr val="000000">
+                <a:alpha val="63000"/>
+              </a:srgbClr>
+            </a:outerShdw>
+          </a:effectLst>
+        </a:effectStyle>
+      </a:effectStyleLst>
+      <a:bgFillStyleLst>
+        <a:solidFill>
+          <a:schemeClr val="phClr"/>
+        </a:solidFill>
+        <a:solidFill>
+          <a:schemeClr val="phClr">
+            <a:tint val="95000"/>
+            <a:satMod val="170000"/>
+          </a:schemeClr>
+        </a:solidFill>
+        <a:gradFill rotWithShape="1">
+          <a:gsLst>
+            <a:gs pos="0">
+              <a:schemeClr val="phClr">
+                <a:tint val="93000"/>
+                <a:satMod val="150000"/>
+                <a:shade val="98000"/>
+                <a:lumMod val="102000"/>
+              </a:schemeClr>
+            </a:gs>
+            <a:gs pos="50000">
+              <a:schemeClr val="phClr">
+                <a:tint val="98000"/>
+                <a:satMod val="130000"/>
+                <a:shade val="90000"/>
+                <a:lumMod val="103000"/>
+              </a:schemeClr>
+            </a:gs>
+            <a:gs pos="100000">
+              <a:schemeClr val="phClr">
+                <a:shade val="63000"/>
+                <a:satMod val="120000"/>
+              </a:schemeClr>
+            </a:gs>
+          </a:gsLst>
+          <a:lin ang="5400000" scaled="0"/>
+        </a:gradFill>
+      </a:bgFillStyleLst>
+    </a:fmtScheme>
+  </a:themeElements>
+  <a:objectDefaults>
+    <a:lnDef>
+      <a:spPr/>
+      <a:bodyPr/>
+      <a:lstStyle/>
+      <a:style>
+        <a:lnRef idx="2">
+          <a:schemeClr val="accent1"/>
+        </a:lnRef>
+        <a:fillRef idx="0">
+          <a:schemeClr val="accent1"/>
+        </a:fillRef>
+        <a:effectRef idx="1">
+          <a:schemeClr val="accent1"/>
+        </a:effectRef>
+        <a:fontRef idx="minor">
+          <a:schemeClr val="tx1"/>
+        </a:fontRef>
+      </a:style>
+    </a:lnDef>
+  </a:objectDefaults>
+  <a:extraClrSchemeLst/>
+  <a:extLst>
+    <a:ext uri="{05A4C25C-085E-4340-85A3-A5531E510DB2}">
+      <thm15:themeFamily xmlns:thm15="http://schemas.microsoft.com/office/thememl/2012/main" name="Office Theme" id="{2E142A2C-CD16-42D6-873A-C26D2A0506FA}" vid="{1BDDFF52-6CD6-40A5-AB3C-68EB2F1E4D0A}"/>
+    </a:ext>
+  </a:extLst>
+</a:theme>
 </file>
--- a/what_are_we_watching_tonight.pptx
+++ b/what_are_we_watching_tonight.pptx
@@ -2,10 +2,10 @@
 <file path=ppt/presentation.xml><?xml version="1.0" encoding="utf-8"?>
 <p:presentation xmlns:a="http://schemas.openxmlformats.org/drawingml/2006/main" xmlns:r="http://schemas.openxmlformats.org/officeDocument/2006/relationships" xmlns:p="http://schemas.openxmlformats.org/presentationml/2006/main" saveSubsetFonts="1">
   <p:sldMasterIdLst>
-    <p:sldMasterId id="2147483648" r:id="rId1"/>
+    <p:sldMasterId id="2147483660" r:id="rId1"/>
   </p:sldMasterIdLst>
   <p:notesMasterIdLst>
-    <p:notesMasterId r:id="rId16"/>
+    <p:notesMasterId r:id="rId27"/>
   </p:notesMasterIdLst>
   <p:sldIdLst>
     <p:sldId id="256" r:id="rId2"/>
@@ -15,13 +15,24 @@
     <p:sldId id="260" r:id="rId6"/>
     <p:sldId id="262" r:id="rId7"/>
     <p:sldId id="263" r:id="rId8"/>
-    <p:sldId id="264" r:id="rId9"/>
-    <p:sldId id="267" r:id="rId10"/>
-    <p:sldId id="265" r:id="rId11"/>
-    <p:sldId id="268" r:id="rId12"/>
-    <p:sldId id="266" r:id="rId13"/>
-    <p:sldId id="269" r:id="rId14"/>
-    <p:sldId id="270" r:id="rId15"/>
+    <p:sldId id="273" r:id="rId9"/>
+    <p:sldId id="276" r:id="rId10"/>
+    <p:sldId id="267" r:id="rId11"/>
+    <p:sldId id="277" r:id="rId12"/>
+    <p:sldId id="278" r:id="rId13"/>
+    <p:sldId id="279" r:id="rId14"/>
+    <p:sldId id="280" r:id="rId15"/>
+    <p:sldId id="281" r:id="rId16"/>
+    <p:sldId id="282" r:id="rId17"/>
+    <p:sldId id="272" r:id="rId18"/>
+    <p:sldId id="265" r:id="rId19"/>
+    <p:sldId id="268" r:id="rId20"/>
+    <p:sldId id="271" r:id="rId21"/>
+    <p:sldId id="266" r:id="rId22"/>
+    <p:sldId id="269" r:id="rId23"/>
+    <p:sldId id="274" r:id="rId24"/>
+    <p:sldId id="275" r:id="rId25"/>
+    <p:sldId id="270" r:id="rId26"/>
   </p:sldIdLst>
   <p:sldSz cx="12192000" cy="6858000"/>
   <p:notesSz cx="6858000" cy="9144000"/>
@@ -29,7 +40,7 @@
     <a:defPPr>
       <a:defRPr lang="en-US"/>
     </a:defPPr>
-    <a:lvl1pPr marL="0" algn="l" defTabSz="914400" rtl="0" eaLnBrk="1" latinLnBrk="0" hangingPunct="1">
+    <a:lvl1pPr marL="0" algn="l" defTabSz="457200" rtl="0" eaLnBrk="1" latinLnBrk="0" hangingPunct="1">
       <a:defRPr sz="1800" kern="1200">
         <a:solidFill>
           <a:schemeClr val="tx1"/>
@@ -39,7 +50,7 @@
         <a:cs typeface="+mn-cs"/>
       </a:defRPr>
     </a:lvl1pPr>
-    <a:lvl2pPr marL="457200" algn="l" defTabSz="914400" rtl="0" eaLnBrk="1" latinLnBrk="0" hangingPunct="1">
+    <a:lvl2pPr marL="457200" algn="l" defTabSz="457200" rtl="0" eaLnBrk="1" latinLnBrk="0" hangingPunct="1">
       <a:defRPr sz="1800" kern="1200">
         <a:solidFill>
           <a:schemeClr val="tx1"/>
@@ -49,7 +60,7 @@
         <a:cs typeface="+mn-cs"/>
       </a:defRPr>
     </a:lvl2pPr>
-    <a:lvl3pPr marL="914400" algn="l" defTabSz="914400" rtl="0" eaLnBrk="1" latinLnBrk="0" hangingPunct="1">
+    <a:lvl3pPr marL="914400" algn="l" defTabSz="457200" rtl="0" eaLnBrk="1" latinLnBrk="0" hangingPunct="1">
       <a:defRPr sz="1800" kern="1200">
         <a:solidFill>
           <a:schemeClr val="tx1"/>
@@ -59,7 +70,7 @@
         <a:cs typeface="+mn-cs"/>
       </a:defRPr>
     </a:lvl3pPr>
-    <a:lvl4pPr marL="1371600" algn="l" defTabSz="914400" rtl="0" eaLnBrk="1" latinLnBrk="0" hangingPunct="1">
+    <a:lvl4pPr marL="1371600" algn="l" defTabSz="457200" rtl="0" eaLnBrk="1" latinLnBrk="0" hangingPunct="1">
       <a:defRPr sz="1800" kern="1200">
         <a:solidFill>
           <a:schemeClr val="tx1"/>
@@ -69,7 +80,7 @@
         <a:cs typeface="+mn-cs"/>
       </a:defRPr>
     </a:lvl4pPr>
-    <a:lvl5pPr marL="1828800" algn="l" defTabSz="914400" rtl="0" eaLnBrk="1" latinLnBrk="0" hangingPunct="1">
+    <a:lvl5pPr marL="1828800" algn="l" defTabSz="457200" rtl="0" eaLnBrk="1" latinLnBrk="0" hangingPunct="1">
       <a:defRPr sz="1800" kern="1200">
         <a:solidFill>
           <a:schemeClr val="tx1"/>
@@ -79,7 +90,7 @@
         <a:cs typeface="+mn-cs"/>
       </a:defRPr>
     </a:lvl5pPr>
-    <a:lvl6pPr marL="2286000" algn="l" defTabSz="914400" rtl="0" eaLnBrk="1" latinLnBrk="0" hangingPunct="1">
+    <a:lvl6pPr marL="2286000" algn="l" defTabSz="457200" rtl="0" eaLnBrk="1" latinLnBrk="0" hangingPunct="1">
       <a:defRPr sz="1800" kern="1200">
         <a:solidFill>
           <a:schemeClr val="tx1"/>
@@ -89,7 +100,7 @@
         <a:cs typeface="+mn-cs"/>
       </a:defRPr>
     </a:lvl6pPr>
-    <a:lvl7pPr marL="2743200" algn="l" defTabSz="914400" rtl="0" eaLnBrk="1" latinLnBrk="0" hangingPunct="1">
+    <a:lvl7pPr marL="2743200" algn="l" defTabSz="457200" rtl="0" eaLnBrk="1" latinLnBrk="0" hangingPunct="1">
       <a:defRPr sz="1800" kern="1200">
         <a:solidFill>
           <a:schemeClr val="tx1"/>
@@ -99,7 +110,7 @@
         <a:cs typeface="+mn-cs"/>
       </a:defRPr>
     </a:lvl7pPr>
-    <a:lvl8pPr marL="3200400" algn="l" defTabSz="914400" rtl="0" eaLnBrk="1" latinLnBrk="0" hangingPunct="1">
+    <a:lvl8pPr marL="3200400" algn="l" defTabSz="457200" rtl="0" eaLnBrk="1" latinLnBrk="0" hangingPunct="1">
       <a:defRPr sz="1800" kern="1200">
         <a:solidFill>
           <a:schemeClr val="tx1"/>
@@ -109,7 +120,7 @@
         <a:cs typeface="+mn-cs"/>
       </a:defRPr>
     </a:lvl8pPr>
-    <a:lvl9pPr marL="3657600" algn="l" defTabSz="914400" rtl="0" eaLnBrk="1" latinLnBrk="0" hangingPunct="1">
+    <a:lvl9pPr marL="3657600" algn="l" defTabSz="457200" rtl="0" eaLnBrk="1" latinLnBrk="0" hangingPunct="1">
       <a:defRPr sz="1800" kern="1200">
         <a:solidFill>
           <a:schemeClr val="tx1"/>
@@ -645,6 +656,402 @@
 </p:notes>
 </file>
 
+<file path=ppt/notesSlides/notesSlide3.xml><?xml version="1.0" encoding="utf-8"?>
+<p:notes xmlns:a="http://schemas.openxmlformats.org/drawingml/2006/main" xmlns:r="http://schemas.openxmlformats.org/officeDocument/2006/relationships" xmlns:p="http://schemas.openxmlformats.org/presentationml/2006/main">
+  <p:cSld>
+    <p:spTree>
+      <p:nvGrpSpPr>
+        <p:cNvPr id="1" name=""/>
+        <p:cNvGrpSpPr/>
+        <p:nvPr/>
+      </p:nvGrpSpPr>
+      <p:grpSpPr>
+        <a:xfrm>
+          <a:off x="0" y="0"/>
+          <a:ext cx="0" cy="0"/>
+          <a:chOff x="0" y="0"/>
+          <a:chExt cx="0" cy="0"/>
+        </a:xfrm>
+      </p:grpSpPr>
+      <p:sp>
+        <p:nvSpPr>
+          <p:cNvPr id="2" name="Slide Image Placeholder 1"/>
+          <p:cNvSpPr>
+            <a:spLocks noGrp="1" noRot="1" noChangeAspect="1"/>
+          </p:cNvSpPr>
+          <p:nvPr>
+            <p:ph type="sldImg"/>
+          </p:nvPr>
+        </p:nvSpPr>
+        <p:spPr/>
+      </p:sp>
+      <p:sp>
+        <p:nvSpPr>
+          <p:cNvPr id="3" name="Notes Placeholder 2"/>
+          <p:cNvSpPr>
+            <a:spLocks noGrp="1"/>
+          </p:cNvSpPr>
+          <p:nvPr>
+            <p:ph type="body" idx="1"/>
+          </p:nvPr>
+        </p:nvSpPr>
+        <p:spPr/>
+        <p:txBody>
+          <a:bodyPr/>
+          <a:lstStyle/>
+          <a:p>
+            <a:endParaRPr lang="en-US" dirty="0"/>
+          </a:p>
+        </p:txBody>
+      </p:sp>
+      <p:sp>
+        <p:nvSpPr>
+          <p:cNvPr id="4" name="Slide Number Placeholder 3"/>
+          <p:cNvSpPr>
+            <a:spLocks noGrp="1"/>
+          </p:cNvSpPr>
+          <p:nvPr>
+            <p:ph type="sldNum" sz="quarter" idx="5"/>
+          </p:nvPr>
+        </p:nvSpPr>
+        <p:spPr/>
+        <p:txBody>
+          <a:bodyPr/>
+          <a:lstStyle/>
+          <a:p>
+            <a:fld id="{921AF3DF-4AF8-436B-A96F-8A28546A46DA}" type="slidenum">
+              <a:rPr lang="en-US" smtClean="0"/>
+              <a:t>10</a:t>
+            </a:fld>
+            <a:endParaRPr lang="en-US"/>
+          </a:p>
+        </p:txBody>
+      </p:sp>
+    </p:spTree>
+    <p:extLst>
+      <p:ext uri="{BB962C8B-B14F-4D97-AF65-F5344CB8AC3E}">
+        <p14:creationId xmlns:p14="http://schemas.microsoft.com/office/powerpoint/2010/main" val="3306252767"/>
+      </p:ext>
+    </p:extLst>
+  </p:cSld>
+  <p:clrMapOvr>
+    <a:masterClrMapping/>
+  </p:clrMapOvr>
+</p:notes>
+</file>
+
+<file path=ppt/notesSlides/notesSlide4.xml><?xml version="1.0" encoding="utf-8"?>
+<p:notes xmlns:a="http://schemas.openxmlformats.org/drawingml/2006/main" xmlns:r="http://schemas.openxmlformats.org/officeDocument/2006/relationships" xmlns:p="http://schemas.openxmlformats.org/presentationml/2006/main">
+  <p:cSld>
+    <p:spTree>
+      <p:nvGrpSpPr>
+        <p:cNvPr id="1" name=""/>
+        <p:cNvGrpSpPr/>
+        <p:nvPr/>
+      </p:nvGrpSpPr>
+      <p:grpSpPr>
+        <a:xfrm>
+          <a:off x="0" y="0"/>
+          <a:ext cx="0" cy="0"/>
+          <a:chOff x="0" y="0"/>
+          <a:chExt cx="0" cy="0"/>
+        </a:xfrm>
+      </p:grpSpPr>
+      <p:sp>
+        <p:nvSpPr>
+          <p:cNvPr id="2" name="Slide Image Placeholder 1"/>
+          <p:cNvSpPr>
+            <a:spLocks noGrp="1" noRot="1" noChangeAspect="1"/>
+          </p:cNvSpPr>
+          <p:nvPr>
+            <p:ph type="sldImg"/>
+          </p:nvPr>
+        </p:nvSpPr>
+        <p:spPr/>
+      </p:sp>
+      <p:sp>
+        <p:nvSpPr>
+          <p:cNvPr id="3" name="Notes Placeholder 2"/>
+          <p:cNvSpPr>
+            <a:spLocks noGrp="1"/>
+          </p:cNvSpPr>
+          <p:nvPr>
+            <p:ph type="body" idx="1"/>
+          </p:nvPr>
+        </p:nvSpPr>
+        <p:spPr/>
+        <p:txBody>
+          <a:bodyPr/>
+          <a:lstStyle/>
+          <a:p>
+            <a:endParaRPr lang="en-US" dirty="0"/>
+          </a:p>
+        </p:txBody>
+      </p:sp>
+      <p:sp>
+        <p:nvSpPr>
+          <p:cNvPr id="4" name="Slide Number Placeholder 3"/>
+          <p:cNvSpPr>
+            <a:spLocks noGrp="1"/>
+          </p:cNvSpPr>
+          <p:nvPr>
+            <p:ph type="sldNum" sz="quarter" idx="5"/>
+          </p:nvPr>
+        </p:nvSpPr>
+        <p:spPr/>
+        <p:txBody>
+          <a:bodyPr/>
+          <a:lstStyle/>
+          <a:p>
+            <a:fld id="{921AF3DF-4AF8-436B-A96F-8A28546A46DA}" type="slidenum">
+              <a:rPr lang="en-US" smtClean="0"/>
+              <a:t>11</a:t>
+            </a:fld>
+            <a:endParaRPr lang="en-US"/>
+          </a:p>
+        </p:txBody>
+      </p:sp>
+    </p:spTree>
+    <p:extLst>
+      <p:ext uri="{BB962C8B-B14F-4D97-AF65-F5344CB8AC3E}">
+        <p14:creationId xmlns:p14="http://schemas.microsoft.com/office/powerpoint/2010/main" val="3306252767"/>
+      </p:ext>
+    </p:extLst>
+  </p:cSld>
+  <p:clrMapOvr>
+    <a:masterClrMapping/>
+  </p:clrMapOvr>
+</p:notes>
+</file>
+
+<file path=ppt/notesSlides/notesSlide5.xml><?xml version="1.0" encoding="utf-8"?>
+<p:notes xmlns:a="http://schemas.openxmlformats.org/drawingml/2006/main" xmlns:r="http://schemas.openxmlformats.org/officeDocument/2006/relationships" xmlns:p="http://schemas.openxmlformats.org/presentationml/2006/main">
+  <p:cSld>
+    <p:spTree>
+      <p:nvGrpSpPr>
+        <p:cNvPr id="1" name=""/>
+        <p:cNvGrpSpPr/>
+        <p:nvPr/>
+      </p:nvGrpSpPr>
+      <p:grpSpPr>
+        <a:xfrm>
+          <a:off x="0" y="0"/>
+          <a:ext cx="0" cy="0"/>
+          <a:chOff x="0" y="0"/>
+          <a:chExt cx="0" cy="0"/>
+        </a:xfrm>
+      </p:grpSpPr>
+      <p:sp>
+        <p:nvSpPr>
+          <p:cNvPr id="2" name="Slide Image Placeholder 1"/>
+          <p:cNvSpPr>
+            <a:spLocks noGrp="1" noRot="1" noChangeAspect="1"/>
+          </p:cNvSpPr>
+          <p:nvPr>
+            <p:ph type="sldImg"/>
+          </p:nvPr>
+        </p:nvSpPr>
+        <p:spPr/>
+      </p:sp>
+      <p:sp>
+        <p:nvSpPr>
+          <p:cNvPr id="3" name="Notes Placeholder 2"/>
+          <p:cNvSpPr>
+            <a:spLocks noGrp="1"/>
+          </p:cNvSpPr>
+          <p:nvPr>
+            <p:ph type="body" idx="1"/>
+          </p:nvPr>
+        </p:nvSpPr>
+        <p:spPr/>
+        <p:txBody>
+          <a:bodyPr/>
+          <a:lstStyle/>
+          <a:p>
+            <a:endParaRPr lang="en-US" dirty="0"/>
+          </a:p>
+        </p:txBody>
+      </p:sp>
+      <p:sp>
+        <p:nvSpPr>
+          <p:cNvPr id="4" name="Slide Number Placeholder 3"/>
+          <p:cNvSpPr>
+            <a:spLocks noGrp="1"/>
+          </p:cNvSpPr>
+          <p:nvPr>
+            <p:ph type="sldNum" sz="quarter" idx="5"/>
+          </p:nvPr>
+        </p:nvSpPr>
+        <p:spPr/>
+        <p:txBody>
+          <a:bodyPr/>
+          <a:lstStyle/>
+          <a:p>
+            <a:fld id="{921AF3DF-4AF8-436B-A96F-8A28546A46DA}" type="slidenum">
+              <a:rPr lang="en-US" smtClean="0"/>
+              <a:t>16</a:t>
+            </a:fld>
+            <a:endParaRPr lang="en-US"/>
+          </a:p>
+        </p:txBody>
+      </p:sp>
+    </p:spTree>
+    <p:extLst>
+      <p:ext uri="{BB962C8B-B14F-4D97-AF65-F5344CB8AC3E}">
+        <p14:creationId xmlns:p14="http://schemas.microsoft.com/office/powerpoint/2010/main" val="3854181641"/>
+      </p:ext>
+    </p:extLst>
+  </p:cSld>
+  <p:clrMapOvr>
+    <a:masterClrMapping/>
+  </p:clrMapOvr>
+</p:notes>
+</file>
+
+<file path=ppt/notesSlides/notesSlide6.xml><?xml version="1.0" encoding="utf-8"?>
+<p:notes xmlns:a="http://schemas.openxmlformats.org/drawingml/2006/main" xmlns:r="http://schemas.openxmlformats.org/officeDocument/2006/relationships" xmlns:p="http://schemas.openxmlformats.org/presentationml/2006/main">
+  <p:cSld>
+    <p:spTree>
+      <p:nvGrpSpPr>
+        <p:cNvPr id="1" name=""/>
+        <p:cNvGrpSpPr/>
+        <p:nvPr/>
+      </p:nvGrpSpPr>
+      <p:grpSpPr>
+        <a:xfrm>
+          <a:off x="0" y="0"/>
+          <a:ext cx="0" cy="0"/>
+          <a:chOff x="0" y="0"/>
+          <a:chExt cx="0" cy="0"/>
+        </a:xfrm>
+      </p:grpSpPr>
+      <p:sp>
+        <p:nvSpPr>
+          <p:cNvPr id="2" name="Slide Image Placeholder 1"/>
+          <p:cNvSpPr>
+            <a:spLocks noGrp="1" noRot="1" noChangeAspect="1"/>
+          </p:cNvSpPr>
+          <p:nvPr>
+            <p:ph type="sldImg"/>
+          </p:nvPr>
+        </p:nvSpPr>
+        <p:spPr/>
+      </p:sp>
+      <p:sp>
+        <p:nvSpPr>
+          <p:cNvPr id="3" name="Notes Placeholder 2"/>
+          <p:cNvSpPr>
+            <a:spLocks noGrp="1"/>
+          </p:cNvSpPr>
+          <p:nvPr>
+            <p:ph type="body" idx="1"/>
+          </p:nvPr>
+        </p:nvSpPr>
+        <p:spPr/>
+        <p:txBody>
+          <a:bodyPr/>
+          <a:lstStyle/>
+          <a:p>
+            <a:endParaRPr lang="en-US" dirty="0"/>
+          </a:p>
+        </p:txBody>
+      </p:sp>
+      <p:sp>
+        <p:nvSpPr>
+          <p:cNvPr id="4" name="Slide Number Placeholder 3"/>
+          <p:cNvSpPr>
+            <a:spLocks noGrp="1"/>
+          </p:cNvSpPr>
+          <p:nvPr>
+            <p:ph type="sldNum" sz="quarter" idx="5"/>
+          </p:nvPr>
+        </p:nvSpPr>
+        <p:spPr/>
+        <p:txBody>
+          <a:bodyPr/>
+          <a:lstStyle/>
+          <a:p>
+            <a:pPr marL="0" marR="0" lvl="0" indent="0" algn="r" defTabSz="914400" rtl="0" eaLnBrk="1" fontAlgn="auto" latinLnBrk="0" hangingPunct="1">
+              <a:lnSpc>
+                <a:spcPct val="100000"/>
+              </a:lnSpc>
+              <a:spcBef>
+                <a:spcPts val="0"/>
+              </a:spcBef>
+              <a:spcAft>
+                <a:spcPts val="0"/>
+              </a:spcAft>
+              <a:buClrTx/>
+              <a:buSzTx/>
+              <a:buFontTx/>
+              <a:buNone/>
+              <a:tabLst/>
+              <a:defRPr/>
+            </a:pPr>
+            <a:fld id="{921AF3DF-4AF8-436B-A96F-8A28546A46DA}" type="slidenum">
+              <a:rPr kumimoji="0" lang="en-US" sz="1200" b="0" i="0" u="none" strike="noStrike" kern="1200" cap="none" spc="0" normalizeH="0" baseline="0" noProof="0" smtClean="0">
+                <a:ln>
+                  <a:noFill/>
+                </a:ln>
+                <a:solidFill>
+                  <a:prstClr val="black"/>
+                </a:solidFill>
+                <a:effectLst/>
+                <a:uLnTx/>
+                <a:uFillTx/>
+                <a:latin typeface="Aptos" panose="02110004020202020204"/>
+                <a:ea typeface="+mn-ea"/>
+                <a:cs typeface="+mn-cs"/>
+              </a:rPr>
+              <a:pPr marL="0" marR="0" lvl="0" indent="0" algn="r" defTabSz="914400" rtl="0" eaLnBrk="1" fontAlgn="auto" latinLnBrk="0" hangingPunct="1">
+                <a:lnSpc>
+                  <a:spcPct val="100000"/>
+                </a:lnSpc>
+                <a:spcBef>
+                  <a:spcPts val="0"/>
+                </a:spcBef>
+                <a:spcAft>
+                  <a:spcPts val="0"/>
+                </a:spcAft>
+                <a:buClrTx/>
+                <a:buSzTx/>
+                <a:buFontTx/>
+                <a:buNone/>
+                <a:tabLst/>
+                <a:defRPr/>
+              </a:pPr>
+              <a:t>18</a:t>
+            </a:fld>
+            <a:endParaRPr kumimoji="0" lang="en-US" sz="1200" b="0" i="0" u="none" strike="noStrike" kern="1200" cap="none" spc="0" normalizeH="0" baseline="0" noProof="0">
+              <a:ln>
+                <a:noFill/>
+              </a:ln>
+              <a:solidFill>
+                <a:prstClr val="black"/>
+              </a:solidFill>
+              <a:effectLst/>
+              <a:uLnTx/>
+              <a:uFillTx/>
+              <a:latin typeface="Aptos" panose="02110004020202020204"/>
+              <a:ea typeface="+mn-ea"/>
+              <a:cs typeface="+mn-cs"/>
+            </a:endParaRPr>
+          </a:p>
+        </p:txBody>
+      </p:sp>
+    </p:spTree>
+    <p:extLst>
+      <p:ext uri="{BB962C8B-B14F-4D97-AF65-F5344CB8AC3E}">
+        <p14:creationId xmlns:p14="http://schemas.microsoft.com/office/powerpoint/2010/main" val="1365320800"/>
+      </p:ext>
+    </p:extLst>
+  </p:cSld>
+  <p:clrMapOvr>
+    <a:masterClrMapping/>
+  </p:clrMapOvr>
+</p:notes>
+</file>
+
 <file path=ppt/slideLayouts/slideLayout1.xml><?xml version="1.0" encoding="utf-8"?>
 <p:sldLayout xmlns:a="http://schemas.openxmlformats.org/drawingml/2006/main" xmlns:r="http://schemas.openxmlformats.org/officeDocument/2006/relationships" xmlns:p="http://schemas.openxmlformats.org/presentationml/2006/main" type="title" preserve="1">
   <p:cSld name="Title Slide">
@@ -664,13 +1071,7 @@
       </p:grpSpPr>
       <p:sp>
         <p:nvSpPr>
-          <p:cNvPr id="2" name="Title 1">
-            <a:extLst>
-              <a:ext uri="{FF2B5EF4-FFF2-40B4-BE49-F238E27FC236}">
-                <a16:creationId xmlns:a16="http://schemas.microsoft.com/office/drawing/2014/main" id="{2412F1AD-E968-45E2-1D31-EA7F72503AFF}"/>
-              </a:ext>
-            </a:extLst>
-          </p:cNvPr>
+          <p:cNvPr id="2" name="Title 1"/>
           <p:cNvSpPr>
             <a:spLocks noGrp="1"/>
           </p:cNvSpPr>
@@ -696,18 +1097,13 @@
               <a:rPr lang="en-US"/>
               <a:t>Click to edit Master title style</a:t>
             </a:r>
-          </a:p>
-        </p:txBody>
-      </p:sp>
-      <p:sp>
-        <p:nvSpPr>
-          <p:cNvPr id="3" name="Subtitle 2">
-            <a:extLst>
-              <a:ext uri="{FF2B5EF4-FFF2-40B4-BE49-F238E27FC236}">
-                <a16:creationId xmlns:a16="http://schemas.microsoft.com/office/drawing/2014/main" id="{93266A5B-6DF4-0832-E7A4-934866F6AB80}"/>
-              </a:ext>
-            </a:extLst>
-          </p:cNvPr>
+            <a:endParaRPr lang="en-US" dirty="0"/>
+          </a:p>
+        </p:txBody>
+      </p:sp>
+      <p:sp>
+        <p:nvSpPr>
+          <p:cNvPr id="3" name="Subtitle 2"/>
           <p:cNvSpPr>
             <a:spLocks noGrp="1"/>
           </p:cNvSpPr>
@@ -766,18 +1162,13 @@
               <a:rPr lang="en-US"/>
               <a:t>Click to edit Master subtitle style</a:t>
             </a:r>
-          </a:p>
-        </p:txBody>
-      </p:sp>
-      <p:sp>
-        <p:nvSpPr>
-          <p:cNvPr id="4" name="Date Placeholder 3">
-            <a:extLst>
-              <a:ext uri="{FF2B5EF4-FFF2-40B4-BE49-F238E27FC236}">
-                <a16:creationId xmlns:a16="http://schemas.microsoft.com/office/drawing/2014/main" id="{E2245C29-DCD0-5445-E65A-1D87BD0A5051}"/>
-              </a:ext>
-            </a:extLst>
-          </p:cNvPr>
+            <a:endParaRPr lang="en-US" dirty="0"/>
+          </a:p>
+        </p:txBody>
+      </p:sp>
+      <p:sp>
+        <p:nvSpPr>
+          <p:cNvPr id="4" name="Date Placeholder 3"/>
           <p:cNvSpPr>
             <a:spLocks noGrp="1"/>
           </p:cNvSpPr>
@@ -800,13 +1191,7 @@
       </p:sp>
       <p:sp>
         <p:nvSpPr>
-          <p:cNvPr id="5" name="Footer Placeholder 4">
-            <a:extLst>
-              <a:ext uri="{FF2B5EF4-FFF2-40B4-BE49-F238E27FC236}">
-                <a16:creationId xmlns:a16="http://schemas.microsoft.com/office/drawing/2014/main" id="{0A91A721-C114-428F-1544-B8C014D1B741}"/>
-              </a:ext>
-            </a:extLst>
-          </p:cNvPr>
+          <p:cNvPr id="5" name="Footer Placeholder 4"/>
           <p:cNvSpPr>
             <a:spLocks noGrp="1"/>
           </p:cNvSpPr>
@@ -825,13 +1210,7 @@
       </p:sp>
       <p:sp>
         <p:nvSpPr>
-          <p:cNvPr id="6" name="Slide Number Placeholder 5">
-            <a:extLst>
-              <a:ext uri="{FF2B5EF4-FFF2-40B4-BE49-F238E27FC236}">
-                <a16:creationId xmlns:a16="http://schemas.microsoft.com/office/drawing/2014/main" id="{331037E5-8A7E-3570-E1E9-63A3B13603EF}"/>
-              </a:ext>
-            </a:extLst>
-          </p:cNvPr>
+          <p:cNvPr id="6" name="Slide Number Placeholder 5"/>
           <p:cNvSpPr>
             <a:spLocks noGrp="1"/>
           </p:cNvSpPr>
@@ -855,7 +1234,7 @@
     </p:spTree>
     <p:extLst>
       <p:ext uri="{BB962C8B-B14F-4D97-AF65-F5344CB8AC3E}">
-        <p14:creationId xmlns:p14="http://schemas.microsoft.com/office/powerpoint/2010/main" val="2298267339"/>
+        <p14:creationId xmlns:p14="http://schemas.microsoft.com/office/powerpoint/2010/main" val="476695738"/>
       </p:ext>
     </p:extLst>
   </p:cSld>
@@ -884,13 +1263,7 @@
       </p:grpSpPr>
       <p:sp>
         <p:nvSpPr>
-          <p:cNvPr id="2" name="Title 1">
-            <a:extLst>
-              <a:ext uri="{FF2B5EF4-FFF2-40B4-BE49-F238E27FC236}">
-                <a16:creationId xmlns:a16="http://schemas.microsoft.com/office/drawing/2014/main" id="{311E3F01-6972-8A04-C5F8-F8B678A63D34}"/>
-              </a:ext>
-            </a:extLst>
-          </p:cNvPr>
+          <p:cNvPr id="2" name="Title 1"/>
           <p:cNvSpPr>
             <a:spLocks noGrp="1"/>
           </p:cNvSpPr>
@@ -907,18 +1280,13 @@
               <a:rPr lang="en-US"/>
               <a:t>Click to edit Master title style</a:t>
             </a:r>
-          </a:p>
-        </p:txBody>
-      </p:sp>
-      <p:sp>
-        <p:nvSpPr>
-          <p:cNvPr id="3" name="Vertical Text Placeholder 2">
-            <a:extLst>
-              <a:ext uri="{FF2B5EF4-FFF2-40B4-BE49-F238E27FC236}">
-                <a16:creationId xmlns:a16="http://schemas.microsoft.com/office/drawing/2014/main" id="{B061D52D-0117-5FA1-527A-08483A7C7A58}"/>
-              </a:ext>
-            </a:extLst>
-          </p:cNvPr>
+            <a:endParaRPr lang="en-US" dirty="0"/>
+          </a:p>
+        </p:txBody>
+      </p:sp>
+      <p:sp>
+        <p:nvSpPr>
+          <p:cNvPr id="3" name="Vertical Text Placeholder 2"/>
           <p:cNvSpPr>
             <a:spLocks noGrp="1"/>
           </p:cNvSpPr>
@@ -964,18 +1332,13 @@
               <a:rPr lang="en-US"/>
               <a:t>Fifth level</a:t>
             </a:r>
-          </a:p>
-        </p:txBody>
-      </p:sp>
-      <p:sp>
-        <p:nvSpPr>
-          <p:cNvPr id="4" name="Date Placeholder 3">
-            <a:extLst>
-              <a:ext uri="{FF2B5EF4-FFF2-40B4-BE49-F238E27FC236}">
-                <a16:creationId xmlns:a16="http://schemas.microsoft.com/office/drawing/2014/main" id="{88E0A944-0EC1-CCD1-52D6-87B302E8FAA0}"/>
-              </a:ext>
-            </a:extLst>
-          </p:cNvPr>
+            <a:endParaRPr lang="en-US" dirty="0"/>
+          </a:p>
+        </p:txBody>
+      </p:sp>
+      <p:sp>
+        <p:nvSpPr>
+          <p:cNvPr id="4" name="Date Placeholder 3"/>
           <p:cNvSpPr>
             <a:spLocks noGrp="1"/>
           </p:cNvSpPr>
@@ -998,13 +1361,7 @@
       </p:sp>
       <p:sp>
         <p:nvSpPr>
-          <p:cNvPr id="5" name="Footer Placeholder 4">
-            <a:extLst>
-              <a:ext uri="{FF2B5EF4-FFF2-40B4-BE49-F238E27FC236}">
-                <a16:creationId xmlns:a16="http://schemas.microsoft.com/office/drawing/2014/main" id="{DB109783-2D85-C34C-0F9B-BA82D8A4CAD7}"/>
-              </a:ext>
-            </a:extLst>
-          </p:cNvPr>
+          <p:cNvPr id="5" name="Footer Placeholder 4"/>
           <p:cNvSpPr>
             <a:spLocks noGrp="1"/>
           </p:cNvSpPr>
@@ -1023,13 +1380,7 @@
       </p:sp>
       <p:sp>
         <p:nvSpPr>
-          <p:cNvPr id="6" name="Slide Number Placeholder 5">
-            <a:extLst>
-              <a:ext uri="{FF2B5EF4-FFF2-40B4-BE49-F238E27FC236}">
-                <a16:creationId xmlns:a16="http://schemas.microsoft.com/office/drawing/2014/main" id="{C027D3E7-55FD-0DBE-6588-05EF78794A3C}"/>
-              </a:ext>
-            </a:extLst>
-          </p:cNvPr>
+          <p:cNvPr id="6" name="Slide Number Placeholder 5"/>
           <p:cNvSpPr>
             <a:spLocks noGrp="1"/>
           </p:cNvSpPr>
@@ -1053,7 +1404,7 @@
     </p:spTree>
     <p:extLst>
       <p:ext uri="{BB962C8B-B14F-4D97-AF65-F5344CB8AC3E}">
-        <p14:creationId xmlns:p14="http://schemas.microsoft.com/office/powerpoint/2010/main" val="2513903836"/>
+        <p14:creationId xmlns:p14="http://schemas.microsoft.com/office/powerpoint/2010/main" val="3179558893"/>
       </p:ext>
     </p:extLst>
   </p:cSld>
@@ -1082,13 +1433,7 @@
       </p:grpSpPr>
       <p:sp>
         <p:nvSpPr>
-          <p:cNvPr id="2" name="Vertical Title 1">
-            <a:extLst>
-              <a:ext uri="{FF2B5EF4-FFF2-40B4-BE49-F238E27FC236}">
-                <a16:creationId xmlns:a16="http://schemas.microsoft.com/office/drawing/2014/main" id="{30044B70-DF7D-B8F4-1BB0-771248072C01}"/>
-              </a:ext>
-            </a:extLst>
-          </p:cNvPr>
+          <p:cNvPr id="2" name="Vertical Title 1"/>
           <p:cNvSpPr>
             <a:spLocks noGrp="1"/>
           </p:cNvSpPr>
@@ -1110,18 +1455,13 @@
               <a:rPr lang="en-US"/>
               <a:t>Click to edit Master title style</a:t>
             </a:r>
-          </a:p>
-        </p:txBody>
-      </p:sp>
-      <p:sp>
-        <p:nvSpPr>
-          <p:cNvPr id="3" name="Vertical Text Placeholder 2">
-            <a:extLst>
-              <a:ext uri="{FF2B5EF4-FFF2-40B4-BE49-F238E27FC236}">
-                <a16:creationId xmlns:a16="http://schemas.microsoft.com/office/drawing/2014/main" id="{8E8864B9-716F-B710-E846-73DA71E7CBAA}"/>
-              </a:ext>
-            </a:extLst>
-          </p:cNvPr>
+            <a:endParaRPr lang="en-US" dirty="0"/>
+          </a:p>
+        </p:txBody>
+      </p:sp>
+      <p:sp>
+        <p:nvSpPr>
+          <p:cNvPr id="3" name="Vertical Text Placeholder 2"/>
           <p:cNvSpPr>
             <a:spLocks noGrp="1"/>
           </p:cNvSpPr>
@@ -1172,18 +1512,13 @@
               <a:rPr lang="en-US"/>
               <a:t>Fifth level</a:t>
             </a:r>
-          </a:p>
-        </p:txBody>
-      </p:sp>
-      <p:sp>
-        <p:nvSpPr>
-          <p:cNvPr id="4" name="Date Placeholder 3">
-            <a:extLst>
-              <a:ext uri="{FF2B5EF4-FFF2-40B4-BE49-F238E27FC236}">
-                <a16:creationId xmlns:a16="http://schemas.microsoft.com/office/drawing/2014/main" id="{37657648-A6BC-B35F-258C-B057C5D5BCB9}"/>
-              </a:ext>
-            </a:extLst>
-          </p:cNvPr>
+            <a:endParaRPr lang="en-US" dirty="0"/>
+          </a:p>
+        </p:txBody>
+      </p:sp>
+      <p:sp>
+        <p:nvSpPr>
+          <p:cNvPr id="4" name="Date Placeholder 3"/>
           <p:cNvSpPr>
             <a:spLocks noGrp="1"/>
           </p:cNvSpPr>
@@ -1206,13 +1541,7 @@
       </p:sp>
       <p:sp>
         <p:nvSpPr>
-          <p:cNvPr id="5" name="Footer Placeholder 4">
-            <a:extLst>
-              <a:ext uri="{FF2B5EF4-FFF2-40B4-BE49-F238E27FC236}">
-                <a16:creationId xmlns:a16="http://schemas.microsoft.com/office/drawing/2014/main" id="{76CB4760-61FA-41DE-50AB-327A6649EDDF}"/>
-              </a:ext>
-            </a:extLst>
-          </p:cNvPr>
+          <p:cNvPr id="5" name="Footer Placeholder 4"/>
           <p:cNvSpPr>
             <a:spLocks noGrp="1"/>
           </p:cNvSpPr>
@@ -1231,13 +1560,7 @@
       </p:sp>
       <p:sp>
         <p:nvSpPr>
-          <p:cNvPr id="6" name="Slide Number Placeholder 5">
-            <a:extLst>
-              <a:ext uri="{FF2B5EF4-FFF2-40B4-BE49-F238E27FC236}">
-                <a16:creationId xmlns:a16="http://schemas.microsoft.com/office/drawing/2014/main" id="{96432870-8DBF-CB28-1185-93407DACBB08}"/>
-              </a:ext>
-            </a:extLst>
-          </p:cNvPr>
+          <p:cNvPr id="6" name="Slide Number Placeholder 5"/>
           <p:cNvSpPr>
             <a:spLocks noGrp="1"/>
           </p:cNvSpPr>
@@ -1261,7 +1584,7 @@
     </p:spTree>
     <p:extLst>
       <p:ext uri="{BB962C8B-B14F-4D97-AF65-F5344CB8AC3E}">
-        <p14:creationId xmlns:p14="http://schemas.microsoft.com/office/powerpoint/2010/main" val="321794072"/>
+        <p14:creationId xmlns:p14="http://schemas.microsoft.com/office/powerpoint/2010/main" val="3998879950"/>
       </p:ext>
     </p:extLst>
   </p:cSld>
@@ -1290,13 +1613,7 @@
       </p:grpSpPr>
       <p:sp>
         <p:nvSpPr>
-          <p:cNvPr id="2" name="Title 1">
-            <a:extLst>
-              <a:ext uri="{FF2B5EF4-FFF2-40B4-BE49-F238E27FC236}">
-                <a16:creationId xmlns:a16="http://schemas.microsoft.com/office/drawing/2014/main" id="{87739E72-C435-072F-076A-4A1A2D508F0F}"/>
-              </a:ext>
-            </a:extLst>
-          </p:cNvPr>
+          <p:cNvPr id="2" name="Title 1"/>
           <p:cNvSpPr>
             <a:spLocks noGrp="1"/>
           </p:cNvSpPr>
@@ -1313,18 +1630,13 @@
               <a:rPr lang="en-US"/>
               <a:t>Click to edit Master title style</a:t>
             </a:r>
-          </a:p>
-        </p:txBody>
-      </p:sp>
-      <p:sp>
-        <p:nvSpPr>
-          <p:cNvPr id="3" name="Content Placeholder 2">
-            <a:extLst>
-              <a:ext uri="{FF2B5EF4-FFF2-40B4-BE49-F238E27FC236}">
-                <a16:creationId xmlns:a16="http://schemas.microsoft.com/office/drawing/2014/main" id="{A5E5A8B8-091D-08F0-7319-FAE630DC11DF}"/>
-              </a:ext>
-            </a:extLst>
-          </p:cNvPr>
+            <a:endParaRPr lang="en-US" dirty="0"/>
+          </a:p>
+        </p:txBody>
+      </p:sp>
+      <p:sp>
+        <p:nvSpPr>
+          <p:cNvPr id="3" name="Content Placeholder 2"/>
           <p:cNvSpPr>
             <a:spLocks noGrp="1"/>
           </p:cNvSpPr>
@@ -1370,18 +1682,13 @@
               <a:rPr lang="en-US"/>
               <a:t>Fifth level</a:t>
             </a:r>
-          </a:p>
-        </p:txBody>
-      </p:sp>
-      <p:sp>
-        <p:nvSpPr>
-          <p:cNvPr id="4" name="Date Placeholder 3">
-            <a:extLst>
-              <a:ext uri="{FF2B5EF4-FFF2-40B4-BE49-F238E27FC236}">
-                <a16:creationId xmlns:a16="http://schemas.microsoft.com/office/drawing/2014/main" id="{31E5EFDC-1FB7-DAA8-0B7F-746FCE0461A1}"/>
-              </a:ext>
-            </a:extLst>
-          </p:cNvPr>
+            <a:endParaRPr lang="en-US" dirty="0"/>
+          </a:p>
+        </p:txBody>
+      </p:sp>
+      <p:sp>
+        <p:nvSpPr>
+          <p:cNvPr id="4" name="Date Placeholder 3"/>
           <p:cNvSpPr>
             <a:spLocks noGrp="1"/>
           </p:cNvSpPr>
@@ -1404,13 +1711,7 @@
       </p:sp>
       <p:sp>
         <p:nvSpPr>
-          <p:cNvPr id="5" name="Footer Placeholder 4">
-            <a:extLst>
-              <a:ext uri="{FF2B5EF4-FFF2-40B4-BE49-F238E27FC236}">
-                <a16:creationId xmlns:a16="http://schemas.microsoft.com/office/drawing/2014/main" id="{99215079-C77F-8511-2946-904F55DF5BAB}"/>
-              </a:ext>
-            </a:extLst>
-          </p:cNvPr>
+          <p:cNvPr id="5" name="Footer Placeholder 4"/>
           <p:cNvSpPr>
             <a:spLocks noGrp="1"/>
           </p:cNvSpPr>
@@ -1429,13 +1730,7 @@
       </p:sp>
       <p:sp>
         <p:nvSpPr>
-          <p:cNvPr id="6" name="Slide Number Placeholder 5">
-            <a:extLst>
-              <a:ext uri="{FF2B5EF4-FFF2-40B4-BE49-F238E27FC236}">
-                <a16:creationId xmlns:a16="http://schemas.microsoft.com/office/drawing/2014/main" id="{0BDDFDE6-DD7B-CCE0-0B1C-AB29DA45CF47}"/>
-              </a:ext>
-            </a:extLst>
-          </p:cNvPr>
+          <p:cNvPr id="6" name="Slide Number Placeholder 5"/>
           <p:cNvSpPr>
             <a:spLocks noGrp="1"/>
           </p:cNvSpPr>
@@ -1459,7 +1754,7 @@
     </p:spTree>
     <p:extLst>
       <p:ext uri="{BB962C8B-B14F-4D97-AF65-F5344CB8AC3E}">
-        <p14:creationId xmlns:p14="http://schemas.microsoft.com/office/powerpoint/2010/main" val="3948245944"/>
+        <p14:creationId xmlns:p14="http://schemas.microsoft.com/office/powerpoint/2010/main" val="2045964755"/>
       </p:ext>
     </p:extLst>
   </p:cSld>
@@ -1488,13 +1783,7 @@
       </p:grpSpPr>
       <p:sp>
         <p:nvSpPr>
-          <p:cNvPr id="2" name="Title 1">
-            <a:extLst>
-              <a:ext uri="{FF2B5EF4-FFF2-40B4-BE49-F238E27FC236}">
-                <a16:creationId xmlns:a16="http://schemas.microsoft.com/office/drawing/2014/main" id="{0A29877C-25FA-EC52-CF84-4712EB4F0DD4}"/>
-              </a:ext>
-            </a:extLst>
-          </p:cNvPr>
+          <p:cNvPr id="2" name="Title 1"/>
           <p:cNvSpPr>
             <a:spLocks noGrp="1"/>
           </p:cNvSpPr>
@@ -1520,18 +1809,13 @@
               <a:rPr lang="en-US"/>
               <a:t>Click to edit Master title style</a:t>
             </a:r>
-          </a:p>
-        </p:txBody>
-      </p:sp>
-      <p:sp>
-        <p:nvSpPr>
-          <p:cNvPr id="3" name="Text Placeholder 2">
-            <a:extLst>
-              <a:ext uri="{FF2B5EF4-FFF2-40B4-BE49-F238E27FC236}">
-                <a16:creationId xmlns:a16="http://schemas.microsoft.com/office/drawing/2014/main" id="{7AB18652-4F51-5E59-A717-D2EC7BAE25E8}"/>
-              </a:ext>
-            </a:extLst>
-          </p:cNvPr>
+            <a:endParaRPr lang="en-US" dirty="0"/>
+          </a:p>
+        </p:txBody>
+      </p:sp>
+      <p:sp>
+        <p:nvSpPr>
+          <p:cNvPr id="3" name="Text Placeholder 2"/>
           <p:cNvSpPr>
             <a:spLocks noGrp="1"/>
           </p:cNvSpPr>
@@ -1553,7 +1837,7 @@
               <a:defRPr sz="2400">
                 <a:solidFill>
                   <a:schemeClr val="tx1">
-                    <a:tint val="82000"/>
+                    <a:shade val="82000"/>
                   </a:schemeClr>
                 </a:solidFill>
               </a:defRPr>
@@ -1563,7 +1847,7 @@
               <a:defRPr sz="2000">
                 <a:solidFill>
                   <a:schemeClr val="tx1">
-                    <a:tint val="82000"/>
+                    <a:shade val="82000"/>
                   </a:schemeClr>
                 </a:solidFill>
               </a:defRPr>
@@ -1573,7 +1857,7 @@
               <a:defRPr sz="1800">
                 <a:solidFill>
                   <a:schemeClr val="tx1">
-                    <a:tint val="82000"/>
+                    <a:shade val="82000"/>
                   </a:schemeClr>
                 </a:solidFill>
               </a:defRPr>
@@ -1583,7 +1867,7 @@
               <a:defRPr sz="1600">
                 <a:solidFill>
                   <a:schemeClr val="tx1">
-                    <a:tint val="82000"/>
+                    <a:shade val="82000"/>
                   </a:schemeClr>
                 </a:solidFill>
               </a:defRPr>
@@ -1593,7 +1877,7 @@
               <a:defRPr sz="1600">
                 <a:solidFill>
                   <a:schemeClr val="tx1">
-                    <a:tint val="82000"/>
+                    <a:shade val="82000"/>
                   </a:schemeClr>
                 </a:solidFill>
               </a:defRPr>
@@ -1603,7 +1887,7 @@
               <a:defRPr sz="1600">
                 <a:solidFill>
                   <a:schemeClr val="tx1">
-                    <a:tint val="82000"/>
+                    <a:shade val="82000"/>
                   </a:schemeClr>
                 </a:solidFill>
               </a:defRPr>
@@ -1613,7 +1897,7 @@
               <a:defRPr sz="1600">
                 <a:solidFill>
                   <a:schemeClr val="tx1">
-                    <a:tint val="82000"/>
+                    <a:shade val="82000"/>
                   </a:schemeClr>
                 </a:solidFill>
               </a:defRPr>
@@ -1623,7 +1907,7 @@
               <a:defRPr sz="1600">
                 <a:solidFill>
                   <a:schemeClr val="tx1">
-                    <a:tint val="82000"/>
+                    <a:shade val="82000"/>
                   </a:schemeClr>
                 </a:solidFill>
               </a:defRPr>
@@ -1633,7 +1917,7 @@
               <a:defRPr sz="1600">
                 <a:solidFill>
                   <a:schemeClr val="tx1">
-                    <a:tint val="82000"/>
+                    <a:shade val="82000"/>
                   </a:schemeClr>
                 </a:solidFill>
               </a:defRPr>
@@ -1650,13 +1934,7 @@
       </p:sp>
       <p:sp>
         <p:nvSpPr>
-          <p:cNvPr id="4" name="Date Placeholder 3">
-            <a:extLst>
-              <a:ext uri="{FF2B5EF4-FFF2-40B4-BE49-F238E27FC236}">
-                <a16:creationId xmlns:a16="http://schemas.microsoft.com/office/drawing/2014/main" id="{AED0015A-F043-85FA-C8D4-935709EBDD9E}"/>
-              </a:ext>
-            </a:extLst>
-          </p:cNvPr>
+          <p:cNvPr id="4" name="Date Placeholder 3"/>
           <p:cNvSpPr>
             <a:spLocks noGrp="1"/>
           </p:cNvSpPr>
@@ -1679,13 +1957,7 @@
       </p:sp>
       <p:sp>
         <p:nvSpPr>
-          <p:cNvPr id="5" name="Footer Placeholder 4">
-            <a:extLst>
-              <a:ext uri="{FF2B5EF4-FFF2-40B4-BE49-F238E27FC236}">
-                <a16:creationId xmlns:a16="http://schemas.microsoft.com/office/drawing/2014/main" id="{A650503B-92FD-EDEA-6612-805F46EBF0CE}"/>
-              </a:ext>
-            </a:extLst>
-          </p:cNvPr>
+          <p:cNvPr id="5" name="Footer Placeholder 4"/>
           <p:cNvSpPr>
             <a:spLocks noGrp="1"/>
           </p:cNvSpPr>
@@ -1704,13 +1976,7 @@
       </p:sp>
       <p:sp>
         <p:nvSpPr>
-          <p:cNvPr id="6" name="Slide Number Placeholder 5">
-            <a:extLst>
-              <a:ext uri="{FF2B5EF4-FFF2-40B4-BE49-F238E27FC236}">
-                <a16:creationId xmlns:a16="http://schemas.microsoft.com/office/drawing/2014/main" id="{C0C7D641-4AB5-028B-88F6-1795E6978E2F}"/>
-              </a:ext>
-            </a:extLst>
-          </p:cNvPr>
+          <p:cNvPr id="6" name="Slide Number Placeholder 5"/>
           <p:cNvSpPr>
             <a:spLocks noGrp="1"/>
           </p:cNvSpPr>
@@ -1734,7 +2000,7 @@
     </p:spTree>
     <p:extLst>
       <p:ext uri="{BB962C8B-B14F-4D97-AF65-F5344CB8AC3E}">
-        <p14:creationId xmlns:p14="http://schemas.microsoft.com/office/powerpoint/2010/main" val="574959964"/>
+        <p14:creationId xmlns:p14="http://schemas.microsoft.com/office/powerpoint/2010/main" val="1404487597"/>
       </p:ext>
     </p:extLst>
   </p:cSld>
@@ -1763,13 +2029,7 @@
       </p:grpSpPr>
       <p:sp>
         <p:nvSpPr>
-          <p:cNvPr id="2" name="Title 1">
-            <a:extLst>
-              <a:ext uri="{FF2B5EF4-FFF2-40B4-BE49-F238E27FC236}">
-                <a16:creationId xmlns:a16="http://schemas.microsoft.com/office/drawing/2014/main" id="{9FAA198A-D62B-A5C2-ED3C-CCA6A27A9E99}"/>
-              </a:ext>
-            </a:extLst>
-          </p:cNvPr>
+          <p:cNvPr id="2" name="Title 1"/>
           <p:cNvSpPr>
             <a:spLocks noGrp="1"/>
           </p:cNvSpPr>
@@ -1786,18 +2046,13 @@
               <a:rPr lang="en-US"/>
               <a:t>Click to edit Master title style</a:t>
             </a:r>
-          </a:p>
-        </p:txBody>
-      </p:sp>
-      <p:sp>
-        <p:nvSpPr>
-          <p:cNvPr id="3" name="Content Placeholder 2">
-            <a:extLst>
-              <a:ext uri="{FF2B5EF4-FFF2-40B4-BE49-F238E27FC236}">
-                <a16:creationId xmlns:a16="http://schemas.microsoft.com/office/drawing/2014/main" id="{E3D06F6F-8E0F-95F9-FB53-DCC106E99C7B}"/>
-              </a:ext>
-            </a:extLst>
-          </p:cNvPr>
+            <a:endParaRPr lang="en-US" dirty="0"/>
+          </a:p>
+        </p:txBody>
+      </p:sp>
+      <p:sp>
+        <p:nvSpPr>
+          <p:cNvPr id="3" name="Content Placeholder 2"/>
           <p:cNvSpPr>
             <a:spLocks noGrp="1"/>
           </p:cNvSpPr>
@@ -1848,18 +2103,13 @@
               <a:rPr lang="en-US"/>
               <a:t>Fifth level</a:t>
             </a:r>
-          </a:p>
-        </p:txBody>
-      </p:sp>
-      <p:sp>
-        <p:nvSpPr>
-          <p:cNvPr id="4" name="Content Placeholder 3">
-            <a:extLst>
-              <a:ext uri="{FF2B5EF4-FFF2-40B4-BE49-F238E27FC236}">
-                <a16:creationId xmlns:a16="http://schemas.microsoft.com/office/drawing/2014/main" id="{C613A937-A939-DCDA-D3C5-15A6EE976DE6}"/>
-              </a:ext>
-            </a:extLst>
-          </p:cNvPr>
+            <a:endParaRPr lang="en-US" dirty="0"/>
+          </a:p>
+        </p:txBody>
+      </p:sp>
+      <p:sp>
+        <p:nvSpPr>
+          <p:cNvPr id="4" name="Content Placeholder 3"/>
           <p:cNvSpPr>
             <a:spLocks noGrp="1"/>
           </p:cNvSpPr>
@@ -1910,18 +2160,13 @@
               <a:rPr lang="en-US"/>
               <a:t>Fifth level</a:t>
             </a:r>
-          </a:p>
-        </p:txBody>
-      </p:sp>
-      <p:sp>
-        <p:nvSpPr>
-          <p:cNvPr id="5" name="Date Placeholder 4">
-            <a:extLst>
-              <a:ext uri="{FF2B5EF4-FFF2-40B4-BE49-F238E27FC236}">
-                <a16:creationId xmlns:a16="http://schemas.microsoft.com/office/drawing/2014/main" id="{ADCC24F9-A205-75DC-DF52-4847A0A685E2}"/>
-              </a:ext>
-            </a:extLst>
-          </p:cNvPr>
+            <a:endParaRPr lang="en-US" dirty="0"/>
+          </a:p>
+        </p:txBody>
+      </p:sp>
+      <p:sp>
+        <p:nvSpPr>
+          <p:cNvPr id="5" name="Date Placeholder 4"/>
           <p:cNvSpPr>
             <a:spLocks noGrp="1"/>
           </p:cNvSpPr>
@@ -1944,13 +2189,7 @@
       </p:sp>
       <p:sp>
         <p:nvSpPr>
-          <p:cNvPr id="6" name="Footer Placeholder 5">
-            <a:extLst>
-              <a:ext uri="{FF2B5EF4-FFF2-40B4-BE49-F238E27FC236}">
-                <a16:creationId xmlns:a16="http://schemas.microsoft.com/office/drawing/2014/main" id="{D02FA79B-8213-8852-D677-2F308CC1A827}"/>
-              </a:ext>
-            </a:extLst>
-          </p:cNvPr>
+          <p:cNvPr id="6" name="Footer Placeholder 5"/>
           <p:cNvSpPr>
             <a:spLocks noGrp="1"/>
           </p:cNvSpPr>
@@ -1969,13 +2208,7 @@
       </p:sp>
       <p:sp>
         <p:nvSpPr>
-          <p:cNvPr id="7" name="Slide Number Placeholder 6">
-            <a:extLst>
-              <a:ext uri="{FF2B5EF4-FFF2-40B4-BE49-F238E27FC236}">
-                <a16:creationId xmlns:a16="http://schemas.microsoft.com/office/drawing/2014/main" id="{06F9D167-9A22-150E-2C2E-499D8E33A8D4}"/>
-              </a:ext>
-            </a:extLst>
-          </p:cNvPr>
+          <p:cNvPr id="7" name="Slide Number Placeholder 6"/>
           <p:cNvSpPr>
             <a:spLocks noGrp="1"/>
           </p:cNvSpPr>
@@ -1999,7 +2232,7 @@
     </p:spTree>
     <p:extLst>
       <p:ext uri="{BB962C8B-B14F-4D97-AF65-F5344CB8AC3E}">
-        <p14:creationId xmlns:p14="http://schemas.microsoft.com/office/powerpoint/2010/main" val="653728810"/>
+        <p14:creationId xmlns:p14="http://schemas.microsoft.com/office/powerpoint/2010/main" val="871673765"/>
       </p:ext>
     </p:extLst>
   </p:cSld>
@@ -2028,13 +2261,7 @@
       </p:grpSpPr>
       <p:sp>
         <p:nvSpPr>
-          <p:cNvPr id="2" name="Title 1">
-            <a:extLst>
-              <a:ext uri="{FF2B5EF4-FFF2-40B4-BE49-F238E27FC236}">
-                <a16:creationId xmlns:a16="http://schemas.microsoft.com/office/drawing/2014/main" id="{36EE8A60-876E-C2C9-598C-FD9E88F0237A}"/>
-              </a:ext>
-            </a:extLst>
-          </p:cNvPr>
+          <p:cNvPr id="2" name="Title 1"/>
           <p:cNvSpPr>
             <a:spLocks noGrp="1"/>
           </p:cNvSpPr>
@@ -2056,18 +2283,13 @@
               <a:rPr lang="en-US"/>
               <a:t>Click to edit Master title style</a:t>
             </a:r>
-          </a:p>
-        </p:txBody>
-      </p:sp>
-      <p:sp>
-        <p:nvSpPr>
-          <p:cNvPr id="3" name="Text Placeholder 2">
-            <a:extLst>
-              <a:ext uri="{FF2B5EF4-FFF2-40B4-BE49-F238E27FC236}">
-                <a16:creationId xmlns:a16="http://schemas.microsoft.com/office/drawing/2014/main" id="{25A64674-FD40-6570-AB86-202EBB810BAF}"/>
-              </a:ext>
-            </a:extLst>
-          </p:cNvPr>
+            <a:endParaRPr lang="en-US" dirty="0"/>
+          </a:p>
+        </p:txBody>
+      </p:sp>
+      <p:sp>
+        <p:nvSpPr>
+          <p:cNvPr id="3" name="Text Placeholder 2"/>
           <p:cNvSpPr>
             <a:spLocks noGrp="1"/>
           </p:cNvSpPr>
@@ -2132,13 +2354,7 @@
       </p:sp>
       <p:sp>
         <p:nvSpPr>
-          <p:cNvPr id="4" name="Content Placeholder 3">
-            <a:extLst>
-              <a:ext uri="{FF2B5EF4-FFF2-40B4-BE49-F238E27FC236}">
-                <a16:creationId xmlns:a16="http://schemas.microsoft.com/office/drawing/2014/main" id="{FF4B4B5F-07CC-1E0E-0FCC-CB5D9E52B8D1}"/>
-              </a:ext>
-            </a:extLst>
-          </p:cNvPr>
+          <p:cNvPr id="4" name="Content Placeholder 3"/>
           <p:cNvSpPr>
             <a:spLocks noGrp="1"/>
           </p:cNvSpPr>
@@ -2189,18 +2405,13 @@
               <a:rPr lang="en-US"/>
               <a:t>Fifth level</a:t>
             </a:r>
-          </a:p>
-        </p:txBody>
-      </p:sp>
-      <p:sp>
-        <p:nvSpPr>
-          <p:cNvPr id="5" name="Text Placeholder 4">
-            <a:extLst>
-              <a:ext uri="{FF2B5EF4-FFF2-40B4-BE49-F238E27FC236}">
-                <a16:creationId xmlns:a16="http://schemas.microsoft.com/office/drawing/2014/main" id="{9637B6C3-F809-C5E3-F1F6-0F15B8609E64}"/>
-              </a:ext>
-            </a:extLst>
-          </p:cNvPr>
+            <a:endParaRPr lang="en-US" dirty="0"/>
+          </a:p>
+        </p:txBody>
+      </p:sp>
+      <p:sp>
+        <p:nvSpPr>
+          <p:cNvPr id="5" name="Text Placeholder 4"/>
           <p:cNvSpPr>
             <a:spLocks noGrp="1"/>
           </p:cNvSpPr>
@@ -2265,13 +2476,7 @@
       </p:sp>
       <p:sp>
         <p:nvSpPr>
-          <p:cNvPr id="6" name="Content Placeholder 5">
-            <a:extLst>
-              <a:ext uri="{FF2B5EF4-FFF2-40B4-BE49-F238E27FC236}">
-                <a16:creationId xmlns:a16="http://schemas.microsoft.com/office/drawing/2014/main" id="{D79A4EF5-FAC1-A823-F910-D763756BCB1F}"/>
-              </a:ext>
-            </a:extLst>
-          </p:cNvPr>
+          <p:cNvPr id="6" name="Content Placeholder 5"/>
           <p:cNvSpPr>
             <a:spLocks noGrp="1"/>
           </p:cNvSpPr>
@@ -2322,18 +2527,13 @@
               <a:rPr lang="en-US"/>
               <a:t>Fifth level</a:t>
             </a:r>
-          </a:p>
-        </p:txBody>
-      </p:sp>
-      <p:sp>
-        <p:nvSpPr>
-          <p:cNvPr id="7" name="Date Placeholder 6">
-            <a:extLst>
-              <a:ext uri="{FF2B5EF4-FFF2-40B4-BE49-F238E27FC236}">
-                <a16:creationId xmlns:a16="http://schemas.microsoft.com/office/drawing/2014/main" id="{F018C2C7-512F-727E-0A1C-69E1DB3100F8}"/>
-              </a:ext>
-            </a:extLst>
-          </p:cNvPr>
+            <a:endParaRPr lang="en-US" dirty="0"/>
+          </a:p>
+        </p:txBody>
+      </p:sp>
+      <p:sp>
+        <p:nvSpPr>
+          <p:cNvPr id="7" name="Date Placeholder 6"/>
           <p:cNvSpPr>
             <a:spLocks noGrp="1"/>
           </p:cNvSpPr>
@@ -2356,13 +2556,7 @@
       </p:sp>
       <p:sp>
         <p:nvSpPr>
-          <p:cNvPr id="8" name="Footer Placeholder 7">
-            <a:extLst>
-              <a:ext uri="{FF2B5EF4-FFF2-40B4-BE49-F238E27FC236}">
-                <a16:creationId xmlns:a16="http://schemas.microsoft.com/office/drawing/2014/main" id="{EDA7B559-9F71-5380-6F48-E7624E4BCBB5}"/>
-              </a:ext>
-            </a:extLst>
-          </p:cNvPr>
+          <p:cNvPr id="8" name="Footer Placeholder 7"/>
           <p:cNvSpPr>
             <a:spLocks noGrp="1"/>
           </p:cNvSpPr>
@@ -2381,13 +2575,7 @@
       </p:sp>
       <p:sp>
         <p:nvSpPr>
-          <p:cNvPr id="9" name="Slide Number Placeholder 8">
-            <a:extLst>
-              <a:ext uri="{FF2B5EF4-FFF2-40B4-BE49-F238E27FC236}">
-                <a16:creationId xmlns:a16="http://schemas.microsoft.com/office/drawing/2014/main" id="{A1A0E16F-BFCA-20B1-FBDB-E56C0CCAFC01}"/>
-              </a:ext>
-            </a:extLst>
-          </p:cNvPr>
+          <p:cNvPr id="9" name="Slide Number Placeholder 8"/>
           <p:cNvSpPr>
             <a:spLocks noGrp="1"/>
           </p:cNvSpPr>
@@ -2411,7 +2599,7 @@
     </p:spTree>
     <p:extLst>
       <p:ext uri="{BB962C8B-B14F-4D97-AF65-F5344CB8AC3E}">
-        <p14:creationId xmlns:p14="http://schemas.microsoft.com/office/powerpoint/2010/main" val="1058467102"/>
+        <p14:creationId xmlns:p14="http://schemas.microsoft.com/office/powerpoint/2010/main" val="257387062"/>
       </p:ext>
     </p:extLst>
   </p:cSld>
@@ -2440,13 +2628,7 @@
       </p:grpSpPr>
       <p:sp>
         <p:nvSpPr>
-          <p:cNvPr id="2" name="Title 1">
-            <a:extLst>
-              <a:ext uri="{FF2B5EF4-FFF2-40B4-BE49-F238E27FC236}">
-                <a16:creationId xmlns:a16="http://schemas.microsoft.com/office/drawing/2014/main" id="{66214ED3-CFA1-C7D2-6138-B84CDF4546D6}"/>
-              </a:ext>
-            </a:extLst>
-          </p:cNvPr>
+          <p:cNvPr id="2" name="Title 1"/>
           <p:cNvSpPr>
             <a:spLocks noGrp="1"/>
           </p:cNvSpPr>
@@ -2463,18 +2645,13 @@
               <a:rPr lang="en-US"/>
               <a:t>Click to edit Master title style</a:t>
             </a:r>
-          </a:p>
-        </p:txBody>
-      </p:sp>
-      <p:sp>
-        <p:nvSpPr>
-          <p:cNvPr id="3" name="Date Placeholder 2">
-            <a:extLst>
-              <a:ext uri="{FF2B5EF4-FFF2-40B4-BE49-F238E27FC236}">
-                <a16:creationId xmlns:a16="http://schemas.microsoft.com/office/drawing/2014/main" id="{822F7619-B309-4E52-6541-20A58E6AB8EA}"/>
-              </a:ext>
-            </a:extLst>
-          </p:cNvPr>
+            <a:endParaRPr lang="en-US" dirty="0"/>
+          </a:p>
+        </p:txBody>
+      </p:sp>
+      <p:sp>
+        <p:nvSpPr>
+          <p:cNvPr id="3" name="Date Placeholder 2"/>
           <p:cNvSpPr>
             <a:spLocks noGrp="1"/>
           </p:cNvSpPr>
@@ -2497,13 +2674,7 @@
       </p:sp>
       <p:sp>
         <p:nvSpPr>
-          <p:cNvPr id="4" name="Footer Placeholder 3">
-            <a:extLst>
-              <a:ext uri="{FF2B5EF4-FFF2-40B4-BE49-F238E27FC236}">
-                <a16:creationId xmlns:a16="http://schemas.microsoft.com/office/drawing/2014/main" id="{D1F789A4-B86E-5625-96B9-E55F580686F2}"/>
-              </a:ext>
-            </a:extLst>
-          </p:cNvPr>
+          <p:cNvPr id="4" name="Footer Placeholder 3"/>
           <p:cNvSpPr>
             <a:spLocks noGrp="1"/>
           </p:cNvSpPr>
@@ -2522,13 +2693,7 @@
       </p:sp>
       <p:sp>
         <p:nvSpPr>
-          <p:cNvPr id="5" name="Slide Number Placeholder 4">
-            <a:extLst>
-              <a:ext uri="{FF2B5EF4-FFF2-40B4-BE49-F238E27FC236}">
-                <a16:creationId xmlns:a16="http://schemas.microsoft.com/office/drawing/2014/main" id="{1B797DD0-99DD-1A62-0DCF-89353FFFB797}"/>
-              </a:ext>
-            </a:extLst>
-          </p:cNvPr>
+          <p:cNvPr id="5" name="Slide Number Placeholder 4"/>
           <p:cNvSpPr>
             <a:spLocks noGrp="1"/>
           </p:cNvSpPr>
@@ -2552,7 +2717,7 @@
     </p:spTree>
     <p:extLst>
       <p:ext uri="{BB962C8B-B14F-4D97-AF65-F5344CB8AC3E}">
-        <p14:creationId xmlns:p14="http://schemas.microsoft.com/office/powerpoint/2010/main" val="1061001575"/>
+        <p14:creationId xmlns:p14="http://schemas.microsoft.com/office/powerpoint/2010/main" val="1169153861"/>
       </p:ext>
     </p:extLst>
   </p:cSld>
@@ -2581,13 +2746,7 @@
       </p:grpSpPr>
       <p:sp>
         <p:nvSpPr>
-          <p:cNvPr id="2" name="Date Placeholder 1">
-            <a:extLst>
-              <a:ext uri="{FF2B5EF4-FFF2-40B4-BE49-F238E27FC236}">
-                <a16:creationId xmlns:a16="http://schemas.microsoft.com/office/drawing/2014/main" id="{97021509-5C18-8E2A-9BA2-1E309DA391C7}"/>
-              </a:ext>
-            </a:extLst>
-          </p:cNvPr>
+          <p:cNvPr id="2" name="Date Placeholder 1"/>
           <p:cNvSpPr>
             <a:spLocks noGrp="1"/>
           </p:cNvSpPr>
@@ -2610,13 +2769,7 @@
       </p:sp>
       <p:sp>
         <p:nvSpPr>
-          <p:cNvPr id="3" name="Footer Placeholder 2">
-            <a:extLst>
-              <a:ext uri="{FF2B5EF4-FFF2-40B4-BE49-F238E27FC236}">
-                <a16:creationId xmlns:a16="http://schemas.microsoft.com/office/drawing/2014/main" id="{55ACBE0B-89EC-E587-0B9E-F2C56E31F0B1}"/>
-              </a:ext>
-            </a:extLst>
-          </p:cNvPr>
+          <p:cNvPr id="3" name="Footer Placeholder 2"/>
           <p:cNvSpPr>
             <a:spLocks noGrp="1"/>
           </p:cNvSpPr>
@@ -2635,13 +2788,7 @@
       </p:sp>
       <p:sp>
         <p:nvSpPr>
-          <p:cNvPr id="4" name="Slide Number Placeholder 3">
-            <a:extLst>
-              <a:ext uri="{FF2B5EF4-FFF2-40B4-BE49-F238E27FC236}">
-                <a16:creationId xmlns:a16="http://schemas.microsoft.com/office/drawing/2014/main" id="{F9047EE7-F5BA-939E-500E-3DD154C6C174}"/>
-              </a:ext>
-            </a:extLst>
-          </p:cNvPr>
+          <p:cNvPr id="4" name="Slide Number Placeholder 3"/>
           <p:cNvSpPr>
             <a:spLocks noGrp="1"/>
           </p:cNvSpPr>
@@ -2665,7 +2812,7 @@
     </p:spTree>
     <p:extLst>
       <p:ext uri="{BB962C8B-B14F-4D97-AF65-F5344CB8AC3E}">
-        <p14:creationId xmlns:p14="http://schemas.microsoft.com/office/powerpoint/2010/main" val="3761240123"/>
+        <p14:creationId xmlns:p14="http://schemas.microsoft.com/office/powerpoint/2010/main" val="784184527"/>
       </p:ext>
     </p:extLst>
   </p:cSld>
@@ -2694,13 +2841,7 @@
       </p:grpSpPr>
       <p:sp>
         <p:nvSpPr>
-          <p:cNvPr id="2" name="Title 1">
-            <a:extLst>
-              <a:ext uri="{FF2B5EF4-FFF2-40B4-BE49-F238E27FC236}">
-                <a16:creationId xmlns:a16="http://schemas.microsoft.com/office/drawing/2014/main" id="{99D33994-8DE7-FAB6-3E56-F1E214AC7DD5}"/>
-              </a:ext>
-            </a:extLst>
-          </p:cNvPr>
+          <p:cNvPr id="2" name="Title 1"/>
           <p:cNvSpPr>
             <a:spLocks noGrp="1"/>
           </p:cNvSpPr>
@@ -2726,18 +2867,13 @@
               <a:rPr lang="en-US"/>
               <a:t>Click to edit Master title style</a:t>
             </a:r>
-          </a:p>
-        </p:txBody>
-      </p:sp>
-      <p:sp>
-        <p:nvSpPr>
-          <p:cNvPr id="3" name="Content Placeholder 2">
-            <a:extLst>
-              <a:ext uri="{FF2B5EF4-FFF2-40B4-BE49-F238E27FC236}">
-                <a16:creationId xmlns:a16="http://schemas.microsoft.com/office/drawing/2014/main" id="{7697F7DE-E200-FECB-3EF0-4A1EF1C95291}"/>
-              </a:ext>
-            </a:extLst>
-          </p:cNvPr>
+            <a:endParaRPr lang="en-US" dirty="0"/>
+          </a:p>
+        </p:txBody>
+      </p:sp>
+      <p:sp>
+        <p:nvSpPr>
+          <p:cNvPr id="3" name="Content Placeholder 2"/>
           <p:cNvSpPr>
             <a:spLocks noGrp="1"/>
           </p:cNvSpPr>
@@ -2816,18 +2952,13 @@
               <a:rPr lang="en-US"/>
               <a:t>Fifth level</a:t>
             </a:r>
-          </a:p>
-        </p:txBody>
-      </p:sp>
-      <p:sp>
-        <p:nvSpPr>
-          <p:cNvPr id="4" name="Text Placeholder 3">
-            <a:extLst>
-              <a:ext uri="{FF2B5EF4-FFF2-40B4-BE49-F238E27FC236}">
-                <a16:creationId xmlns:a16="http://schemas.microsoft.com/office/drawing/2014/main" id="{BAB628A5-EF7D-6393-28A1-323C43CFB0F8}"/>
-              </a:ext>
-            </a:extLst>
-          </p:cNvPr>
+            <a:endParaRPr lang="en-US" dirty="0"/>
+          </a:p>
+        </p:txBody>
+      </p:sp>
+      <p:sp>
+        <p:nvSpPr>
+          <p:cNvPr id="4" name="Text Placeholder 3"/>
           <p:cNvSpPr>
             <a:spLocks noGrp="1"/>
           </p:cNvSpPr>
@@ -2892,13 +3023,7 @@
       </p:sp>
       <p:sp>
         <p:nvSpPr>
-          <p:cNvPr id="5" name="Date Placeholder 4">
-            <a:extLst>
-              <a:ext uri="{FF2B5EF4-FFF2-40B4-BE49-F238E27FC236}">
-                <a16:creationId xmlns:a16="http://schemas.microsoft.com/office/drawing/2014/main" id="{7A500FFC-B871-C26E-370A-936CDD9AF4C1}"/>
-              </a:ext>
-            </a:extLst>
-          </p:cNvPr>
+          <p:cNvPr id="5" name="Date Placeholder 4"/>
           <p:cNvSpPr>
             <a:spLocks noGrp="1"/>
           </p:cNvSpPr>
@@ -2921,13 +3046,7 @@
       </p:sp>
       <p:sp>
         <p:nvSpPr>
-          <p:cNvPr id="6" name="Footer Placeholder 5">
-            <a:extLst>
-              <a:ext uri="{FF2B5EF4-FFF2-40B4-BE49-F238E27FC236}">
-                <a16:creationId xmlns:a16="http://schemas.microsoft.com/office/drawing/2014/main" id="{477D5A0C-B2CE-3DB4-BB0E-F6820FD10A2F}"/>
-              </a:ext>
-            </a:extLst>
-          </p:cNvPr>
+          <p:cNvPr id="6" name="Footer Placeholder 5"/>
           <p:cNvSpPr>
             <a:spLocks noGrp="1"/>
           </p:cNvSpPr>
@@ -2946,13 +3065,7 @@
       </p:sp>
       <p:sp>
         <p:nvSpPr>
-          <p:cNvPr id="7" name="Slide Number Placeholder 6">
-            <a:extLst>
-              <a:ext uri="{FF2B5EF4-FFF2-40B4-BE49-F238E27FC236}">
-                <a16:creationId xmlns:a16="http://schemas.microsoft.com/office/drawing/2014/main" id="{C5451C10-13F9-BBC7-4C2D-FE447120FC83}"/>
-              </a:ext>
-            </a:extLst>
-          </p:cNvPr>
+          <p:cNvPr id="7" name="Slide Number Placeholder 6"/>
           <p:cNvSpPr>
             <a:spLocks noGrp="1"/>
           </p:cNvSpPr>
@@ -2976,7 +3089,7 @@
     </p:spTree>
     <p:extLst>
       <p:ext uri="{BB962C8B-B14F-4D97-AF65-F5344CB8AC3E}">
-        <p14:creationId xmlns:p14="http://schemas.microsoft.com/office/powerpoint/2010/main" val="78445960"/>
+        <p14:creationId xmlns:p14="http://schemas.microsoft.com/office/powerpoint/2010/main" val="3994212336"/>
       </p:ext>
     </p:extLst>
   </p:cSld>
@@ -3005,13 +3118,7 @@
       </p:grpSpPr>
       <p:sp>
         <p:nvSpPr>
-          <p:cNvPr id="2" name="Title 1">
-            <a:extLst>
-              <a:ext uri="{FF2B5EF4-FFF2-40B4-BE49-F238E27FC236}">
-                <a16:creationId xmlns:a16="http://schemas.microsoft.com/office/drawing/2014/main" id="{72AFB223-75C7-3EC2-D7D6-2505A4B9A9A0}"/>
-              </a:ext>
-            </a:extLst>
-          </p:cNvPr>
+          <p:cNvPr id="2" name="Title 1"/>
           <p:cNvSpPr>
             <a:spLocks noGrp="1"/>
           </p:cNvSpPr>
@@ -3037,20 +3144,15 @@
               <a:rPr lang="en-US"/>
               <a:t>Click to edit Master title style</a:t>
             </a:r>
-          </a:p>
-        </p:txBody>
-      </p:sp>
-      <p:sp>
-        <p:nvSpPr>
-          <p:cNvPr id="3" name="Picture Placeholder 2">
-            <a:extLst>
-              <a:ext uri="{FF2B5EF4-FFF2-40B4-BE49-F238E27FC236}">
-                <a16:creationId xmlns:a16="http://schemas.microsoft.com/office/drawing/2014/main" id="{74DAD0B8-1B40-2D0A-9BDB-40BF7F6313A2}"/>
-              </a:ext>
-            </a:extLst>
-          </p:cNvPr>
-          <p:cNvSpPr>
-            <a:spLocks noGrp="1"/>
+            <a:endParaRPr lang="en-US" dirty="0"/>
+          </a:p>
+        </p:txBody>
+      </p:sp>
+      <p:sp>
+        <p:nvSpPr>
+          <p:cNvPr id="3" name="Picture Placeholder 2"/>
+          <p:cNvSpPr>
+            <a:spLocks noGrp="1" noChangeAspect="1"/>
           </p:cNvSpPr>
           <p:nvPr>
             <p:ph type="pic" idx="1"/>
@@ -3063,7 +3165,7 @@
           </a:xfrm>
         </p:spPr>
         <p:txBody>
-          <a:bodyPr/>
+          <a:bodyPr anchor="t"/>
           <a:lstStyle>
             <a:lvl1pPr marL="0" indent="0">
               <a:buNone/>
@@ -3103,19 +3205,17 @@
             </a:lvl9pPr>
           </a:lstStyle>
           <a:p>
-            <a:endParaRPr lang="en-US"/>
-          </a:p>
-        </p:txBody>
-      </p:sp>
-      <p:sp>
-        <p:nvSpPr>
-          <p:cNvPr id="4" name="Text Placeholder 3">
-            <a:extLst>
-              <a:ext uri="{FF2B5EF4-FFF2-40B4-BE49-F238E27FC236}">
-                <a16:creationId xmlns:a16="http://schemas.microsoft.com/office/drawing/2014/main" id="{5CE2A597-BCD1-D16F-5C1E-DAD08F316596}"/>
-              </a:ext>
-            </a:extLst>
-          </p:cNvPr>
+            <a:r>
+              <a:rPr lang="en-US"/>
+              <a:t>Click icon to add picture</a:t>
+            </a:r>
+            <a:endParaRPr lang="en-US" dirty="0"/>
+          </a:p>
+        </p:txBody>
+      </p:sp>
+      <p:sp>
+        <p:nvSpPr>
+          <p:cNvPr id="4" name="Text Placeholder 3"/>
           <p:cNvSpPr>
             <a:spLocks noGrp="1"/>
           </p:cNvSpPr>
@@ -3180,13 +3280,7 @@
       </p:sp>
       <p:sp>
         <p:nvSpPr>
-          <p:cNvPr id="5" name="Date Placeholder 4">
-            <a:extLst>
-              <a:ext uri="{FF2B5EF4-FFF2-40B4-BE49-F238E27FC236}">
-                <a16:creationId xmlns:a16="http://schemas.microsoft.com/office/drawing/2014/main" id="{9F760900-6B5B-C71E-F29D-525F9D514CD2}"/>
-              </a:ext>
-            </a:extLst>
-          </p:cNvPr>
+          <p:cNvPr id="5" name="Date Placeholder 4"/>
           <p:cNvSpPr>
             <a:spLocks noGrp="1"/>
           </p:cNvSpPr>
@@ -3209,13 +3303,7 @@
       </p:sp>
       <p:sp>
         <p:nvSpPr>
-          <p:cNvPr id="6" name="Footer Placeholder 5">
-            <a:extLst>
-              <a:ext uri="{FF2B5EF4-FFF2-40B4-BE49-F238E27FC236}">
-                <a16:creationId xmlns:a16="http://schemas.microsoft.com/office/drawing/2014/main" id="{A3E865B5-2392-0409-5921-6DEB21BD7E85}"/>
-              </a:ext>
-            </a:extLst>
-          </p:cNvPr>
+          <p:cNvPr id="6" name="Footer Placeholder 5"/>
           <p:cNvSpPr>
             <a:spLocks noGrp="1"/>
           </p:cNvSpPr>
@@ -3234,13 +3322,7 @@
       </p:sp>
       <p:sp>
         <p:nvSpPr>
-          <p:cNvPr id="7" name="Slide Number Placeholder 6">
-            <a:extLst>
-              <a:ext uri="{FF2B5EF4-FFF2-40B4-BE49-F238E27FC236}">
-                <a16:creationId xmlns:a16="http://schemas.microsoft.com/office/drawing/2014/main" id="{468673CA-BFB8-F9C6-3356-9646B9C4430D}"/>
-              </a:ext>
-            </a:extLst>
-          </p:cNvPr>
+          <p:cNvPr id="7" name="Slide Number Placeholder 6"/>
           <p:cNvSpPr>
             <a:spLocks noGrp="1"/>
           </p:cNvSpPr>
@@ -3264,7 +3346,7 @@
     </p:spTree>
     <p:extLst>
       <p:ext uri="{BB962C8B-B14F-4D97-AF65-F5344CB8AC3E}">
-        <p14:creationId xmlns:p14="http://schemas.microsoft.com/office/powerpoint/2010/main" val="4153589660"/>
+        <p14:creationId xmlns:p14="http://schemas.microsoft.com/office/powerpoint/2010/main" val="731534881"/>
       </p:ext>
     </p:extLst>
   </p:cSld>
@@ -3298,13 +3380,7 @@
       </p:grpSpPr>
       <p:sp>
         <p:nvSpPr>
-          <p:cNvPr id="2" name="Title Placeholder 1">
-            <a:extLst>
-              <a:ext uri="{FF2B5EF4-FFF2-40B4-BE49-F238E27FC236}">
-                <a16:creationId xmlns:a16="http://schemas.microsoft.com/office/drawing/2014/main" id="{FB758316-3055-C88D-53E2-85EF5DACDDA5}"/>
-              </a:ext>
-            </a:extLst>
-          </p:cNvPr>
+          <p:cNvPr id="2" name="Title Placeholder 1"/>
           <p:cNvSpPr>
             <a:spLocks noGrp="1"/>
           </p:cNvSpPr>
@@ -3331,18 +3407,13 @@
               <a:rPr lang="en-US"/>
               <a:t>Click to edit Master title style</a:t>
             </a:r>
-          </a:p>
-        </p:txBody>
-      </p:sp>
-      <p:sp>
-        <p:nvSpPr>
-          <p:cNvPr id="3" name="Text Placeholder 2">
-            <a:extLst>
-              <a:ext uri="{FF2B5EF4-FFF2-40B4-BE49-F238E27FC236}">
-                <a16:creationId xmlns:a16="http://schemas.microsoft.com/office/drawing/2014/main" id="{83E86A11-0B05-CD01-4D15-AC0244B7851F}"/>
-              </a:ext>
-            </a:extLst>
-          </p:cNvPr>
+            <a:endParaRPr lang="en-US" dirty="0"/>
+          </a:p>
+        </p:txBody>
+      </p:sp>
+      <p:sp>
+        <p:nvSpPr>
+          <p:cNvPr id="3" name="Text Placeholder 2"/>
           <p:cNvSpPr>
             <a:spLocks noGrp="1"/>
           </p:cNvSpPr>
@@ -3398,18 +3469,13 @@
               <a:rPr lang="en-US"/>
               <a:t>Fifth level</a:t>
             </a:r>
-          </a:p>
-        </p:txBody>
-      </p:sp>
-      <p:sp>
-        <p:nvSpPr>
-          <p:cNvPr id="4" name="Date Placeholder 3">
-            <a:extLst>
-              <a:ext uri="{FF2B5EF4-FFF2-40B4-BE49-F238E27FC236}">
-                <a16:creationId xmlns:a16="http://schemas.microsoft.com/office/drawing/2014/main" id="{D1278AAF-9B30-7F62-62DA-E0750A5C215F}"/>
-              </a:ext>
-            </a:extLst>
-          </p:cNvPr>
+            <a:endParaRPr lang="en-US" dirty="0"/>
+          </a:p>
+        </p:txBody>
+      </p:sp>
+      <p:sp>
+        <p:nvSpPr>
+          <p:cNvPr id="4" name="Date Placeholder 3"/>
           <p:cNvSpPr>
             <a:spLocks noGrp="1"/>
           </p:cNvSpPr>
@@ -3433,7 +3499,7 @@
               <a:defRPr sz="1200">
                 <a:solidFill>
                   <a:schemeClr val="tx1">
-                    <a:tint val="82000"/>
+                    <a:shade val="82000"/>
                   </a:schemeClr>
                 </a:solidFill>
               </a:defRPr>
@@ -3450,13 +3516,7 @@
       </p:sp>
       <p:sp>
         <p:nvSpPr>
-          <p:cNvPr id="5" name="Footer Placeholder 4">
-            <a:extLst>
-              <a:ext uri="{FF2B5EF4-FFF2-40B4-BE49-F238E27FC236}">
-                <a16:creationId xmlns:a16="http://schemas.microsoft.com/office/drawing/2014/main" id="{388F1E02-497C-D68E-C693-413C9FC105E1}"/>
-              </a:ext>
-            </a:extLst>
-          </p:cNvPr>
+          <p:cNvPr id="5" name="Footer Placeholder 4"/>
           <p:cNvSpPr>
             <a:spLocks noGrp="1"/>
           </p:cNvSpPr>
@@ -3480,7 +3540,7 @@
               <a:defRPr sz="1200">
                 <a:solidFill>
                   <a:schemeClr val="tx1">
-                    <a:tint val="82000"/>
+                    <a:shade val="82000"/>
                   </a:schemeClr>
                 </a:solidFill>
               </a:defRPr>
@@ -3493,13 +3553,7 @@
       </p:sp>
       <p:sp>
         <p:nvSpPr>
-          <p:cNvPr id="6" name="Slide Number Placeholder 5">
-            <a:extLst>
-              <a:ext uri="{FF2B5EF4-FFF2-40B4-BE49-F238E27FC236}">
-                <a16:creationId xmlns:a16="http://schemas.microsoft.com/office/drawing/2014/main" id="{6B1374A2-A9AF-6BAE-99CD-F6AAF2146F49}"/>
-              </a:ext>
-            </a:extLst>
-          </p:cNvPr>
+          <p:cNvPr id="6" name="Slide Number Placeholder 5"/>
           <p:cNvSpPr>
             <a:spLocks noGrp="1"/>
           </p:cNvSpPr>
@@ -3523,7 +3577,7 @@
               <a:defRPr sz="1200">
                 <a:solidFill>
                   <a:schemeClr val="tx1">
-                    <a:tint val="82000"/>
+                    <a:shade val="82000"/>
                   </a:schemeClr>
                 </a:solidFill>
               </a:defRPr>
@@ -3541,23 +3595,23 @@
     </p:spTree>
     <p:extLst>
       <p:ext uri="{BB962C8B-B14F-4D97-AF65-F5344CB8AC3E}">
-        <p14:creationId xmlns:p14="http://schemas.microsoft.com/office/powerpoint/2010/main" val="3748891922"/>
+        <p14:creationId xmlns:p14="http://schemas.microsoft.com/office/powerpoint/2010/main" val="4100269893"/>
       </p:ext>
     </p:extLst>
   </p:cSld>
-  <p:clrMap bg1="lt1" tx1="dk1" bg2="lt2" tx2="dk2" accent1="accent1" accent2="accent2" accent3="accent3" accent4="accent4" accent5="accent5" accent6="accent6" hlink="hlink" folHlink="folHlink"/>
+  <p:clrMap bg1="dk1" tx1="lt1" bg2="dk2" tx2="lt2" accent1="accent1" accent2="accent2" accent3="accent3" accent4="accent4" accent5="accent5" accent6="accent6" hlink="hlink" folHlink="folHlink"/>
   <p:sldLayoutIdLst>
-    <p:sldLayoutId id="2147483649" r:id="rId1"/>
-    <p:sldLayoutId id="2147483650" r:id="rId2"/>
-    <p:sldLayoutId id="2147483651" r:id="rId3"/>
-    <p:sldLayoutId id="2147483652" r:id="rId4"/>
-    <p:sldLayoutId id="2147483653" r:id="rId5"/>
-    <p:sldLayoutId id="2147483654" r:id="rId6"/>
-    <p:sldLayoutId id="2147483655" r:id="rId7"/>
-    <p:sldLayoutId id="2147483656" r:id="rId8"/>
-    <p:sldLayoutId id="2147483657" r:id="rId9"/>
-    <p:sldLayoutId id="2147483658" r:id="rId10"/>
-    <p:sldLayoutId id="2147483659" r:id="rId11"/>
+    <p:sldLayoutId id="2147483661" r:id="rId1"/>
+    <p:sldLayoutId id="2147483662" r:id="rId2"/>
+    <p:sldLayoutId id="2147483663" r:id="rId3"/>
+    <p:sldLayoutId id="2147483664" r:id="rId4"/>
+    <p:sldLayoutId id="2147483665" r:id="rId5"/>
+    <p:sldLayoutId id="2147483666" r:id="rId6"/>
+    <p:sldLayoutId id="2147483667" r:id="rId7"/>
+    <p:sldLayoutId id="2147483668" r:id="rId8"/>
+    <p:sldLayoutId id="2147483669" r:id="rId9"/>
+    <p:sldLayoutId id="2147483670" r:id="rId10"/>
+    <p:sldLayoutId id="2147483671" r:id="rId11"/>
   </p:sldLayoutIdLst>
   <p:txStyles>
     <p:titleStyle>
@@ -3903,10 +3957,15 @@
             <p:ph type="subTitle" idx="1"/>
           </p:nvPr>
         </p:nvSpPr>
-        <p:spPr/>
+        <p:spPr>
+          <a:xfrm>
+            <a:off x="1524000" y="4321229"/>
+            <a:ext cx="6048054" cy="2038474"/>
+          </a:xfrm>
+        </p:spPr>
         <p:txBody>
           <a:bodyPr>
-            <a:normAutofit/>
+            <a:normAutofit fontScale="92500" lnSpcReduction="10000"/>
           </a:bodyPr>
           <a:lstStyle/>
           <a:p>
@@ -3930,8 +3989,216 @@
               <a:t>Richard Roop</a:t>
             </a:r>
           </a:p>
-        </p:txBody>
-      </p:sp>
+          <a:p>
+            <a:pPr algn="l"/>
+            <a:endParaRPr lang="en-US" u="sng" dirty="0"/>
+          </a:p>
+          <a:p>
+            <a:pPr algn="l"/>
+            <a:r>
+              <a:rPr lang="en-US" dirty="0"/>
+              <a:t>Group 1</a:t>
+            </a:r>
+          </a:p>
+        </p:txBody>
+      </p:sp>
+      <p:pic>
+        <p:nvPicPr>
+          <p:cNvPr id="5" name="Graphic 4" descr="Television outline">
+            <a:extLst>
+              <a:ext uri="{FF2B5EF4-FFF2-40B4-BE49-F238E27FC236}">
+                <a16:creationId xmlns:a16="http://schemas.microsoft.com/office/drawing/2014/main" id="{162370E3-D724-847C-4BAC-A67BABFF6C2A}"/>
+              </a:ext>
+            </a:extLst>
+          </p:cNvPr>
+          <p:cNvPicPr>
+            <a:picLocks noChangeAspect="1"/>
+          </p:cNvPicPr>
+          <p:nvPr/>
+        </p:nvPicPr>
+        <p:blipFill>
+          <a:blip r:embed="rId2">
+            <a:extLst>
+              <a:ext uri="{28A0092B-C50C-407E-A947-70E740481C1C}">
+                <a14:useLocalDpi xmlns:a14="http://schemas.microsoft.com/office/drawing/2010/main" val="0"/>
+              </a:ext>
+              <a:ext uri="{96DAC541-7B7A-43D3-8B79-37D633B846F1}">
+                <asvg:svgBlip xmlns:asvg="http://schemas.microsoft.com/office/drawing/2016/SVG/main" r:embed="rId3"/>
+              </a:ext>
+            </a:extLst>
+          </a:blip>
+          <a:stretch>
+            <a:fillRect/>
+          </a:stretch>
+        </p:blipFill>
+        <p:spPr>
+          <a:xfrm>
+            <a:off x="9203932" y="3951358"/>
+            <a:ext cx="2179833" cy="2179833"/>
+          </a:xfrm>
+          <a:prstGeom prst="rect">
+            <a:avLst/>
+          </a:prstGeom>
+        </p:spPr>
+      </p:pic>
+      <p:pic>
+        <p:nvPicPr>
+          <p:cNvPr id="7" name="Graphic 6" descr="School boy outline">
+            <a:extLst>
+              <a:ext uri="{FF2B5EF4-FFF2-40B4-BE49-F238E27FC236}">
+                <a16:creationId xmlns:a16="http://schemas.microsoft.com/office/drawing/2014/main" id="{0B300EF0-FFAE-A3F9-5352-0CC6CB56AAC8}"/>
+              </a:ext>
+            </a:extLst>
+          </p:cNvPr>
+          <p:cNvPicPr>
+            <a:picLocks noChangeAspect="1"/>
+          </p:cNvPicPr>
+          <p:nvPr/>
+        </p:nvPicPr>
+        <p:blipFill>
+          <a:blip r:embed="rId4">
+            <a:extLst>
+              <a:ext uri="{28A0092B-C50C-407E-A947-70E740481C1C}">
+                <a14:useLocalDpi xmlns:a14="http://schemas.microsoft.com/office/drawing/2010/main" val="0"/>
+              </a:ext>
+              <a:ext uri="{96DAC541-7B7A-43D3-8B79-37D633B846F1}">
+                <asvg:svgBlip xmlns:asvg="http://schemas.microsoft.com/office/drawing/2016/SVG/main" r:embed="rId5"/>
+              </a:ext>
+            </a:extLst>
+          </a:blip>
+          <a:stretch>
+            <a:fillRect/>
+          </a:stretch>
+        </p:blipFill>
+        <p:spPr>
+          <a:xfrm>
+            <a:off x="9368319" y="4566906"/>
+            <a:ext cx="751726" cy="751726"/>
+          </a:xfrm>
+          <a:prstGeom prst="rect">
+            <a:avLst/>
+          </a:prstGeom>
+        </p:spPr>
+      </p:pic>
+      <p:pic>
+        <p:nvPicPr>
+          <p:cNvPr id="8" name="Graphic 7" descr="School boy outline">
+            <a:extLst>
+              <a:ext uri="{FF2B5EF4-FFF2-40B4-BE49-F238E27FC236}">
+                <a16:creationId xmlns:a16="http://schemas.microsoft.com/office/drawing/2014/main" id="{491D8888-395D-986D-290E-00ABC386A15B}"/>
+              </a:ext>
+            </a:extLst>
+          </p:cNvPr>
+          <p:cNvPicPr>
+            <a:picLocks noChangeAspect="1"/>
+          </p:cNvPicPr>
+          <p:nvPr/>
+        </p:nvPicPr>
+        <p:blipFill>
+          <a:blip r:embed="rId4">
+            <a:extLst>
+              <a:ext uri="{28A0092B-C50C-407E-A947-70E740481C1C}">
+                <a14:useLocalDpi xmlns:a14="http://schemas.microsoft.com/office/drawing/2010/main" val="0"/>
+              </a:ext>
+              <a:ext uri="{96DAC541-7B7A-43D3-8B79-37D633B846F1}">
+                <asvg:svgBlip xmlns:asvg="http://schemas.microsoft.com/office/drawing/2016/SVG/main" r:embed="rId5"/>
+              </a:ext>
+            </a:extLst>
+          </a:blip>
+          <a:stretch>
+            <a:fillRect/>
+          </a:stretch>
+        </p:blipFill>
+        <p:spPr>
+          <a:xfrm>
+            <a:off x="10456524" y="4566906"/>
+            <a:ext cx="751726" cy="751726"/>
+          </a:xfrm>
+          <a:prstGeom prst="rect">
+            <a:avLst/>
+          </a:prstGeom>
+        </p:spPr>
+      </p:pic>
+      <p:pic>
+        <p:nvPicPr>
+          <p:cNvPr id="10" name="Graphic 9" descr="Female Profile outline">
+            <a:extLst>
+              <a:ext uri="{FF2B5EF4-FFF2-40B4-BE49-F238E27FC236}">
+                <a16:creationId xmlns:a16="http://schemas.microsoft.com/office/drawing/2014/main" id="{495D6418-4D9A-868E-5F08-9295CA8EA3BD}"/>
+              </a:ext>
+            </a:extLst>
+          </p:cNvPr>
+          <p:cNvPicPr>
+            <a:picLocks noChangeAspect="1"/>
+          </p:cNvPicPr>
+          <p:nvPr/>
+        </p:nvPicPr>
+        <p:blipFill>
+          <a:blip r:embed="rId6">
+            <a:extLst>
+              <a:ext uri="{28A0092B-C50C-407E-A947-70E740481C1C}">
+                <a14:useLocalDpi xmlns:a14="http://schemas.microsoft.com/office/drawing/2010/main" val="0"/>
+              </a:ext>
+              <a:ext uri="{96DAC541-7B7A-43D3-8B79-37D633B846F1}">
+                <asvg:svgBlip xmlns:asvg="http://schemas.microsoft.com/office/drawing/2016/SVG/main" r:embed="rId7"/>
+              </a:ext>
+            </a:extLst>
+          </a:blip>
+          <a:stretch>
+            <a:fillRect/>
+          </a:stretch>
+        </p:blipFill>
+        <p:spPr>
+          <a:xfrm>
+            <a:off x="9960969" y="4648136"/>
+            <a:ext cx="640080" cy="640080"/>
+          </a:xfrm>
+          <a:prstGeom prst="rect">
+            <a:avLst/>
+          </a:prstGeom>
+        </p:spPr>
+      </p:pic>
+      <p:cxnSp>
+        <p:nvCxnSpPr>
+          <p:cNvPr id="12" name="Straight Connector 11">
+            <a:extLst>
+              <a:ext uri="{FF2B5EF4-FFF2-40B4-BE49-F238E27FC236}">
+                <a16:creationId xmlns:a16="http://schemas.microsoft.com/office/drawing/2014/main" id="{B9F0F9B6-7FD1-69F6-FA7F-1B03109C8E9F}"/>
+              </a:ext>
+            </a:extLst>
+          </p:cNvPr>
+          <p:cNvCxnSpPr/>
+          <p:nvPr/>
+        </p:nvCxnSpPr>
+        <p:spPr>
+          <a:xfrm>
+            <a:off x="1623317" y="5702157"/>
+            <a:ext cx="2373330" cy="0"/>
+          </a:xfrm>
+          <a:prstGeom prst="line">
+            <a:avLst/>
+          </a:prstGeom>
+          <a:ln>
+            <a:solidFill>
+              <a:schemeClr val="tx1"/>
+            </a:solidFill>
+          </a:ln>
+        </p:spPr>
+        <p:style>
+          <a:lnRef idx="2">
+            <a:schemeClr val="accent1"/>
+          </a:lnRef>
+          <a:fillRef idx="0">
+            <a:schemeClr val="accent1"/>
+          </a:fillRef>
+          <a:effectRef idx="1">
+            <a:schemeClr val="accent1"/>
+          </a:effectRef>
+          <a:fontRef idx="minor">
+            <a:schemeClr val="tx1"/>
+          </a:fontRef>
+        </p:style>
+      </p:cxnSp>
     </p:spTree>
     <p:extLst>
       <p:ext uri="{BB962C8B-B14F-4D97-AF65-F5344CB8AC3E}">
@@ -3978,14 +4245,19 @@
             <p:ph type="title"/>
           </p:nvPr>
         </p:nvSpPr>
-        <p:spPr/>
+        <p:spPr>
+          <a:xfrm>
+            <a:off x="838200" y="365126"/>
+            <a:ext cx="10515600" cy="1082370"/>
+          </a:xfrm>
+        </p:spPr>
         <p:txBody>
           <a:bodyPr/>
           <a:lstStyle/>
           <a:p>
             <a:r>
               <a:rPr lang="en-US" dirty="0"/>
-              <a:t>Approach (Christian)</a:t>
+              <a:t>IMDb</a:t>
             </a:r>
           </a:p>
         </p:txBody>
@@ -4006,10 +4278,24 @@
             <p:ph idx="1"/>
           </p:nvPr>
         </p:nvSpPr>
-        <p:spPr/>
+        <p:spPr>
+          <a:xfrm>
+            <a:off x="838200" y="1447496"/>
+            <a:ext cx="10515600" cy="4729467"/>
+          </a:xfrm>
+        </p:spPr>
         <p:txBody>
           <a:bodyPr/>
           <a:lstStyle/>
+          <a:p>
+            <a:pPr marL="0" indent="0">
+              <a:buNone/>
+            </a:pPr>
+            <a:r>
+              <a:rPr lang="en-US" dirty="0"/>
+              <a:t>Only pull data that greater than or equal to 80 on IMDb column:</a:t>
+            </a:r>
+          </a:p>
           <a:p>
             <a:pPr marL="0" indent="0">
               <a:buNone/>
@@ -4018,10 +4304,70 @@
           </a:p>
         </p:txBody>
       </p:sp>
+      <p:pic>
+        <p:nvPicPr>
+          <p:cNvPr id="4" name="Picture 3">
+            <a:extLst>
+              <a:ext uri="{FF2B5EF4-FFF2-40B4-BE49-F238E27FC236}">
+                <a16:creationId xmlns:a16="http://schemas.microsoft.com/office/drawing/2014/main" id="{DDB7CAA9-04B7-54AA-E731-11A9229875CD}"/>
+              </a:ext>
+            </a:extLst>
+          </p:cNvPr>
+          <p:cNvPicPr>
+            <a:picLocks noChangeAspect="1"/>
+          </p:cNvPicPr>
+          <p:nvPr/>
+        </p:nvPicPr>
+        <p:blipFill>
+          <a:blip r:embed="rId3"/>
+          <a:stretch>
+            <a:fillRect/>
+          </a:stretch>
+        </p:blipFill>
+        <p:spPr>
+          <a:xfrm>
+            <a:off x="1021080" y="2160814"/>
+            <a:ext cx="9489141" cy="1181447"/>
+          </a:xfrm>
+          <a:prstGeom prst="rect">
+            <a:avLst/>
+          </a:prstGeom>
+        </p:spPr>
+      </p:pic>
+      <p:pic>
+        <p:nvPicPr>
+          <p:cNvPr id="5" name="Picture 4">
+            <a:extLst>
+              <a:ext uri="{FF2B5EF4-FFF2-40B4-BE49-F238E27FC236}">
+                <a16:creationId xmlns:a16="http://schemas.microsoft.com/office/drawing/2014/main" id="{37CC5A4A-B2E6-3FC8-9564-CBEB55DF2A5E}"/>
+              </a:ext>
+            </a:extLst>
+          </p:cNvPr>
+          <p:cNvPicPr>
+            <a:picLocks noChangeAspect="1"/>
+          </p:cNvPicPr>
+          <p:nvPr/>
+        </p:nvPicPr>
+        <p:blipFill>
+          <a:blip r:embed="rId4"/>
+          <a:stretch>
+            <a:fillRect/>
+          </a:stretch>
+        </p:blipFill>
+        <p:spPr>
+          <a:xfrm>
+            <a:off x="932802" y="3515741"/>
+            <a:ext cx="9324909" cy="3162452"/>
+          </a:xfrm>
+          <a:prstGeom prst="rect">
+            <a:avLst/>
+          </a:prstGeom>
+        </p:spPr>
+      </p:pic>
     </p:spTree>
     <p:extLst>
       <p:ext uri="{BB962C8B-B14F-4D97-AF65-F5344CB8AC3E}">
-        <p14:creationId xmlns:p14="http://schemas.microsoft.com/office/powerpoint/2010/main" val="2546708889"/>
+        <p14:creationId xmlns:p14="http://schemas.microsoft.com/office/powerpoint/2010/main" val="3901284342"/>
       </p:ext>
     </p:extLst>
   </p:cSld>
@@ -4064,14 +4410,19 @@
             <p:ph type="title"/>
           </p:nvPr>
         </p:nvSpPr>
-        <p:spPr/>
+        <p:spPr>
+          <a:xfrm>
+            <a:off x="838200" y="365126"/>
+            <a:ext cx="10515600" cy="1082370"/>
+          </a:xfrm>
+        </p:spPr>
         <p:txBody>
           <a:bodyPr/>
           <a:lstStyle/>
           <a:p>
             <a:r>
               <a:rPr lang="en-US" dirty="0"/>
-              <a:t>Results (Christian)</a:t>
+              <a:t>IMDb</a:t>
             </a:r>
           </a:p>
         </p:txBody>
@@ -4092,10 +4443,24 @@
             <p:ph idx="1"/>
           </p:nvPr>
         </p:nvSpPr>
-        <p:spPr/>
+        <p:spPr>
+          <a:xfrm>
+            <a:off x="838200" y="1447496"/>
+            <a:ext cx="10515600" cy="4729467"/>
+          </a:xfrm>
+        </p:spPr>
         <p:txBody>
           <a:bodyPr/>
           <a:lstStyle/>
+          <a:p>
+            <a:pPr marL="0" indent="0">
+              <a:buNone/>
+            </a:pPr>
+            <a:r>
+              <a:rPr lang="en-US" dirty="0"/>
+              <a:t>Only pull data that greater than or equal to 80 on IMDb column:</a:t>
+            </a:r>
+          </a:p>
           <a:p>
             <a:pPr marL="0" indent="0">
               <a:buNone/>
@@ -4104,10 +4469,70 @@
           </a:p>
         </p:txBody>
       </p:sp>
+      <p:pic>
+        <p:nvPicPr>
+          <p:cNvPr id="4" name="Picture 3">
+            <a:extLst>
+              <a:ext uri="{FF2B5EF4-FFF2-40B4-BE49-F238E27FC236}">
+                <a16:creationId xmlns:a16="http://schemas.microsoft.com/office/drawing/2014/main" id="{DDB7CAA9-04B7-54AA-E731-11A9229875CD}"/>
+              </a:ext>
+            </a:extLst>
+          </p:cNvPr>
+          <p:cNvPicPr>
+            <a:picLocks noChangeAspect="1"/>
+          </p:cNvPicPr>
+          <p:nvPr/>
+        </p:nvPicPr>
+        <p:blipFill>
+          <a:blip r:embed="rId3"/>
+          <a:stretch>
+            <a:fillRect/>
+          </a:stretch>
+        </p:blipFill>
+        <p:spPr>
+          <a:xfrm>
+            <a:off x="1021080" y="2160814"/>
+            <a:ext cx="9489141" cy="1181447"/>
+          </a:xfrm>
+          <a:prstGeom prst="rect">
+            <a:avLst/>
+          </a:prstGeom>
+        </p:spPr>
+      </p:pic>
+      <p:pic>
+        <p:nvPicPr>
+          <p:cNvPr id="5" name="Picture 4">
+            <a:extLst>
+              <a:ext uri="{FF2B5EF4-FFF2-40B4-BE49-F238E27FC236}">
+                <a16:creationId xmlns:a16="http://schemas.microsoft.com/office/drawing/2014/main" id="{37CC5A4A-B2E6-3FC8-9564-CBEB55DF2A5E}"/>
+              </a:ext>
+            </a:extLst>
+          </p:cNvPr>
+          <p:cNvPicPr>
+            <a:picLocks noChangeAspect="1"/>
+          </p:cNvPicPr>
+          <p:nvPr/>
+        </p:nvPicPr>
+        <p:blipFill>
+          <a:blip r:embed="rId4"/>
+          <a:stretch>
+            <a:fillRect/>
+          </a:stretch>
+        </p:blipFill>
+        <p:spPr>
+          <a:xfrm>
+            <a:off x="932802" y="3515741"/>
+            <a:ext cx="9324909" cy="3162452"/>
+          </a:xfrm>
+          <a:prstGeom prst="rect">
+            <a:avLst/>
+          </a:prstGeom>
+        </p:spPr>
+      </p:pic>
     </p:spTree>
     <p:extLst>
       <p:ext uri="{BB962C8B-B14F-4D97-AF65-F5344CB8AC3E}">
-        <p14:creationId xmlns:p14="http://schemas.microsoft.com/office/powerpoint/2010/main" val="3113885996"/>
+        <p14:creationId xmlns:p14="http://schemas.microsoft.com/office/powerpoint/2010/main" val="4240056639"/>
       </p:ext>
     </p:extLst>
   </p:cSld>
@@ -4139,7 +4564,7 @@
           <p:cNvPr id="2" name="Title 1">
             <a:extLst>
               <a:ext uri="{FF2B5EF4-FFF2-40B4-BE49-F238E27FC236}">
-                <a16:creationId xmlns:a16="http://schemas.microsoft.com/office/drawing/2014/main" id="{6F77E0AD-D824-6B6E-5453-12456358687B}"/>
+                <a16:creationId xmlns:a16="http://schemas.microsoft.com/office/drawing/2014/main" id="{16AF27ED-EDDB-2E5E-F46B-6C56CF7FB713}"/>
               </a:ext>
             </a:extLst>
           </p:cNvPr>
@@ -4157,43 +4582,75 @@
           <a:p>
             <a:r>
               <a:rPr lang="en-US" dirty="0"/>
-              <a:t>Approach (Richard)</a:t>
-            </a:r>
-          </a:p>
-        </p:txBody>
-      </p:sp>
-      <p:sp>
-        <p:nvSpPr>
-          <p:cNvPr id="3" name="Content Placeholder 2">
+              <a:t>IMDb</a:t>
+            </a:r>
+          </a:p>
+        </p:txBody>
+      </p:sp>
+      <p:pic>
+        <p:nvPicPr>
+          <p:cNvPr id="3" name="Content Placeholder 4">
             <a:extLst>
               <a:ext uri="{FF2B5EF4-FFF2-40B4-BE49-F238E27FC236}">
-                <a16:creationId xmlns:a16="http://schemas.microsoft.com/office/drawing/2014/main" id="{C5F98696-3B9B-AD74-9AC6-930A9AFECF41}"/>
+                <a16:creationId xmlns:a16="http://schemas.microsoft.com/office/drawing/2014/main" id="{02BFCE09-3C5B-7BCD-655C-A25376F0CE83}"/>
               </a:ext>
             </a:extLst>
           </p:cNvPr>
-          <p:cNvSpPr>
-            <a:spLocks noGrp="1"/>
-          </p:cNvSpPr>
-          <p:nvPr>
-            <p:ph idx="1"/>
-          </p:nvPr>
-        </p:nvSpPr>
-        <p:spPr/>
-        <p:txBody>
-          <a:bodyPr/>
-          <a:lstStyle/>
-          <a:p>
-            <a:pPr marL="0" indent="0">
-              <a:buNone/>
-            </a:pPr>
-            <a:endParaRPr lang="en-US" dirty="0"/>
-          </a:p>
-        </p:txBody>
-      </p:sp>
+          <p:cNvPicPr>
+            <a:picLocks noChangeAspect="1"/>
+          </p:cNvPicPr>
+          <p:nvPr/>
+        </p:nvPicPr>
+        <p:blipFill>
+          <a:blip r:embed="rId2"/>
+          <a:stretch>
+            <a:fillRect/>
+          </a:stretch>
+        </p:blipFill>
+        <p:spPr>
+          <a:xfrm>
+            <a:off x="595934" y="1690688"/>
+            <a:ext cx="4928566" cy="4748212"/>
+          </a:xfrm>
+          <a:prstGeom prst="rect">
+            <a:avLst/>
+          </a:prstGeom>
+        </p:spPr>
+      </p:pic>
+      <p:pic>
+        <p:nvPicPr>
+          <p:cNvPr id="5" name="Picture 4">
+            <a:extLst>
+              <a:ext uri="{FF2B5EF4-FFF2-40B4-BE49-F238E27FC236}">
+                <a16:creationId xmlns:a16="http://schemas.microsoft.com/office/drawing/2014/main" id="{962A7796-1D5F-9BF9-9516-9B15CD6D6E55}"/>
+              </a:ext>
+            </a:extLst>
+          </p:cNvPr>
+          <p:cNvPicPr>
+            <a:picLocks noChangeAspect="1"/>
+          </p:cNvPicPr>
+          <p:nvPr/>
+        </p:nvPicPr>
+        <p:blipFill>
+          <a:blip r:embed="rId3"/>
+          <a:stretch>
+            <a:fillRect/>
+          </a:stretch>
+        </p:blipFill>
+        <p:spPr>
+          <a:xfrm>
+            <a:off x="5237154" y="1545771"/>
+            <a:ext cx="7089071" cy="4844271"/>
+          </a:xfrm>
+          <a:prstGeom prst="rect">
+            <a:avLst/>
+          </a:prstGeom>
+        </p:spPr>
+      </p:pic>
     </p:spTree>
     <p:extLst>
       <p:ext uri="{BB962C8B-B14F-4D97-AF65-F5344CB8AC3E}">
-        <p14:creationId xmlns:p14="http://schemas.microsoft.com/office/powerpoint/2010/main" val="4249368755"/>
+        <p14:creationId xmlns:p14="http://schemas.microsoft.com/office/powerpoint/2010/main" val="3107476628"/>
       </p:ext>
     </p:extLst>
   </p:cSld>
@@ -4225,7 +4682,7 @@
           <p:cNvPr id="2" name="Title 1">
             <a:extLst>
               <a:ext uri="{FF2B5EF4-FFF2-40B4-BE49-F238E27FC236}">
-                <a16:creationId xmlns:a16="http://schemas.microsoft.com/office/drawing/2014/main" id="{6F77E0AD-D824-6B6E-5453-12456358687B}"/>
+                <a16:creationId xmlns:a16="http://schemas.microsoft.com/office/drawing/2014/main" id="{2863DA95-0437-ABA5-780A-BCA53F46030F}"/>
               </a:ext>
             </a:extLst>
           </p:cNvPr>
@@ -4242,9 +4699,10 @@
           <a:lstStyle/>
           <a:p>
             <a:r>
-              <a:rPr lang="en-US" dirty="0"/>
-              <a:t>Results (Richard)</a:t>
-            </a:r>
+              <a:rPr lang="en-US" sz="4400" dirty="0"/>
+              <a:t>Rotten Tomatoes</a:t>
+            </a:r>
+            <a:endParaRPr lang="en-US" dirty="0"/>
           </a:p>
         </p:txBody>
       </p:sp>
@@ -4253,7 +4711,7 @@
           <p:cNvPr id="3" name="Content Placeholder 2">
             <a:extLst>
               <a:ext uri="{FF2B5EF4-FFF2-40B4-BE49-F238E27FC236}">
-                <a16:creationId xmlns:a16="http://schemas.microsoft.com/office/drawing/2014/main" id="{C5F98696-3B9B-AD74-9AC6-930A9AFECF41}"/>
+                <a16:creationId xmlns:a16="http://schemas.microsoft.com/office/drawing/2014/main" id="{E681FB12-1D6D-5298-E03C-CB13B80B937B}"/>
               </a:ext>
             </a:extLst>
           </p:cNvPr>
@@ -4264,22 +4722,87 @@
             <p:ph idx="1"/>
           </p:nvPr>
         </p:nvSpPr>
-        <p:spPr/>
+        <p:spPr>
+          <a:xfrm>
+            <a:off x="838200" y="1646011"/>
+            <a:ext cx="10515600" cy="4351338"/>
+          </a:xfrm>
+        </p:spPr>
         <p:txBody>
           <a:bodyPr/>
           <a:lstStyle/>
           <a:p>
-            <a:pPr marL="0" indent="0">
-              <a:buNone/>
-            </a:pPr>
-            <a:endParaRPr lang="en-US" dirty="0"/>
-          </a:p>
-        </p:txBody>
-      </p:sp>
+            <a:r>
+              <a:rPr lang="en-US" dirty="0"/>
+              <a:t>Calculate the total TV shows on each service</a:t>
+            </a:r>
+          </a:p>
+        </p:txBody>
+      </p:sp>
+      <p:pic>
+        <p:nvPicPr>
+          <p:cNvPr id="4" name="Picture 3">
+            <a:extLst>
+              <a:ext uri="{FF2B5EF4-FFF2-40B4-BE49-F238E27FC236}">
+                <a16:creationId xmlns:a16="http://schemas.microsoft.com/office/drawing/2014/main" id="{87B58A4C-7A3E-5671-F3CB-3BE7CF1EFB1B}"/>
+              </a:ext>
+            </a:extLst>
+          </p:cNvPr>
+          <p:cNvPicPr>
+            <a:picLocks noChangeAspect="1"/>
+          </p:cNvPicPr>
+          <p:nvPr/>
+        </p:nvPicPr>
+        <p:blipFill>
+          <a:blip r:embed="rId2"/>
+          <a:stretch>
+            <a:fillRect/>
+          </a:stretch>
+        </p:blipFill>
+        <p:spPr>
+          <a:xfrm>
+            <a:off x="967355" y="2302025"/>
+            <a:ext cx="8982187" cy="1078822"/>
+          </a:xfrm>
+          <a:prstGeom prst="rect">
+            <a:avLst/>
+          </a:prstGeom>
+        </p:spPr>
+      </p:pic>
+      <p:pic>
+        <p:nvPicPr>
+          <p:cNvPr id="5" name="Picture 4">
+            <a:extLst>
+              <a:ext uri="{FF2B5EF4-FFF2-40B4-BE49-F238E27FC236}">
+                <a16:creationId xmlns:a16="http://schemas.microsoft.com/office/drawing/2014/main" id="{1BF98F28-14F2-F27F-2338-C54FA0B27F45}"/>
+              </a:ext>
+            </a:extLst>
+          </p:cNvPr>
+          <p:cNvPicPr>
+            <a:picLocks noChangeAspect="1"/>
+          </p:cNvPicPr>
+          <p:nvPr/>
+        </p:nvPicPr>
+        <p:blipFill>
+          <a:blip r:embed="rId3"/>
+          <a:stretch>
+            <a:fillRect/>
+          </a:stretch>
+        </p:blipFill>
+        <p:spPr>
+          <a:xfrm>
+            <a:off x="1054442" y="3596000"/>
+            <a:ext cx="8982187" cy="3062336"/>
+          </a:xfrm>
+          <a:prstGeom prst="rect">
+            <a:avLst/>
+          </a:prstGeom>
+        </p:spPr>
+      </p:pic>
     </p:spTree>
     <p:extLst>
       <p:ext uri="{BB962C8B-B14F-4D97-AF65-F5344CB8AC3E}">
-        <p14:creationId xmlns:p14="http://schemas.microsoft.com/office/powerpoint/2010/main" val="3658290793"/>
+        <p14:creationId xmlns:p14="http://schemas.microsoft.com/office/powerpoint/2010/main" val="765938102"/>
       </p:ext>
     </p:extLst>
   </p:cSld>
@@ -4308,20 +4831,809 @@
       </p:grpSpPr>
       <p:sp>
         <p:nvSpPr>
+          <p:cNvPr id="6" name="Content Placeholder 2">
+            <a:extLst>
+              <a:ext uri="{FF2B5EF4-FFF2-40B4-BE49-F238E27FC236}">
+                <a16:creationId xmlns:a16="http://schemas.microsoft.com/office/drawing/2014/main" id="{1C5B3B9E-8C6D-3857-4465-5588A4A829B0}"/>
+              </a:ext>
+            </a:extLst>
+          </p:cNvPr>
+          <p:cNvSpPr txBox="1">
+            <a:spLocks/>
+          </p:cNvSpPr>
+          <p:nvPr/>
+        </p:nvSpPr>
+        <p:spPr>
+          <a:xfrm>
+            <a:off x="838200" y="688489"/>
+            <a:ext cx="10515600" cy="5488474"/>
+          </a:xfrm>
+          <a:prstGeom prst="rect">
+            <a:avLst/>
+          </a:prstGeom>
+        </p:spPr>
+        <p:txBody>
+          <a:bodyPr/>
+          <a:lstStyle>
+            <a:lvl1pPr marL="228600" indent="-228600" algn="l" defTabSz="914400" rtl="0" eaLnBrk="1" latinLnBrk="0" hangingPunct="1">
+              <a:lnSpc>
+                <a:spcPct val="90000"/>
+              </a:lnSpc>
+              <a:spcBef>
+                <a:spcPts val="1000"/>
+              </a:spcBef>
+              <a:buFont typeface="Arial" panose="020B0604020202020204" pitchFamily="34" charset="0"/>
+              <a:buChar char="•"/>
+              <a:defRPr sz="2800" kern="1200">
+                <a:solidFill>
+                  <a:schemeClr val="tx1"/>
+                </a:solidFill>
+                <a:latin typeface="+mn-lt"/>
+                <a:ea typeface="+mn-ea"/>
+                <a:cs typeface="+mn-cs"/>
+              </a:defRPr>
+            </a:lvl1pPr>
+            <a:lvl2pPr marL="685800" indent="-228600" algn="l" defTabSz="914400" rtl="0" eaLnBrk="1" latinLnBrk="0" hangingPunct="1">
+              <a:lnSpc>
+                <a:spcPct val="90000"/>
+              </a:lnSpc>
+              <a:spcBef>
+                <a:spcPts val="500"/>
+              </a:spcBef>
+              <a:buFont typeface="Arial" panose="020B0604020202020204" pitchFamily="34" charset="0"/>
+              <a:buChar char="•"/>
+              <a:defRPr sz="2400" kern="1200">
+                <a:solidFill>
+                  <a:schemeClr val="tx1"/>
+                </a:solidFill>
+                <a:latin typeface="+mn-lt"/>
+                <a:ea typeface="+mn-ea"/>
+                <a:cs typeface="+mn-cs"/>
+              </a:defRPr>
+            </a:lvl2pPr>
+            <a:lvl3pPr marL="1143000" indent="-228600" algn="l" defTabSz="914400" rtl="0" eaLnBrk="1" latinLnBrk="0" hangingPunct="1">
+              <a:lnSpc>
+                <a:spcPct val="90000"/>
+              </a:lnSpc>
+              <a:spcBef>
+                <a:spcPts val="500"/>
+              </a:spcBef>
+              <a:buFont typeface="Arial" panose="020B0604020202020204" pitchFamily="34" charset="0"/>
+              <a:buChar char="•"/>
+              <a:defRPr sz="2000" kern="1200">
+                <a:solidFill>
+                  <a:schemeClr val="tx1"/>
+                </a:solidFill>
+                <a:latin typeface="+mn-lt"/>
+                <a:ea typeface="+mn-ea"/>
+                <a:cs typeface="+mn-cs"/>
+              </a:defRPr>
+            </a:lvl3pPr>
+            <a:lvl4pPr marL="1600200" indent="-228600" algn="l" defTabSz="914400" rtl="0" eaLnBrk="1" latinLnBrk="0" hangingPunct="1">
+              <a:lnSpc>
+                <a:spcPct val="90000"/>
+              </a:lnSpc>
+              <a:spcBef>
+                <a:spcPts val="500"/>
+              </a:spcBef>
+              <a:buFont typeface="Arial" panose="020B0604020202020204" pitchFamily="34" charset="0"/>
+              <a:buChar char="•"/>
+              <a:defRPr sz="1800" kern="1200">
+                <a:solidFill>
+                  <a:schemeClr val="tx1"/>
+                </a:solidFill>
+                <a:latin typeface="+mn-lt"/>
+                <a:ea typeface="+mn-ea"/>
+                <a:cs typeface="+mn-cs"/>
+              </a:defRPr>
+            </a:lvl4pPr>
+            <a:lvl5pPr marL="2057400" indent="-228600" algn="l" defTabSz="914400" rtl="0" eaLnBrk="1" latinLnBrk="0" hangingPunct="1">
+              <a:lnSpc>
+                <a:spcPct val="90000"/>
+              </a:lnSpc>
+              <a:spcBef>
+                <a:spcPts val="500"/>
+              </a:spcBef>
+              <a:buFont typeface="Arial" panose="020B0604020202020204" pitchFamily="34" charset="0"/>
+              <a:buChar char="•"/>
+              <a:defRPr sz="1800" kern="1200">
+                <a:solidFill>
+                  <a:schemeClr val="tx1"/>
+                </a:solidFill>
+                <a:latin typeface="+mn-lt"/>
+                <a:ea typeface="+mn-ea"/>
+                <a:cs typeface="+mn-cs"/>
+              </a:defRPr>
+            </a:lvl5pPr>
+            <a:lvl6pPr marL="2514600" indent="-228600" algn="l" defTabSz="914400" rtl="0" eaLnBrk="1" latinLnBrk="0" hangingPunct="1">
+              <a:lnSpc>
+                <a:spcPct val="90000"/>
+              </a:lnSpc>
+              <a:spcBef>
+                <a:spcPts val="500"/>
+              </a:spcBef>
+              <a:buFont typeface="Arial" panose="020B0604020202020204" pitchFamily="34" charset="0"/>
+              <a:buChar char="•"/>
+              <a:defRPr sz="1800" kern="1200">
+                <a:solidFill>
+                  <a:schemeClr val="tx1"/>
+                </a:solidFill>
+                <a:latin typeface="+mn-lt"/>
+                <a:ea typeface="+mn-ea"/>
+                <a:cs typeface="+mn-cs"/>
+              </a:defRPr>
+            </a:lvl6pPr>
+            <a:lvl7pPr marL="2971800" indent="-228600" algn="l" defTabSz="914400" rtl="0" eaLnBrk="1" latinLnBrk="0" hangingPunct="1">
+              <a:lnSpc>
+                <a:spcPct val="90000"/>
+              </a:lnSpc>
+              <a:spcBef>
+                <a:spcPts val="500"/>
+              </a:spcBef>
+              <a:buFont typeface="Arial" panose="020B0604020202020204" pitchFamily="34" charset="0"/>
+              <a:buChar char="•"/>
+              <a:defRPr sz="1800" kern="1200">
+                <a:solidFill>
+                  <a:schemeClr val="tx1"/>
+                </a:solidFill>
+                <a:latin typeface="+mn-lt"/>
+                <a:ea typeface="+mn-ea"/>
+                <a:cs typeface="+mn-cs"/>
+              </a:defRPr>
+            </a:lvl7pPr>
+            <a:lvl8pPr marL="3429000" indent="-228600" algn="l" defTabSz="914400" rtl="0" eaLnBrk="1" latinLnBrk="0" hangingPunct="1">
+              <a:lnSpc>
+                <a:spcPct val="90000"/>
+              </a:lnSpc>
+              <a:spcBef>
+                <a:spcPts val="500"/>
+              </a:spcBef>
+              <a:buFont typeface="Arial" panose="020B0604020202020204" pitchFamily="34" charset="0"/>
+              <a:buChar char="•"/>
+              <a:defRPr sz="1800" kern="1200">
+                <a:solidFill>
+                  <a:schemeClr val="tx1"/>
+                </a:solidFill>
+                <a:latin typeface="+mn-lt"/>
+                <a:ea typeface="+mn-ea"/>
+                <a:cs typeface="+mn-cs"/>
+              </a:defRPr>
+            </a:lvl8pPr>
+            <a:lvl9pPr marL="3886200" indent="-228600" algn="l" defTabSz="914400" rtl="0" eaLnBrk="1" latinLnBrk="0" hangingPunct="1">
+              <a:lnSpc>
+                <a:spcPct val="90000"/>
+              </a:lnSpc>
+              <a:spcBef>
+                <a:spcPts val="500"/>
+              </a:spcBef>
+              <a:buFont typeface="Arial" panose="020B0604020202020204" pitchFamily="34" charset="0"/>
+              <a:buChar char="•"/>
+              <a:defRPr sz="1800" kern="1200">
+                <a:solidFill>
+                  <a:schemeClr val="tx1"/>
+                </a:solidFill>
+                <a:latin typeface="+mn-lt"/>
+                <a:ea typeface="+mn-ea"/>
+                <a:cs typeface="+mn-cs"/>
+              </a:defRPr>
+            </a:lvl9pPr>
+          </a:lstStyle>
+          <a:p>
+            <a:r>
+              <a:rPr lang="en-US" dirty="0"/>
+              <a:t>Calculate the total TV shows on each service</a:t>
+            </a:r>
+          </a:p>
+          <a:p>
+            <a:pPr lvl="1"/>
+            <a:r>
+              <a:rPr lang="en-US" dirty="0"/>
+              <a:t>Coding:</a:t>
+            </a:r>
+          </a:p>
+          <a:p>
+            <a:pPr lvl="1"/>
+            <a:endParaRPr lang="en-US" dirty="0"/>
+          </a:p>
+          <a:p>
+            <a:pPr lvl="1"/>
+            <a:endParaRPr lang="en-US" dirty="0"/>
+          </a:p>
+          <a:p>
+            <a:pPr lvl="1"/>
+            <a:endParaRPr lang="en-US" dirty="0"/>
+          </a:p>
+          <a:p>
+            <a:pPr lvl="1"/>
+            <a:endParaRPr lang="en-US" dirty="0"/>
+          </a:p>
+          <a:p>
+            <a:pPr lvl="1"/>
+            <a:endParaRPr lang="en-US" dirty="0"/>
+          </a:p>
+          <a:p>
+            <a:pPr lvl="1"/>
+            <a:endParaRPr lang="en-US" dirty="0"/>
+          </a:p>
+          <a:p>
+            <a:pPr lvl="1"/>
+            <a:endParaRPr lang="en-US" dirty="0"/>
+          </a:p>
+          <a:p>
+            <a:pPr lvl="1"/>
+            <a:r>
+              <a:rPr lang="en-US" dirty="0"/>
+              <a:t>Result:</a:t>
+            </a:r>
+          </a:p>
+          <a:p>
+            <a:pPr lvl="1"/>
+            <a:endParaRPr lang="en-US" dirty="0"/>
+          </a:p>
+          <a:p>
+            <a:pPr lvl="1"/>
+            <a:endParaRPr lang="en-US" dirty="0"/>
+          </a:p>
+          <a:p>
+            <a:endParaRPr lang="en-US" dirty="0"/>
+          </a:p>
+        </p:txBody>
+      </p:sp>
+      <p:pic>
+        <p:nvPicPr>
+          <p:cNvPr id="7" name="Picture 6">
+            <a:extLst>
+              <a:ext uri="{FF2B5EF4-FFF2-40B4-BE49-F238E27FC236}">
+                <a16:creationId xmlns:a16="http://schemas.microsoft.com/office/drawing/2014/main" id="{4306A442-871D-03A5-3FB1-C498D0ECA43D}"/>
+              </a:ext>
+            </a:extLst>
+          </p:cNvPr>
+          <p:cNvPicPr>
+            <a:picLocks noChangeAspect="1"/>
+          </p:cNvPicPr>
+          <p:nvPr/>
+        </p:nvPicPr>
+        <p:blipFill>
+          <a:blip r:embed="rId2"/>
+          <a:stretch>
+            <a:fillRect/>
+          </a:stretch>
+        </p:blipFill>
+        <p:spPr>
+          <a:xfrm>
+            <a:off x="1429787" y="1556643"/>
+            <a:ext cx="9966161" cy="2526331"/>
+          </a:xfrm>
+          <a:prstGeom prst="rect">
+            <a:avLst/>
+          </a:prstGeom>
+        </p:spPr>
+      </p:pic>
+      <p:pic>
+        <p:nvPicPr>
+          <p:cNvPr id="8" name="Picture 7">
+            <a:extLst>
+              <a:ext uri="{FF2B5EF4-FFF2-40B4-BE49-F238E27FC236}">
+                <a16:creationId xmlns:a16="http://schemas.microsoft.com/office/drawing/2014/main" id="{61641E48-3DE9-0E2B-7050-A3CD09ED5C23}"/>
+              </a:ext>
+            </a:extLst>
+          </p:cNvPr>
+          <p:cNvPicPr>
+            <a:picLocks noChangeAspect="1"/>
+          </p:cNvPicPr>
+          <p:nvPr/>
+        </p:nvPicPr>
+        <p:blipFill>
+          <a:blip r:embed="rId3"/>
+          <a:stretch>
+            <a:fillRect/>
+          </a:stretch>
+        </p:blipFill>
+        <p:spPr>
+          <a:xfrm>
+            <a:off x="1477916" y="4882996"/>
+            <a:ext cx="3032738" cy="1293967"/>
+          </a:xfrm>
+          <a:prstGeom prst="rect">
+            <a:avLst/>
+          </a:prstGeom>
+        </p:spPr>
+      </p:pic>
+    </p:spTree>
+    <p:extLst>
+      <p:ext uri="{BB962C8B-B14F-4D97-AF65-F5344CB8AC3E}">
+        <p14:creationId xmlns:p14="http://schemas.microsoft.com/office/powerpoint/2010/main" val="4191402482"/>
+      </p:ext>
+    </p:extLst>
+  </p:cSld>
+  <p:clrMapOvr>
+    <a:masterClrMapping/>
+  </p:clrMapOvr>
+</p:sld>
+</file>
+
+<file path=ppt/slides/slide15.xml><?xml version="1.0" encoding="utf-8"?>
+<p:sld xmlns:a="http://schemas.openxmlformats.org/drawingml/2006/main" xmlns:r="http://schemas.openxmlformats.org/officeDocument/2006/relationships" xmlns:p="http://schemas.openxmlformats.org/presentationml/2006/main">
+  <p:cSld>
+    <p:spTree>
+      <p:nvGrpSpPr>
+        <p:cNvPr id="1" name=""/>
+        <p:cNvGrpSpPr/>
+        <p:nvPr/>
+      </p:nvGrpSpPr>
+      <p:grpSpPr>
+        <a:xfrm>
+          <a:off x="0" y="0"/>
+          <a:ext cx="0" cy="0"/>
+          <a:chOff x="0" y="0"/>
+          <a:chExt cx="0" cy="0"/>
+        </a:xfrm>
+      </p:grpSpPr>
+      <p:sp>
+        <p:nvSpPr>
+          <p:cNvPr id="5" name="Title 1">
+            <a:extLst>
+              <a:ext uri="{FF2B5EF4-FFF2-40B4-BE49-F238E27FC236}">
+                <a16:creationId xmlns:a16="http://schemas.microsoft.com/office/drawing/2014/main" id="{5E247702-C34D-8350-0C07-830E7CD6DAD8}"/>
+              </a:ext>
+            </a:extLst>
+          </p:cNvPr>
+          <p:cNvSpPr txBox="1">
+            <a:spLocks/>
+          </p:cNvSpPr>
+          <p:nvPr/>
+        </p:nvSpPr>
+        <p:spPr>
+          <a:xfrm>
+            <a:off x="838200" y="365126"/>
+            <a:ext cx="4027713" cy="739774"/>
+          </a:xfrm>
+          <a:prstGeom prst="rect">
+            <a:avLst/>
+          </a:prstGeom>
+        </p:spPr>
+        <p:txBody>
+          <a:bodyPr>
+            <a:noAutofit/>
+          </a:bodyPr>
+          <a:lstStyle>
+            <a:lvl1pPr algn="l" defTabSz="914400" rtl="0" eaLnBrk="1" latinLnBrk="0" hangingPunct="1">
+              <a:lnSpc>
+                <a:spcPct val="90000"/>
+              </a:lnSpc>
+              <a:spcBef>
+                <a:spcPct val="0"/>
+              </a:spcBef>
+              <a:buNone/>
+              <a:defRPr sz="4400" kern="1200">
+                <a:solidFill>
+                  <a:schemeClr val="tx1"/>
+                </a:solidFill>
+                <a:latin typeface="+mj-lt"/>
+                <a:ea typeface="+mj-ea"/>
+                <a:cs typeface="+mj-cs"/>
+              </a:defRPr>
+            </a:lvl1pPr>
+          </a:lstStyle>
+          <a:p>
+            <a:r>
+              <a:rPr lang="en-US" sz="3200"/>
+              <a:t>Rotten Tomatoes</a:t>
+            </a:r>
+            <a:endParaRPr lang="en-US" sz="3200" dirty="0"/>
+          </a:p>
+        </p:txBody>
+      </p:sp>
+      <p:pic>
+        <p:nvPicPr>
+          <p:cNvPr id="6" name="Content Placeholder 5">
+            <a:extLst>
+              <a:ext uri="{FF2B5EF4-FFF2-40B4-BE49-F238E27FC236}">
+                <a16:creationId xmlns:a16="http://schemas.microsoft.com/office/drawing/2014/main" id="{FC6B4594-A95E-6AD8-AEF2-A2BBE61EF80D}"/>
+              </a:ext>
+            </a:extLst>
+          </p:cNvPr>
+          <p:cNvPicPr>
+            <a:picLocks noChangeAspect="1"/>
+          </p:cNvPicPr>
+          <p:nvPr/>
+        </p:nvPicPr>
+        <p:blipFill>
+          <a:blip r:embed="rId2"/>
+          <a:stretch>
+            <a:fillRect/>
+          </a:stretch>
+        </p:blipFill>
+        <p:spPr>
+          <a:xfrm>
+            <a:off x="960488" y="1187370"/>
+            <a:ext cx="5135511" cy="4460395"/>
+          </a:xfrm>
+          <a:prstGeom prst="rect">
+            <a:avLst/>
+          </a:prstGeom>
+        </p:spPr>
+      </p:pic>
+      <p:pic>
+        <p:nvPicPr>
+          <p:cNvPr id="9" name="Content Placeholder 7">
+            <a:extLst>
+              <a:ext uri="{FF2B5EF4-FFF2-40B4-BE49-F238E27FC236}">
+                <a16:creationId xmlns:a16="http://schemas.microsoft.com/office/drawing/2014/main" id="{DDA3627B-00B0-989A-5E9D-4700B6F4AE7D}"/>
+              </a:ext>
+            </a:extLst>
+          </p:cNvPr>
+          <p:cNvPicPr>
+            <a:picLocks noChangeAspect="1"/>
+          </p:cNvPicPr>
+          <p:nvPr/>
+        </p:nvPicPr>
+        <p:blipFill>
+          <a:blip r:embed="rId3"/>
+          <a:stretch>
+            <a:fillRect/>
+          </a:stretch>
+        </p:blipFill>
+        <p:spPr>
+          <a:xfrm>
+            <a:off x="6312049" y="1187370"/>
+            <a:ext cx="5181600" cy="4460395"/>
+          </a:xfrm>
+          <a:prstGeom prst="rect">
+            <a:avLst/>
+          </a:prstGeom>
+        </p:spPr>
+      </p:pic>
+    </p:spTree>
+    <p:extLst>
+      <p:ext uri="{BB962C8B-B14F-4D97-AF65-F5344CB8AC3E}">
+        <p14:creationId xmlns:p14="http://schemas.microsoft.com/office/powerpoint/2010/main" val="3969003933"/>
+      </p:ext>
+    </p:extLst>
+  </p:cSld>
+  <p:clrMapOvr>
+    <a:masterClrMapping/>
+  </p:clrMapOvr>
+</p:sld>
+</file>
+
+<file path=ppt/slides/slide16.xml><?xml version="1.0" encoding="utf-8"?>
+<p:sld xmlns:a="http://schemas.openxmlformats.org/drawingml/2006/main" xmlns:r="http://schemas.openxmlformats.org/officeDocument/2006/relationships" xmlns:p="http://schemas.openxmlformats.org/presentationml/2006/main">
+  <p:cSld>
+    <p:spTree>
+      <p:nvGrpSpPr>
+        <p:cNvPr id="1" name=""/>
+        <p:cNvGrpSpPr/>
+        <p:nvPr/>
+      </p:nvGrpSpPr>
+      <p:grpSpPr>
+        <a:xfrm>
+          <a:off x="0" y="0"/>
+          <a:ext cx="0" cy="0"/>
+          <a:chOff x="0" y="0"/>
+          <a:chExt cx="0" cy="0"/>
+        </a:xfrm>
+      </p:grpSpPr>
+      <p:sp>
+        <p:nvSpPr>
           <p:cNvPr id="2" name="Title 1">
             <a:extLst>
               <a:ext uri="{FF2B5EF4-FFF2-40B4-BE49-F238E27FC236}">
-                <a16:creationId xmlns:a16="http://schemas.microsoft.com/office/drawing/2014/main" id="{B04BA152-366A-6DC3-A56C-CA3D5B9EC720}"/>
+                <a16:creationId xmlns:a16="http://schemas.microsoft.com/office/drawing/2014/main" id="{AC1DD1A5-0C6A-0F78-B1B9-526E851B938A}"/>
               </a:ext>
             </a:extLst>
           </p:cNvPr>
-          <p:cNvSpPr>
-            <a:spLocks noGrp="1"/>
+          <p:cNvSpPr txBox="1">
+            <a:spLocks/>
+          </p:cNvSpPr>
+          <p:nvPr/>
+        </p:nvSpPr>
+        <p:spPr>
+          <a:xfrm>
+            <a:off x="838200" y="365126"/>
+            <a:ext cx="10619014" cy="818216"/>
+          </a:xfrm>
+          <a:prstGeom prst="rect">
+            <a:avLst/>
+          </a:prstGeom>
+        </p:spPr>
+        <p:txBody>
+          <a:bodyPr>
+            <a:normAutofit/>
+          </a:bodyPr>
+          <a:lstStyle>
+            <a:lvl1pPr algn="l" defTabSz="914400" rtl="0" eaLnBrk="1" latinLnBrk="0" hangingPunct="1">
+              <a:lnSpc>
+                <a:spcPct val="90000"/>
+              </a:lnSpc>
+              <a:spcBef>
+                <a:spcPct val="0"/>
+              </a:spcBef>
+              <a:buNone/>
+              <a:defRPr sz="4400" kern="1200">
+                <a:solidFill>
+                  <a:schemeClr val="tx1"/>
+                </a:solidFill>
+                <a:latin typeface="+mj-lt"/>
+                <a:ea typeface="+mj-ea"/>
+                <a:cs typeface="+mj-cs"/>
+              </a:defRPr>
+            </a:lvl1pPr>
+          </a:lstStyle>
+          <a:p>
+            <a:pPr algn="ctr"/>
+            <a:r>
+              <a:rPr lang="en-US" sz="3200" b="1"/>
+              <a:t>Who is the winner?</a:t>
+            </a:r>
+            <a:endParaRPr lang="en-US" sz="3200" b="1" dirty="0"/>
+          </a:p>
+        </p:txBody>
+      </p:sp>
+      <p:pic>
+        <p:nvPicPr>
+          <p:cNvPr id="3" name="Content Placeholder 7">
+            <a:extLst>
+              <a:ext uri="{FF2B5EF4-FFF2-40B4-BE49-F238E27FC236}">
+                <a16:creationId xmlns:a16="http://schemas.microsoft.com/office/drawing/2014/main" id="{0A9FB8AE-8F72-96DC-CF4D-B6335E591C52}"/>
+              </a:ext>
+            </a:extLst>
+          </p:cNvPr>
+          <p:cNvPicPr>
+            <a:picLocks noChangeAspect="1"/>
+          </p:cNvPicPr>
+          <p:nvPr/>
+        </p:nvPicPr>
+        <p:blipFill>
+          <a:blip r:embed="rId3"/>
+          <a:stretch>
+            <a:fillRect/>
+          </a:stretch>
+        </p:blipFill>
+        <p:spPr>
+          <a:xfrm>
+            <a:off x="838200" y="1371600"/>
+            <a:ext cx="5181600" cy="4722477"/>
+          </a:xfrm>
+          <a:prstGeom prst="rect">
+            <a:avLst/>
+          </a:prstGeom>
+        </p:spPr>
+      </p:pic>
+      <p:pic>
+        <p:nvPicPr>
+          <p:cNvPr id="5" name="Content Placeholder 5">
+            <a:extLst>
+              <a:ext uri="{FF2B5EF4-FFF2-40B4-BE49-F238E27FC236}">
+                <a16:creationId xmlns:a16="http://schemas.microsoft.com/office/drawing/2014/main" id="{26503E6D-EBB6-849D-2C50-313FBC7F8C22}"/>
+              </a:ext>
+            </a:extLst>
+          </p:cNvPr>
+          <p:cNvPicPr>
+            <a:picLocks noChangeAspect="1"/>
+          </p:cNvPicPr>
+          <p:nvPr/>
+        </p:nvPicPr>
+        <p:blipFill>
+          <a:blip r:embed="rId4"/>
+          <a:stretch>
+            <a:fillRect/>
+          </a:stretch>
+        </p:blipFill>
+        <p:spPr>
+          <a:xfrm>
+            <a:off x="6275614" y="1594757"/>
+            <a:ext cx="5181600" cy="4499320"/>
+          </a:xfrm>
+          <a:prstGeom prst="rect">
+            <a:avLst/>
+          </a:prstGeom>
+        </p:spPr>
+      </p:pic>
+    </p:spTree>
+    <p:extLst>
+      <p:ext uri="{BB962C8B-B14F-4D97-AF65-F5344CB8AC3E}">
+        <p14:creationId xmlns:p14="http://schemas.microsoft.com/office/powerpoint/2010/main" val="2891437390"/>
+      </p:ext>
+    </p:extLst>
+  </p:cSld>
+  <p:clrMapOvr>
+    <a:masterClrMapping/>
+  </p:clrMapOvr>
+</p:sld>
+</file>
+
+<file path=ppt/slides/slide17.xml><?xml version="1.0" encoding="utf-8"?>
+<p:sld xmlns:a="http://schemas.openxmlformats.org/drawingml/2006/main" xmlns:r="http://schemas.openxmlformats.org/officeDocument/2006/relationships" xmlns:p="http://schemas.openxmlformats.org/presentationml/2006/main">
+  <p:cSld>
+    <p:spTree>
+      <p:nvGrpSpPr>
+        <p:cNvPr id="1" name=""/>
+        <p:cNvGrpSpPr/>
+        <p:nvPr/>
+      </p:nvGrpSpPr>
+      <p:grpSpPr>
+        <a:xfrm>
+          <a:off x="0" y="0"/>
+          <a:ext cx="0" cy="0"/>
+          <a:chOff x="0" y="0"/>
+          <a:chExt cx="0" cy="0"/>
+        </a:xfrm>
+      </p:grpSpPr>
+      <p:sp>
+        <p:nvSpPr>
+          <p:cNvPr id="9" name="Rectangle 1">
+            <a:extLst>
+              <a:ext uri="{FF2B5EF4-FFF2-40B4-BE49-F238E27FC236}">
+                <a16:creationId xmlns:a16="http://schemas.microsoft.com/office/drawing/2014/main" id="{9A3A5BC1-28C4-405D-9FF4-1EA93E88C494}"/>
+              </a:ext>
+            </a:extLst>
+          </p:cNvPr>
+          <p:cNvSpPr>
+            <a:spLocks noGrp="1" noChangeArrowheads="1"/>
           </p:cNvSpPr>
           <p:nvPr>
             <p:ph type="title"/>
           </p:nvPr>
         </p:nvSpPr>
+        <p:spPr bwMode="auto">
+          <a:xfrm>
+            <a:off x="831850" y="2843719"/>
+            <a:ext cx="9052478" cy="584775"/>
+          </a:xfrm>
+          <a:prstGeom prst="rect">
+            <a:avLst/>
+          </a:prstGeom>
+          <a:noFill/>
+          <a:ln>
+            <a:noFill/>
+          </a:ln>
+          <a:effectLst/>
+          <a:extLst>
+            <a:ext uri="{909E8E84-426E-40DD-AFC4-6F175D3DCCD1}">
+              <a14:hiddenFill xmlns:a14="http://schemas.microsoft.com/office/drawing/2010/main">
+                <a:solidFill>
+                  <a:schemeClr val="accent1"/>
+                </a:solidFill>
+              </a14:hiddenFill>
+            </a:ext>
+            <a:ext uri="{91240B29-F687-4F45-9708-019B960494DF}">
+              <a14:hiddenLine xmlns:a14="http://schemas.microsoft.com/office/drawing/2010/main" w="9525">
+                <a:solidFill>
+                  <a:schemeClr val="tx1"/>
+                </a:solidFill>
+                <a:miter lim="800000"/>
+                <a:headEnd/>
+                <a:tailEnd/>
+              </a14:hiddenLine>
+            </a:ext>
+            <a:ext uri="{AF507438-7753-43E0-B8FC-AC1667EBCBE1}">
+              <a14:hiddenEffects xmlns:a14="http://schemas.microsoft.com/office/drawing/2010/main">
+                <a:effectLst>
+                  <a:outerShdw dist="35921" dir="2700000" algn="ctr" rotWithShape="0">
+                    <a:schemeClr val="bg2"/>
+                  </a:outerShdw>
+                </a:effectLst>
+              </a14:hiddenEffects>
+            </a:ext>
+          </a:extLst>
+        </p:spPr>
+        <p:txBody>
+          <a:bodyPr vert="horz" wrap="none" lIns="91440" tIns="45720" rIns="91440" bIns="45720" numCol="1" anchor="ctr" anchorCtr="0" compatLnSpc="1">
+            <a:prstTxWarp prst="textNoShape">
+              <a:avLst/>
+            </a:prstTxWarp>
+            <a:spAutoFit/>
+          </a:bodyPr>
+          <a:lstStyle/>
+          <a:p>
+            <a:pPr marL="0" marR="0" lvl="0" indent="0" algn="l" defTabSz="914400" rtl="0" eaLnBrk="0" fontAlgn="base" latinLnBrk="0" hangingPunct="0">
+              <a:lnSpc>
+                <a:spcPct val="100000"/>
+              </a:lnSpc>
+              <a:spcBef>
+                <a:spcPct val="0"/>
+              </a:spcBef>
+              <a:spcAft>
+                <a:spcPct val="0"/>
+              </a:spcAft>
+              <a:buClrTx/>
+              <a:buSzTx/>
+              <a:buFontTx/>
+              <a:buNone/>
+              <a:tabLst/>
+            </a:pPr>
+            <a:r>
+              <a:rPr kumimoji="0" lang="en-US" altLang="en-US" sz="3200" b="1" i="1" u="none" strike="noStrike" cap="none" normalizeH="0" baseline="0" dirty="0">
+                <a:ln>
+                  <a:noFill/>
+                </a:ln>
+                <a:effectLst/>
+                <a:latin typeface="Arial Unicode MS"/>
+              </a:rPr>
+              <a:t>Which </a:t>
+            </a:r>
+            <a:r>
+              <a:rPr lang="en-US" altLang="en-US" sz="3200" b="1" i="1" dirty="0">
+                <a:latin typeface="Arial Unicode MS"/>
+              </a:rPr>
+              <a:t>streaming service is best for families</a:t>
+            </a:r>
+            <a:r>
+              <a:rPr kumimoji="0" lang="en-US" altLang="en-US" sz="3200" b="1" i="1" u="none" strike="noStrike" cap="none" normalizeH="0" baseline="0" dirty="0">
+                <a:ln>
+                  <a:noFill/>
+                </a:ln>
+                <a:effectLst/>
+                <a:latin typeface="Arial Unicode MS"/>
+              </a:rPr>
+              <a:t>?</a:t>
+            </a:r>
+            <a:r>
+              <a:rPr kumimoji="0" lang="en-US" altLang="en-US" sz="3200" b="1" i="0" u="none" strike="noStrike" cap="none" normalizeH="0" baseline="0" dirty="0">
+                <a:ln>
+                  <a:noFill/>
+                </a:ln>
+                <a:effectLst/>
+              </a:rPr>
+              <a:t> </a:t>
+            </a:r>
+            <a:endParaRPr kumimoji="0" lang="en-US" altLang="en-US" sz="3200" b="1" i="0" u="none" strike="noStrike" cap="none" normalizeH="0" baseline="0" dirty="0">
+              <a:ln>
+                <a:noFill/>
+              </a:ln>
+              <a:effectLst/>
+              <a:latin typeface="Arial" panose="020B0604020202020204" pitchFamily="34" charset="0"/>
+            </a:endParaRPr>
+          </a:p>
+        </p:txBody>
+      </p:sp>
+    </p:spTree>
+    <p:extLst>
+      <p:ext uri="{BB962C8B-B14F-4D97-AF65-F5344CB8AC3E}">
+        <p14:creationId xmlns:p14="http://schemas.microsoft.com/office/powerpoint/2010/main" val="2270192941"/>
+      </p:ext>
+    </p:extLst>
+  </p:cSld>
+  <p:clrMapOvr>
+    <a:masterClrMapping/>
+  </p:clrMapOvr>
+</p:sld>
+</file>
+
+<file path=ppt/slides/slide18.xml><?xml version="1.0" encoding="utf-8"?>
+<p:sld xmlns:a="http://schemas.openxmlformats.org/drawingml/2006/main" xmlns:r="http://schemas.openxmlformats.org/officeDocument/2006/relationships" xmlns:p="http://schemas.openxmlformats.org/presentationml/2006/main">
+  <p:cSld>
+    <p:spTree>
+      <p:nvGrpSpPr>
+        <p:cNvPr id="1" name=""/>
+        <p:cNvGrpSpPr/>
+        <p:nvPr/>
+      </p:nvGrpSpPr>
+      <p:grpSpPr>
+        <a:xfrm>
+          <a:off x="0" y="0"/>
+          <a:ext cx="0" cy="0"/>
+          <a:chOff x="0" y="0"/>
+          <a:chExt cx="0" cy="0"/>
+        </a:xfrm>
+      </p:grpSpPr>
+      <p:sp>
+        <p:nvSpPr>
+          <p:cNvPr id="2" name="Title 1">
+            <a:extLst>
+              <a:ext uri="{FF2B5EF4-FFF2-40B4-BE49-F238E27FC236}">
+                <a16:creationId xmlns:a16="http://schemas.microsoft.com/office/drawing/2014/main" id="{6F77E0AD-D824-6B6E-5453-12456358687B}"/>
+              </a:ext>
+            </a:extLst>
+          </p:cNvPr>
+          <p:cNvSpPr>
+            <a:spLocks noGrp="1"/>
+          </p:cNvSpPr>
+          <p:nvPr>
+            <p:ph type="title"/>
+          </p:nvPr>
+        </p:nvSpPr>
         <p:spPr/>
         <p:txBody>
           <a:bodyPr/>
@@ -4329,7 +5641,7 @@
           <a:p>
             <a:r>
               <a:rPr lang="en-US" dirty="0"/>
-              <a:t>Next Steps</a:t>
+              <a:t>Approach-</a:t>
             </a:r>
           </a:p>
         </p:txBody>
@@ -4339,7 +5651,7 @@
           <p:cNvPr id="3" name="Content Placeholder 2">
             <a:extLst>
               <a:ext uri="{FF2B5EF4-FFF2-40B4-BE49-F238E27FC236}">
-                <a16:creationId xmlns:a16="http://schemas.microsoft.com/office/drawing/2014/main" id="{BFF6859F-5BC6-76A3-F7A4-87AB7AFAE14C}"/>
+                <a16:creationId xmlns:a16="http://schemas.microsoft.com/office/drawing/2014/main" id="{C5F98696-3B9B-AD74-9AC6-930A9AFECF41}"/>
               </a:ext>
             </a:extLst>
           </p:cNvPr>
@@ -4350,50 +5662,440 @@
             <p:ph idx="1"/>
           </p:nvPr>
         </p:nvSpPr>
-        <p:spPr/>
-        <p:txBody>
-          <a:bodyPr/>
-          <a:lstStyle/>
-          <a:p>
+        <p:spPr>
+          <a:xfrm>
+            <a:off x="322729" y="1476001"/>
+            <a:ext cx="11031071" cy="1879039"/>
+          </a:xfrm>
+        </p:spPr>
+        <p:txBody>
+          <a:bodyPr>
+            <a:normAutofit fontScale="92500" lnSpcReduction="10000"/>
+          </a:bodyPr>
+          <a:lstStyle/>
+          <a:p>
+            <a:pPr marL="514350" indent="-514350">
+              <a:buFont typeface="+mj-lt"/>
+              <a:buAutoNum type="arabicPeriod"/>
+            </a:pPr>
             <a:r>
               <a:rPr lang="en-US" dirty="0"/>
-              <a:t>Expanding the scope to include more streaming services most likely by using an API-based approach</a:t>
-            </a:r>
-          </a:p>
-          <a:p>
+              <a:t>Clean up </a:t>
+            </a:r>
+            <a:r>
+              <a:rPr lang="en-US" dirty="0" err="1"/>
+              <a:t>dataframe</a:t>
+            </a:r>
             <a:r>
               <a:rPr lang="en-US" dirty="0"/>
-              <a:t>Asking additional questions to further our understanding of which streaming service may be best</a:t>
-            </a:r>
-          </a:p>
-          <a:p>
-            <a:pPr lvl="1"/>
+              <a:t> after pulling it from CSV file by dropping entries with no “Age” value</a:t>
+            </a:r>
+          </a:p>
+          <a:p>
+            <a:pPr marL="514350" indent="-514350">
+              <a:buFont typeface="+mj-lt"/>
+              <a:buAutoNum type="arabicPeriod"/>
+            </a:pPr>
             <a:r>
               <a:rPr lang="en-US" dirty="0"/>
-              <a:t>The API would afford us the opportunity to ask further questions at much greater depth</a:t>
-            </a:r>
-          </a:p>
-          <a:p>
+              <a:t>Create dictionaries to hold counters and loop through </a:t>
+            </a:r>
+            <a:r>
+              <a:rPr lang="en-US" dirty="0" err="1"/>
+              <a:t>dataframe</a:t>
+            </a:r>
             <a:r>
               <a:rPr lang="en-US" dirty="0"/>
-              <a:t>Using current (2023-2024) data to analyze and confirm our findings</a:t>
-            </a:r>
-          </a:p>
-          <a:p>
-            <a:r>
-              <a:rPr lang="en-US" dirty="0"/>
-              <a:t>A more comprehensive initial dataset could allow for more testing, including hypothesis testing</a:t>
-            </a:r>
-          </a:p>
-          <a:p>
-            <a:endParaRPr lang="en-US" dirty="0"/>
+              <a:t>, counting the total number of shows and how many are for ages “all” or “7+”</a:t>
+            </a:r>
+          </a:p>
+        </p:txBody>
+      </p:sp>
+      <p:pic>
+        <p:nvPicPr>
+          <p:cNvPr id="5" name="Picture 4" descr="A screen shot of a computer program&#10;&#10;Description automatically generated">
+            <a:extLst>
+              <a:ext uri="{FF2B5EF4-FFF2-40B4-BE49-F238E27FC236}">
+                <a16:creationId xmlns:a16="http://schemas.microsoft.com/office/drawing/2014/main" id="{09945C50-E577-5A28-D2B2-045863EC8CA1}"/>
+              </a:ext>
+            </a:extLst>
+          </p:cNvPr>
+          <p:cNvPicPr>
+            <a:picLocks noChangeAspect="1"/>
+          </p:cNvPicPr>
+          <p:nvPr/>
+        </p:nvPicPr>
+        <p:blipFill>
+          <a:blip r:embed="rId3">
+            <a:extLst>
+              <a:ext uri="{28A0092B-C50C-407E-A947-70E740481C1C}">
+                <a14:useLocalDpi xmlns:a14="http://schemas.microsoft.com/office/drawing/2010/main" val="0"/>
+              </a:ext>
+            </a:extLst>
+          </a:blip>
+          <a:stretch>
+            <a:fillRect/>
+          </a:stretch>
+        </p:blipFill>
+        <p:spPr>
+          <a:xfrm>
+            <a:off x="3818715" y="3029455"/>
+            <a:ext cx="7889614" cy="3605660"/>
+          </a:xfrm>
+          <a:prstGeom prst="rect">
+            <a:avLst/>
+          </a:prstGeom>
+        </p:spPr>
+      </p:pic>
+      <p:sp>
+        <p:nvSpPr>
+          <p:cNvPr id="6" name="TextBox 5">
+            <a:extLst>
+              <a:ext uri="{FF2B5EF4-FFF2-40B4-BE49-F238E27FC236}">
+                <a16:creationId xmlns:a16="http://schemas.microsoft.com/office/drawing/2014/main" id="{C6A57549-4EF7-AC39-9342-71DC151802C8}"/>
+              </a:ext>
+            </a:extLst>
+          </p:cNvPr>
+          <p:cNvSpPr txBox="1"/>
+          <p:nvPr/>
+        </p:nvSpPr>
+        <p:spPr>
+          <a:xfrm>
+            <a:off x="322729" y="3220571"/>
+            <a:ext cx="3529853" cy="3570208"/>
+          </a:xfrm>
+          <a:prstGeom prst="rect">
+            <a:avLst/>
+          </a:prstGeom>
+          <a:noFill/>
+        </p:spPr>
+        <p:txBody>
+          <a:bodyPr wrap="square" rtlCol="0">
+            <a:spAutoFit/>
+          </a:bodyPr>
+          <a:lstStyle/>
+          <a:p>
+            <a:pPr marL="514350" marR="0" lvl="0" indent="-514350" algn="l" defTabSz="914400" rtl="0" eaLnBrk="1" fontAlgn="auto" latinLnBrk="0" hangingPunct="1">
+              <a:lnSpc>
+                <a:spcPct val="100000"/>
+              </a:lnSpc>
+              <a:spcBef>
+                <a:spcPts val="0"/>
+              </a:spcBef>
+              <a:spcAft>
+                <a:spcPts val="0"/>
+              </a:spcAft>
+              <a:buClrTx/>
+              <a:buSzTx/>
+              <a:buFont typeface="+mj-lt"/>
+              <a:buAutoNum type="arabicPeriod" startAt="3"/>
+              <a:tabLst/>
+              <a:defRPr/>
+            </a:pPr>
+            <a:r>
+              <a:rPr kumimoji="0" lang="en-US" sz="2600" b="0" i="0" u="none" strike="noStrike" kern="1200" cap="none" spc="0" normalizeH="0" baseline="0" noProof="0" dirty="0">
+                <a:ln>
+                  <a:noFill/>
+                </a:ln>
+                <a:solidFill>
+                  <a:prstClr val="black"/>
+                </a:solidFill>
+                <a:effectLst/>
+                <a:uLnTx/>
+                <a:uFillTx/>
+                <a:latin typeface="Aptos" panose="02110004020202020204"/>
+                <a:ea typeface="+mn-ea"/>
+                <a:cs typeface="+mn-cs"/>
+              </a:rPr>
+              <a:t>Calculate percentage of shows that are family friendly per service</a:t>
+            </a:r>
+          </a:p>
+          <a:p>
+            <a:pPr marL="514350" marR="0" lvl="0" indent="-514350" algn="l" defTabSz="914400" rtl="0" eaLnBrk="1" fontAlgn="auto" latinLnBrk="0" hangingPunct="1">
+              <a:lnSpc>
+                <a:spcPct val="100000"/>
+              </a:lnSpc>
+              <a:spcBef>
+                <a:spcPts val="0"/>
+              </a:spcBef>
+              <a:spcAft>
+                <a:spcPts val="0"/>
+              </a:spcAft>
+              <a:buClrTx/>
+              <a:buSzTx/>
+              <a:buFont typeface="+mj-lt"/>
+              <a:buAutoNum type="arabicPeriod" startAt="3"/>
+              <a:tabLst/>
+              <a:defRPr/>
+            </a:pPr>
+            <a:r>
+              <a:rPr kumimoji="0" lang="en-US" sz="2600" b="0" i="0" u="none" strike="noStrike" kern="1200" cap="none" spc="0" normalizeH="0" baseline="0" noProof="0" dirty="0">
+                <a:ln>
+                  <a:noFill/>
+                </a:ln>
+                <a:solidFill>
+                  <a:prstClr val="black"/>
+                </a:solidFill>
+                <a:effectLst/>
+                <a:uLnTx/>
+                <a:uFillTx/>
+                <a:latin typeface="Aptos" panose="02110004020202020204"/>
+                <a:ea typeface="+mn-ea"/>
+                <a:cs typeface="+mn-cs"/>
+              </a:rPr>
+              <a:t>Create visualizations using bar charts</a:t>
+            </a:r>
+          </a:p>
+          <a:p>
+            <a:pPr marL="0" marR="0" lvl="0" indent="0" algn="l" defTabSz="914400" rtl="0" eaLnBrk="1" fontAlgn="auto" latinLnBrk="0" hangingPunct="1">
+              <a:lnSpc>
+                <a:spcPct val="100000"/>
+              </a:lnSpc>
+              <a:spcBef>
+                <a:spcPts val="0"/>
+              </a:spcBef>
+              <a:spcAft>
+                <a:spcPts val="0"/>
+              </a:spcAft>
+              <a:buClrTx/>
+              <a:buSzTx/>
+              <a:buFontTx/>
+              <a:buNone/>
+              <a:tabLst/>
+              <a:defRPr/>
+            </a:pPr>
+            <a:endParaRPr kumimoji="0" lang="en-US" sz="1800" b="0" i="0" u="none" strike="noStrike" kern="1200" cap="none" spc="0" normalizeH="0" baseline="0" noProof="0" dirty="0">
+              <a:ln>
+                <a:noFill/>
+              </a:ln>
+              <a:solidFill>
+                <a:prstClr val="black"/>
+              </a:solidFill>
+              <a:effectLst/>
+              <a:uLnTx/>
+              <a:uFillTx/>
+              <a:latin typeface="Aptos" panose="02110004020202020204"/>
+              <a:ea typeface="+mn-ea"/>
+              <a:cs typeface="+mn-cs"/>
+            </a:endParaRPr>
           </a:p>
         </p:txBody>
       </p:sp>
     </p:spTree>
     <p:extLst>
       <p:ext uri="{BB962C8B-B14F-4D97-AF65-F5344CB8AC3E}">
-        <p14:creationId xmlns:p14="http://schemas.microsoft.com/office/powerpoint/2010/main" val="3789982252"/>
+        <p14:creationId xmlns:p14="http://schemas.microsoft.com/office/powerpoint/2010/main" val="2546708889"/>
+      </p:ext>
+    </p:extLst>
+  </p:cSld>
+  <p:clrMapOvr>
+    <a:masterClrMapping/>
+  </p:clrMapOvr>
+</p:sld>
+</file>
+
+<file path=ppt/slides/slide19.xml><?xml version="1.0" encoding="utf-8"?>
+<p:sld xmlns:a="http://schemas.openxmlformats.org/drawingml/2006/main" xmlns:r="http://schemas.openxmlformats.org/officeDocument/2006/relationships" xmlns:p="http://schemas.openxmlformats.org/presentationml/2006/main">
+  <p:cSld>
+    <p:bg>
+      <p:bgPr>
+        <a:solidFill>
+          <a:schemeClr val="bg1"/>
+        </a:solidFill>
+        <a:effectLst/>
+      </p:bgPr>
+    </p:bg>
+    <p:spTree>
+      <p:nvGrpSpPr>
+        <p:cNvPr id="1" name=""/>
+        <p:cNvGrpSpPr/>
+        <p:nvPr/>
+      </p:nvGrpSpPr>
+      <p:grpSpPr>
+        <a:xfrm>
+          <a:off x="0" y="0"/>
+          <a:ext cx="0" cy="0"/>
+          <a:chOff x="0" y="0"/>
+          <a:chExt cx="0" cy="0"/>
+        </a:xfrm>
+      </p:grpSpPr>
+      <p:sp>
+        <p:nvSpPr>
+          <p:cNvPr id="2" name="Title 1">
+            <a:extLst>
+              <a:ext uri="{FF2B5EF4-FFF2-40B4-BE49-F238E27FC236}">
+                <a16:creationId xmlns:a16="http://schemas.microsoft.com/office/drawing/2014/main" id="{6F77E0AD-D824-6B6E-5453-12456358687B}"/>
+              </a:ext>
+            </a:extLst>
+          </p:cNvPr>
+          <p:cNvSpPr>
+            <a:spLocks noGrp="1"/>
+          </p:cNvSpPr>
+          <p:nvPr>
+            <p:ph type="title"/>
+          </p:nvPr>
+        </p:nvSpPr>
+        <p:spPr>
+          <a:xfrm>
+            <a:off x="1295400" y="669925"/>
+            <a:ext cx="4800600" cy="1325563"/>
+          </a:xfrm>
+        </p:spPr>
+        <p:txBody>
+          <a:bodyPr vert="horz" lIns="91440" tIns="45720" rIns="91440" bIns="45720" rtlCol="0" anchor="b">
+            <a:normAutofit/>
+          </a:bodyPr>
+          <a:lstStyle/>
+          <a:p>
+            <a:r>
+              <a:rPr lang="en-US" sz="3400" b="1" dirty="0"/>
+              <a:t>Results</a:t>
+            </a:r>
+          </a:p>
+        </p:txBody>
+      </p:sp>
+      <p:pic>
+        <p:nvPicPr>
+          <p:cNvPr id="5" name="Content Placeholder 4" descr="A graph of a number of people&#10;&#10;Description automatically generated with medium confidence">
+            <a:extLst>
+              <a:ext uri="{FF2B5EF4-FFF2-40B4-BE49-F238E27FC236}">
+                <a16:creationId xmlns:a16="http://schemas.microsoft.com/office/drawing/2014/main" id="{0D4577E8-2058-30F1-3347-BC236038C035}"/>
+              </a:ext>
+            </a:extLst>
+          </p:cNvPr>
+          <p:cNvPicPr>
+            <a:picLocks noGrp="1" noChangeAspect="1"/>
+          </p:cNvPicPr>
+          <p:nvPr>
+            <p:ph idx="1"/>
+          </p:nvPr>
+        </p:nvPicPr>
+        <p:blipFill>
+          <a:blip r:embed="rId2">
+            <a:extLst>
+              <a:ext uri="{28A0092B-C50C-407E-A947-70E740481C1C}">
+                <a14:useLocalDpi xmlns:a14="http://schemas.microsoft.com/office/drawing/2010/main" val="0"/>
+              </a:ext>
+            </a:extLst>
+          </a:blip>
+          <a:stretch>
+            <a:fillRect/>
+          </a:stretch>
+        </p:blipFill>
+        <p:spPr>
+          <a:xfrm>
+            <a:off x="6645193" y="416439"/>
+            <a:ext cx="3588640" cy="2691479"/>
+          </a:xfrm>
+          <a:prstGeom prst="rect">
+            <a:avLst/>
+          </a:prstGeom>
+        </p:spPr>
+      </p:pic>
+      <p:sp>
+        <p:nvSpPr>
+          <p:cNvPr id="8" name="TextBox 7">
+            <a:extLst>
+              <a:ext uri="{FF2B5EF4-FFF2-40B4-BE49-F238E27FC236}">
+                <a16:creationId xmlns:a16="http://schemas.microsoft.com/office/drawing/2014/main" id="{4DEAA03B-287A-3FB8-E504-4D7AFD25CE6D}"/>
+              </a:ext>
+            </a:extLst>
+          </p:cNvPr>
+          <p:cNvSpPr txBox="1"/>
+          <p:nvPr/>
+        </p:nvSpPr>
+        <p:spPr>
+          <a:xfrm>
+            <a:off x="1295400" y="2288833"/>
+            <a:ext cx="4800600" cy="3711571"/>
+          </a:xfrm>
+          <a:prstGeom prst="rect">
+            <a:avLst/>
+          </a:prstGeom>
+        </p:spPr>
+        <p:txBody>
+          <a:bodyPr vert="horz" lIns="91440" tIns="45720" rIns="91440" bIns="45720" rtlCol="0">
+            <a:normAutofit/>
+          </a:bodyPr>
+          <a:lstStyle/>
+          <a:p>
+            <a:pPr marL="0" marR="0" lvl="0" indent="-228600" algn="l" defTabSz="914400" rtl="0" eaLnBrk="1" fontAlgn="auto" latinLnBrk="0" hangingPunct="1">
+              <a:lnSpc>
+                <a:spcPct val="90000"/>
+              </a:lnSpc>
+              <a:spcBef>
+                <a:spcPts val="0"/>
+              </a:spcBef>
+              <a:spcAft>
+                <a:spcPts val="600"/>
+              </a:spcAft>
+              <a:buClrTx/>
+              <a:buSzTx/>
+              <a:buFont typeface="Arial" panose="020B0604020202020204" pitchFamily="34" charset="0"/>
+              <a:buChar char="•"/>
+              <a:tabLst/>
+              <a:defRPr/>
+            </a:pPr>
+            <a:r>
+              <a:rPr kumimoji="0" lang="en-US" sz="2000" b="0" i="0" u="none" strike="noStrike" kern="1200" cap="none" spc="0" normalizeH="0" baseline="0" noProof="0" dirty="0">
+                <a:ln>
+                  <a:noFill/>
+                </a:ln>
+                <a:solidFill>
+                  <a:prstClr val="white"/>
+                </a:solidFill>
+                <a:effectLst/>
+                <a:uLnTx/>
+                <a:uFillTx/>
+                <a:latin typeface="Aptos" panose="02110004020202020204"/>
+                <a:ea typeface="+mn-ea"/>
+                <a:cs typeface="+mn-cs"/>
+              </a:rPr>
+              <a:t>The analysis of my data reveals that Disney+ has the highest percentage of shows on the platform that are family friendly, while Netflix, while having the lowest percentage of family friendly shows, has the most total family friendly shows.  Therefore, if you are looking for a service that has primarily family friendly programming, Disney+ is the recommended streaming service.  However, if you are looking for the most family friendly programming, Netflix is the recommended streaming service.</a:t>
+            </a:r>
+          </a:p>
+        </p:txBody>
+      </p:sp>
+      <p:pic>
+        <p:nvPicPr>
+          <p:cNvPr id="7" name="Picture 6" descr="A bar graph with different colored rectangles&#10;&#10;Description automatically generated">
+            <a:extLst>
+              <a:ext uri="{FF2B5EF4-FFF2-40B4-BE49-F238E27FC236}">
+                <a16:creationId xmlns:a16="http://schemas.microsoft.com/office/drawing/2014/main" id="{9090B979-5E08-92A4-D205-8DE1D2D8A919}"/>
+              </a:ext>
+            </a:extLst>
+          </p:cNvPr>
+          <p:cNvPicPr>
+            <a:picLocks noChangeAspect="1"/>
+          </p:cNvPicPr>
+          <p:nvPr/>
+        </p:nvPicPr>
+        <p:blipFill>
+          <a:blip r:embed="rId3">
+            <a:extLst>
+              <a:ext uri="{28A0092B-C50C-407E-A947-70E740481C1C}">
+                <a14:useLocalDpi xmlns:a14="http://schemas.microsoft.com/office/drawing/2010/main" val="0"/>
+              </a:ext>
+            </a:extLst>
+          </a:blip>
+          <a:stretch>
+            <a:fillRect/>
+          </a:stretch>
+        </p:blipFill>
+        <p:spPr>
+          <a:xfrm>
+            <a:off x="8038661" y="3776793"/>
+            <a:ext cx="3588640" cy="2691479"/>
+          </a:xfrm>
+          <a:prstGeom prst="rect">
+            <a:avLst/>
+          </a:prstGeom>
+        </p:spPr>
+      </p:pic>
+    </p:spTree>
+    <p:extLst>
+      <p:ext uri="{BB962C8B-B14F-4D97-AF65-F5344CB8AC3E}">
+        <p14:creationId xmlns:p14="http://schemas.microsoft.com/office/powerpoint/2010/main" val="3113885996"/>
       </p:ext>
     </p:extLst>
   </p:cSld>
@@ -4550,6 +6252,1890 @@
     <p:extLst>
       <p:ext uri="{BB962C8B-B14F-4D97-AF65-F5344CB8AC3E}">
         <p14:creationId xmlns:p14="http://schemas.microsoft.com/office/powerpoint/2010/main" val="1733622319"/>
+      </p:ext>
+    </p:extLst>
+  </p:cSld>
+  <p:clrMapOvr>
+    <a:masterClrMapping/>
+  </p:clrMapOvr>
+</p:sld>
+</file>
+
+<file path=ppt/slides/slide20.xml><?xml version="1.0" encoding="utf-8"?>
+<p:sld xmlns:a="http://schemas.openxmlformats.org/drawingml/2006/main" xmlns:r="http://schemas.openxmlformats.org/officeDocument/2006/relationships" xmlns:p="http://schemas.openxmlformats.org/presentationml/2006/main">
+  <p:cSld>
+    <p:spTree>
+      <p:nvGrpSpPr>
+        <p:cNvPr id="1" name=""/>
+        <p:cNvGrpSpPr/>
+        <p:nvPr/>
+      </p:nvGrpSpPr>
+      <p:grpSpPr>
+        <a:xfrm>
+          <a:off x="0" y="0"/>
+          <a:ext cx="0" cy="0"/>
+          <a:chOff x="0" y="0"/>
+          <a:chExt cx="0" cy="0"/>
+        </a:xfrm>
+      </p:grpSpPr>
+      <p:sp>
+        <p:nvSpPr>
+          <p:cNvPr id="9" name="Rectangle 1">
+            <a:extLst>
+              <a:ext uri="{FF2B5EF4-FFF2-40B4-BE49-F238E27FC236}">
+                <a16:creationId xmlns:a16="http://schemas.microsoft.com/office/drawing/2014/main" id="{9A3A5BC1-28C4-405D-9FF4-1EA93E88C494}"/>
+              </a:ext>
+            </a:extLst>
+          </p:cNvPr>
+          <p:cNvSpPr>
+            <a:spLocks noGrp="1" noChangeArrowheads="1"/>
+          </p:cNvSpPr>
+          <p:nvPr>
+            <p:ph type="title"/>
+          </p:nvPr>
+        </p:nvSpPr>
+        <p:spPr bwMode="auto">
+          <a:xfrm>
+            <a:off x="831850" y="2843719"/>
+            <a:ext cx="9685665" cy="584775"/>
+          </a:xfrm>
+          <a:prstGeom prst="rect">
+            <a:avLst/>
+          </a:prstGeom>
+          <a:noFill/>
+          <a:ln>
+            <a:noFill/>
+          </a:ln>
+          <a:effectLst/>
+          <a:extLst>
+            <a:ext uri="{909E8E84-426E-40DD-AFC4-6F175D3DCCD1}">
+              <a14:hiddenFill xmlns:a14="http://schemas.microsoft.com/office/drawing/2010/main">
+                <a:solidFill>
+                  <a:schemeClr val="accent1"/>
+                </a:solidFill>
+              </a14:hiddenFill>
+            </a:ext>
+            <a:ext uri="{91240B29-F687-4F45-9708-019B960494DF}">
+              <a14:hiddenLine xmlns:a14="http://schemas.microsoft.com/office/drawing/2010/main" w="9525">
+                <a:solidFill>
+                  <a:schemeClr val="tx1"/>
+                </a:solidFill>
+                <a:miter lim="800000"/>
+                <a:headEnd/>
+                <a:tailEnd/>
+              </a14:hiddenLine>
+            </a:ext>
+            <a:ext uri="{AF507438-7753-43E0-B8FC-AC1667EBCBE1}">
+              <a14:hiddenEffects xmlns:a14="http://schemas.microsoft.com/office/drawing/2010/main">
+                <a:effectLst>
+                  <a:outerShdw dist="35921" dir="2700000" algn="ctr" rotWithShape="0">
+                    <a:schemeClr val="bg2"/>
+                  </a:outerShdw>
+                </a:effectLst>
+              </a14:hiddenEffects>
+            </a:ext>
+          </a:extLst>
+        </p:spPr>
+        <p:txBody>
+          <a:bodyPr vert="horz" wrap="none" lIns="91440" tIns="45720" rIns="91440" bIns="45720" numCol="1" anchor="ctr" anchorCtr="0" compatLnSpc="1">
+            <a:prstTxWarp prst="textNoShape">
+              <a:avLst/>
+            </a:prstTxWarp>
+            <a:spAutoFit/>
+          </a:bodyPr>
+          <a:lstStyle/>
+          <a:p>
+            <a:pPr marL="0" marR="0" lvl="0" indent="0" algn="l" defTabSz="914400" rtl="0" eaLnBrk="0" fontAlgn="base" latinLnBrk="0" hangingPunct="0">
+              <a:lnSpc>
+                <a:spcPct val="100000"/>
+              </a:lnSpc>
+              <a:spcBef>
+                <a:spcPct val="0"/>
+              </a:spcBef>
+              <a:spcAft>
+                <a:spcPct val="0"/>
+              </a:spcAft>
+              <a:buClrTx/>
+              <a:buSzTx/>
+              <a:buFontTx/>
+              <a:buNone/>
+              <a:tabLst/>
+            </a:pPr>
+            <a:r>
+              <a:rPr kumimoji="0" lang="en-US" altLang="en-US" sz="3200" b="1" i="1" u="none" strike="noStrike" cap="none" normalizeH="0" baseline="0" dirty="0">
+                <a:ln>
+                  <a:noFill/>
+                </a:ln>
+                <a:effectLst/>
+                <a:latin typeface="Arial Unicode MS"/>
+              </a:rPr>
+              <a:t>Which year(s) had the most highly rated shows?</a:t>
+            </a:r>
+            <a:r>
+              <a:rPr kumimoji="0" lang="en-US" altLang="en-US" sz="3200" b="1" i="0" u="none" strike="noStrike" cap="none" normalizeH="0" baseline="0" dirty="0">
+                <a:ln>
+                  <a:noFill/>
+                </a:ln>
+                <a:effectLst/>
+              </a:rPr>
+              <a:t> </a:t>
+            </a:r>
+            <a:endParaRPr kumimoji="0" lang="en-US" altLang="en-US" sz="3200" b="1" i="0" u="none" strike="noStrike" cap="none" normalizeH="0" baseline="0" dirty="0">
+              <a:ln>
+                <a:noFill/>
+              </a:ln>
+              <a:effectLst/>
+              <a:latin typeface="Arial" panose="020B0604020202020204" pitchFamily="34" charset="0"/>
+            </a:endParaRPr>
+          </a:p>
+        </p:txBody>
+      </p:sp>
+    </p:spTree>
+    <p:extLst>
+      <p:ext uri="{BB962C8B-B14F-4D97-AF65-F5344CB8AC3E}">
+        <p14:creationId xmlns:p14="http://schemas.microsoft.com/office/powerpoint/2010/main" val="1431633947"/>
+      </p:ext>
+    </p:extLst>
+  </p:cSld>
+  <p:clrMapOvr>
+    <a:masterClrMapping/>
+  </p:clrMapOvr>
+</p:sld>
+</file>
+
+<file path=ppt/slides/slide21.xml><?xml version="1.0" encoding="utf-8"?>
+<p:sld xmlns:a="http://schemas.openxmlformats.org/drawingml/2006/main" xmlns:r="http://schemas.openxmlformats.org/officeDocument/2006/relationships" xmlns:p="http://schemas.openxmlformats.org/presentationml/2006/main">
+  <p:cSld>
+    <p:bg>
+      <p:bgPr>
+        <a:solidFill>
+          <a:schemeClr val="bg1"/>
+        </a:solidFill>
+        <a:effectLst/>
+      </p:bgPr>
+    </p:bg>
+    <p:spTree>
+      <p:nvGrpSpPr>
+        <p:cNvPr id="1" name=""/>
+        <p:cNvGrpSpPr/>
+        <p:nvPr/>
+      </p:nvGrpSpPr>
+      <p:grpSpPr>
+        <a:xfrm>
+          <a:off x="0" y="0"/>
+          <a:ext cx="0" cy="0"/>
+          <a:chOff x="0" y="0"/>
+          <a:chExt cx="0" cy="0"/>
+        </a:xfrm>
+      </p:grpSpPr>
+      <p:sp useBgFill="1">
+        <p:nvSpPr>
+          <p:cNvPr id="32" name="Rectangle 31">
+            <a:extLst>
+              <a:ext uri="{FF2B5EF4-FFF2-40B4-BE49-F238E27FC236}">
+                <a16:creationId xmlns:a16="http://schemas.microsoft.com/office/drawing/2014/main" id="{53B021B3-DE93-4AB7-8A18-CF5F1CED88B8}"/>
+              </a:ext>
+              <a:ext uri="{C183D7F6-B498-43B3-948B-1728B52AA6E4}">
+                <adec:decorative xmlns:adec="http://schemas.microsoft.com/office/drawing/2017/decorative" val="1"/>
+              </a:ext>
+            </a:extLst>
+          </p:cNvPr>
+          <p:cNvSpPr>
+            <a:spLocks noGrp="1" noRot="1" noChangeAspect="1" noMove="1" noResize="1" noEditPoints="1" noAdjustHandles="1" noChangeArrowheads="1" noChangeShapeType="1" noTextEdit="1"/>
+          </p:cNvSpPr>
+          <p:nvPr>
+            <p:extLst>
+              <p:ext uri="{386F3935-93C4-4BCD-93E2-E3B085C9AB24}">
+                <p16:designElem xmlns:p16="http://schemas.microsoft.com/office/powerpoint/2015/main" val="1"/>
+              </p:ext>
+            </p:extLst>
+          </p:nvPr>
+        </p:nvSpPr>
+        <p:spPr>
+          <a:xfrm>
+            <a:off x="0" y="0"/>
+            <a:ext cx="12192000" cy="6858000"/>
+          </a:xfrm>
+          <a:prstGeom prst="rect">
+            <a:avLst/>
+          </a:prstGeom>
+          <a:ln>
+            <a:noFill/>
+          </a:ln>
+        </p:spPr>
+        <p:style>
+          <a:lnRef idx="2">
+            <a:schemeClr val="accent1">
+              <a:shade val="50000"/>
+            </a:schemeClr>
+          </a:lnRef>
+          <a:fillRef idx="1">
+            <a:schemeClr val="accent1"/>
+          </a:fillRef>
+          <a:effectRef idx="0">
+            <a:schemeClr val="accent1"/>
+          </a:effectRef>
+          <a:fontRef idx="minor">
+            <a:schemeClr val="lt1"/>
+          </a:fontRef>
+        </p:style>
+        <p:txBody>
+          <a:bodyPr rtlCol="0" anchor="ctr"/>
+          <a:lstStyle/>
+          <a:p>
+            <a:pPr algn="ctr"/>
+            <a:endParaRPr lang="en-US"/>
+          </a:p>
+        </p:txBody>
+      </p:sp>
+      <p:sp>
+        <p:nvSpPr>
+          <p:cNvPr id="2" name="Title 1">
+            <a:extLst>
+              <a:ext uri="{FF2B5EF4-FFF2-40B4-BE49-F238E27FC236}">
+                <a16:creationId xmlns:a16="http://schemas.microsoft.com/office/drawing/2014/main" id="{6F77E0AD-D824-6B6E-5453-12456358687B}"/>
+              </a:ext>
+            </a:extLst>
+          </p:cNvPr>
+          <p:cNvSpPr>
+            <a:spLocks noGrp="1"/>
+          </p:cNvSpPr>
+          <p:nvPr>
+            <p:ph type="title"/>
+          </p:nvPr>
+        </p:nvSpPr>
+        <p:spPr>
+          <a:xfrm>
+            <a:off x="841248" y="256032"/>
+            <a:ext cx="10506456" cy="1014984"/>
+          </a:xfrm>
+        </p:spPr>
+        <p:txBody>
+          <a:bodyPr vert="horz" lIns="91440" tIns="45720" rIns="91440" bIns="45720" rtlCol="0" anchor="b">
+            <a:normAutofit/>
+          </a:bodyPr>
+          <a:lstStyle/>
+          <a:p>
+            <a:r>
+              <a:rPr lang="en-US" sz="3100" kern="1200">
+                <a:solidFill>
+                  <a:schemeClr val="tx1"/>
+                </a:solidFill>
+                <a:latin typeface="+mj-lt"/>
+                <a:ea typeface="+mj-ea"/>
+                <a:cs typeface="+mj-cs"/>
+              </a:rPr>
+              <a:t>Approach –</a:t>
+            </a:r>
+            <a:br>
+              <a:rPr lang="en-US" sz="3100" kern="1200">
+                <a:solidFill>
+                  <a:schemeClr val="tx1"/>
+                </a:solidFill>
+                <a:latin typeface="+mj-lt"/>
+                <a:ea typeface="+mj-ea"/>
+                <a:cs typeface="+mj-cs"/>
+              </a:rPr>
+            </a:br>
+            <a:r>
+              <a:rPr lang="en-US" sz="3100" kern="1200">
+                <a:solidFill>
+                  <a:schemeClr val="tx1"/>
+                </a:solidFill>
+                <a:latin typeface="+mj-lt"/>
+                <a:ea typeface="+mj-ea"/>
+                <a:cs typeface="+mj-cs"/>
+              </a:rPr>
+              <a:t>Modifying data</a:t>
+            </a:r>
+          </a:p>
+        </p:txBody>
+      </p:sp>
+      <p:sp>
+        <p:nvSpPr>
+          <p:cNvPr id="33" name="Rectangle 32">
+            <a:extLst>
+              <a:ext uri="{FF2B5EF4-FFF2-40B4-BE49-F238E27FC236}">
+                <a16:creationId xmlns:a16="http://schemas.microsoft.com/office/drawing/2014/main" id="{52D502E5-F6B4-4D58-B4AE-FC466FF15EE8}"/>
+              </a:ext>
+              <a:ext uri="{C183D7F6-B498-43B3-948B-1728B52AA6E4}">
+                <adec:decorative xmlns:adec="http://schemas.microsoft.com/office/drawing/2017/decorative" val="1"/>
+              </a:ext>
+            </a:extLst>
+          </p:cNvPr>
+          <p:cNvSpPr>
+            <a:spLocks noGrp="1" noRot="1" noChangeAspect="1" noMove="1" noResize="1" noEditPoints="1" noAdjustHandles="1" noChangeArrowheads="1" noChangeShapeType="1" noTextEdit="1"/>
+          </p:cNvSpPr>
+          <p:nvPr>
+            <p:extLst>
+              <p:ext uri="{386F3935-93C4-4BCD-93E2-E3B085C9AB24}">
+                <p16:designElem xmlns:p16="http://schemas.microsoft.com/office/powerpoint/2015/main" val="1"/>
+              </p:ext>
+            </p:extLst>
+          </p:nvPr>
+        </p:nvSpPr>
+        <p:spPr>
+          <a:xfrm>
+            <a:off x="865953" y="1634502"/>
+            <a:ext cx="10451592" cy="18288"/>
+          </a:xfrm>
+          <a:prstGeom prst="rect">
+            <a:avLst/>
+          </a:prstGeom>
+          <a:solidFill>
+            <a:srgbClr val="D5D5D5"/>
+          </a:solidFill>
+          <a:ln w="3175">
+            <a:noFill/>
+          </a:ln>
+          <a:effectLst/>
+        </p:spPr>
+        <p:style>
+          <a:lnRef idx="2">
+            <a:schemeClr val="accent1">
+              <a:shade val="50000"/>
+            </a:schemeClr>
+          </a:lnRef>
+          <a:fillRef idx="1">
+            <a:schemeClr val="accent1"/>
+          </a:fillRef>
+          <a:effectRef idx="0">
+            <a:schemeClr val="accent1"/>
+          </a:effectRef>
+          <a:fontRef idx="minor">
+            <a:schemeClr val="lt1"/>
+          </a:fontRef>
+        </p:style>
+        <p:txBody>
+          <a:bodyPr rtlCol="0" anchor="ctr"/>
+          <a:lstStyle/>
+          <a:p>
+            <a:pPr algn="ctr"/>
+            <a:endParaRPr lang="en-US">
+              <a:solidFill>
+                <a:prstClr val="white"/>
+              </a:solidFill>
+              <a:latin typeface="Calibri" panose="020F0502020204030204"/>
+            </a:endParaRPr>
+          </a:p>
+        </p:txBody>
+      </p:sp>
+      <p:sp>
+        <p:nvSpPr>
+          <p:cNvPr id="31" name="Rectangle 30">
+            <a:extLst>
+              <a:ext uri="{FF2B5EF4-FFF2-40B4-BE49-F238E27FC236}">
+                <a16:creationId xmlns:a16="http://schemas.microsoft.com/office/drawing/2014/main" id="{9DECDBF4-02B6-4BB4-B65B-B8107AD6A9E8}"/>
+              </a:ext>
+              <a:ext uri="{C183D7F6-B498-43B3-948B-1728B52AA6E4}">
+                <adec:decorative xmlns:adec="http://schemas.microsoft.com/office/drawing/2017/decorative" val="1"/>
+              </a:ext>
+            </a:extLst>
+          </p:cNvPr>
+          <p:cNvSpPr>
+            <a:spLocks noGrp="1" noRot="1" noChangeAspect="1" noMove="1" noResize="1" noEditPoints="1" noAdjustHandles="1" noChangeArrowheads="1" noChangeShapeType="1" noTextEdit="1"/>
+          </p:cNvSpPr>
+          <p:nvPr>
+            <p:extLst>
+              <p:ext uri="{386F3935-93C4-4BCD-93E2-E3B085C9AB24}">
+                <p16:designElem xmlns:p16="http://schemas.microsoft.com/office/powerpoint/2015/main" val="1"/>
+              </p:ext>
+            </p:extLst>
+          </p:nvPr>
+        </p:nvSpPr>
+        <p:spPr>
+          <a:xfrm flipV="1">
+            <a:off x="841248" y="1538176"/>
+            <a:ext cx="1873457" cy="109814"/>
+          </a:xfrm>
+          <a:prstGeom prst="rect">
+            <a:avLst/>
+          </a:prstGeom>
+          <a:solidFill>
+            <a:schemeClr val="accent2"/>
+          </a:solidFill>
+          <a:ln>
+            <a:noFill/>
+          </a:ln>
+        </p:spPr>
+        <p:style>
+          <a:lnRef idx="2">
+            <a:schemeClr val="accent1">
+              <a:shade val="50000"/>
+            </a:schemeClr>
+          </a:lnRef>
+          <a:fillRef idx="1">
+            <a:schemeClr val="accent1"/>
+          </a:fillRef>
+          <a:effectRef idx="0">
+            <a:schemeClr val="accent1"/>
+          </a:effectRef>
+          <a:fontRef idx="minor">
+            <a:schemeClr val="lt1"/>
+          </a:fontRef>
+        </p:style>
+        <p:txBody>
+          <a:bodyPr rtlCol="0" anchor="ctr"/>
+          <a:lstStyle/>
+          <a:p>
+            <a:pPr algn="ctr"/>
+            <a:endParaRPr lang="en-US">
+              <a:solidFill>
+                <a:prstClr val="white"/>
+              </a:solidFill>
+              <a:latin typeface="Calibri" panose="020F0502020204030204"/>
+            </a:endParaRPr>
+          </a:p>
+        </p:txBody>
+      </p:sp>
+      <p:pic>
+        <p:nvPicPr>
+          <p:cNvPr id="11" name="Picture 10">
+            <a:extLst>
+              <a:ext uri="{FF2B5EF4-FFF2-40B4-BE49-F238E27FC236}">
+                <a16:creationId xmlns:a16="http://schemas.microsoft.com/office/drawing/2014/main" id="{7AF43B50-865E-2137-67D1-D586E2596EB4}"/>
+              </a:ext>
+            </a:extLst>
+          </p:cNvPr>
+          <p:cNvPicPr>
+            <a:picLocks noChangeAspect="1"/>
+          </p:cNvPicPr>
+          <p:nvPr/>
+        </p:nvPicPr>
+        <p:blipFill>
+          <a:blip r:embed="rId2"/>
+          <a:stretch>
+            <a:fillRect/>
+          </a:stretch>
+        </p:blipFill>
+        <p:spPr>
+          <a:xfrm>
+            <a:off x="6356435" y="2917017"/>
+            <a:ext cx="4052196" cy="3366773"/>
+          </a:xfrm>
+          <a:prstGeom prst="rect">
+            <a:avLst/>
+          </a:prstGeom>
+        </p:spPr>
+      </p:pic>
+      <p:pic>
+        <p:nvPicPr>
+          <p:cNvPr id="13" name="Picture 12">
+            <a:extLst>
+              <a:ext uri="{FF2B5EF4-FFF2-40B4-BE49-F238E27FC236}">
+                <a16:creationId xmlns:a16="http://schemas.microsoft.com/office/drawing/2014/main" id="{99B63D77-7C28-79A8-5BD6-92F0F293F466}"/>
+              </a:ext>
+            </a:extLst>
+          </p:cNvPr>
+          <p:cNvPicPr>
+            <a:picLocks noChangeAspect="1"/>
+          </p:cNvPicPr>
+          <p:nvPr/>
+        </p:nvPicPr>
+        <p:blipFill>
+          <a:blip r:embed="rId3"/>
+          <a:stretch>
+            <a:fillRect/>
+          </a:stretch>
+        </p:blipFill>
+        <p:spPr>
+          <a:xfrm>
+            <a:off x="1670820" y="3599679"/>
+            <a:ext cx="4210803" cy="2684111"/>
+          </a:xfrm>
+          <a:prstGeom prst="rect">
+            <a:avLst/>
+          </a:prstGeom>
+        </p:spPr>
+      </p:pic>
+      <p:pic>
+        <p:nvPicPr>
+          <p:cNvPr id="15" name="Picture 14">
+            <a:extLst>
+              <a:ext uri="{FF2B5EF4-FFF2-40B4-BE49-F238E27FC236}">
+                <a16:creationId xmlns:a16="http://schemas.microsoft.com/office/drawing/2014/main" id="{2734C4F8-2762-6588-4597-AF743E455A5D}"/>
+              </a:ext>
+            </a:extLst>
+          </p:cNvPr>
+          <p:cNvPicPr>
+            <a:picLocks noChangeAspect="1"/>
+          </p:cNvPicPr>
+          <p:nvPr/>
+        </p:nvPicPr>
+        <p:blipFill>
+          <a:blip r:embed="rId4"/>
+          <a:stretch>
+            <a:fillRect/>
+          </a:stretch>
+        </p:blipFill>
+        <p:spPr>
+          <a:xfrm>
+            <a:off x="1670820" y="2588640"/>
+            <a:ext cx="3794834" cy="742720"/>
+          </a:xfrm>
+          <a:prstGeom prst="rect">
+            <a:avLst/>
+          </a:prstGeom>
+        </p:spPr>
+      </p:pic>
+      <p:sp>
+        <p:nvSpPr>
+          <p:cNvPr id="16" name="Rectangle 15">
+            <a:extLst>
+              <a:ext uri="{FF2B5EF4-FFF2-40B4-BE49-F238E27FC236}">
+                <a16:creationId xmlns:a16="http://schemas.microsoft.com/office/drawing/2014/main" id="{0A8210A1-9065-E871-2709-8EFD9C310BE4}"/>
+              </a:ext>
+            </a:extLst>
+          </p:cNvPr>
+          <p:cNvSpPr/>
+          <p:nvPr/>
+        </p:nvSpPr>
+        <p:spPr>
+          <a:xfrm>
+            <a:off x="3457731" y="4258279"/>
+            <a:ext cx="928566" cy="142856"/>
+          </a:xfrm>
+          <a:prstGeom prst="rect">
+            <a:avLst/>
+          </a:prstGeom>
+          <a:noFill/>
+          <a:ln w="38100">
+            <a:solidFill>
+              <a:srgbClr val="FF0000"/>
+            </a:solidFill>
+          </a:ln>
+        </p:spPr>
+        <p:style>
+          <a:lnRef idx="2">
+            <a:schemeClr val="accent1">
+              <a:shade val="15000"/>
+            </a:schemeClr>
+          </a:lnRef>
+          <a:fillRef idx="1">
+            <a:schemeClr val="accent1"/>
+          </a:fillRef>
+          <a:effectRef idx="0">
+            <a:schemeClr val="accent1"/>
+          </a:effectRef>
+          <a:fontRef idx="minor">
+            <a:schemeClr val="lt1"/>
+          </a:fontRef>
+        </p:style>
+        <p:txBody>
+          <a:bodyPr rtlCol="0" anchor="ctr"/>
+          <a:lstStyle/>
+          <a:p>
+            <a:pPr algn="ctr"/>
+            <a:endParaRPr lang="en-US"/>
+          </a:p>
+        </p:txBody>
+      </p:sp>
+      <p:cxnSp>
+        <p:nvCxnSpPr>
+          <p:cNvPr id="18" name="Straight Arrow Connector 17">
+            <a:extLst>
+              <a:ext uri="{FF2B5EF4-FFF2-40B4-BE49-F238E27FC236}">
+                <a16:creationId xmlns:a16="http://schemas.microsoft.com/office/drawing/2014/main" id="{281EDDC0-A984-1B43-86CF-3F09CABD2FDB}"/>
+              </a:ext>
+            </a:extLst>
+          </p:cNvPr>
+          <p:cNvCxnSpPr>
+            <a:cxnSpLocks/>
+          </p:cNvCxnSpPr>
+          <p:nvPr/>
+        </p:nvCxnSpPr>
+        <p:spPr>
+          <a:xfrm flipV="1">
+            <a:off x="3613816" y="3323423"/>
+            <a:ext cx="185183" cy="666536"/>
+          </a:xfrm>
+          <a:prstGeom prst="straightConnector1">
+            <a:avLst/>
+          </a:prstGeom>
+          <a:ln>
+            <a:solidFill>
+              <a:srgbClr val="FF0000"/>
+            </a:solidFill>
+            <a:tailEnd type="triangle"/>
+          </a:ln>
+        </p:spPr>
+        <p:style>
+          <a:lnRef idx="2">
+            <a:schemeClr val="accent1"/>
+          </a:lnRef>
+          <a:fillRef idx="0">
+            <a:schemeClr val="accent1"/>
+          </a:fillRef>
+          <a:effectRef idx="1">
+            <a:schemeClr val="accent1"/>
+          </a:effectRef>
+          <a:fontRef idx="minor">
+            <a:schemeClr val="tx1"/>
+          </a:fontRef>
+        </p:style>
+      </p:cxnSp>
+      <p:cxnSp>
+        <p:nvCxnSpPr>
+          <p:cNvPr id="19" name="Straight Arrow Connector 18">
+            <a:extLst>
+              <a:ext uri="{FF2B5EF4-FFF2-40B4-BE49-F238E27FC236}">
+                <a16:creationId xmlns:a16="http://schemas.microsoft.com/office/drawing/2014/main" id="{030F1A03-7E4A-C111-3318-A69633ACA387}"/>
+              </a:ext>
+            </a:extLst>
+          </p:cNvPr>
+          <p:cNvCxnSpPr>
+            <a:cxnSpLocks/>
+          </p:cNvCxnSpPr>
+          <p:nvPr/>
+        </p:nvCxnSpPr>
+        <p:spPr>
+          <a:xfrm flipV="1">
+            <a:off x="4185240" y="3331359"/>
+            <a:ext cx="708991" cy="761579"/>
+          </a:xfrm>
+          <a:prstGeom prst="straightConnector1">
+            <a:avLst/>
+          </a:prstGeom>
+          <a:ln>
+            <a:solidFill>
+              <a:srgbClr val="FF0000"/>
+            </a:solidFill>
+            <a:tailEnd type="triangle"/>
+          </a:ln>
+        </p:spPr>
+        <p:style>
+          <a:lnRef idx="2">
+            <a:schemeClr val="accent1"/>
+          </a:lnRef>
+          <a:fillRef idx="0">
+            <a:schemeClr val="accent1"/>
+          </a:fillRef>
+          <a:effectRef idx="1">
+            <a:schemeClr val="accent1"/>
+          </a:effectRef>
+          <a:fontRef idx="minor">
+            <a:schemeClr val="tx1"/>
+          </a:fontRef>
+        </p:style>
+      </p:cxnSp>
+      <p:sp>
+        <p:nvSpPr>
+          <p:cNvPr id="22" name="TextBox 21">
+            <a:extLst>
+              <a:ext uri="{FF2B5EF4-FFF2-40B4-BE49-F238E27FC236}">
+                <a16:creationId xmlns:a16="http://schemas.microsoft.com/office/drawing/2014/main" id="{89133814-EF85-98BA-6D32-3D03171D3958}"/>
+              </a:ext>
+            </a:extLst>
+          </p:cNvPr>
+          <p:cNvSpPr txBox="1"/>
+          <p:nvPr/>
+        </p:nvSpPr>
+        <p:spPr>
+          <a:xfrm>
+            <a:off x="703333" y="1717024"/>
+            <a:ext cx="10356580" cy="584775"/>
+          </a:xfrm>
+          <a:prstGeom prst="rect">
+            <a:avLst/>
+          </a:prstGeom>
+          <a:noFill/>
+        </p:spPr>
+        <p:txBody>
+          <a:bodyPr wrap="square" rtlCol="0">
+            <a:spAutoFit/>
+          </a:bodyPr>
+          <a:lstStyle/>
+          <a:p>
+            <a:pPr marL="457200" indent="-457200" defTabSz="352044">
+              <a:spcAft>
+                <a:spcPts val="600"/>
+              </a:spcAft>
+              <a:buAutoNum type="arabicPeriod"/>
+            </a:pPr>
+            <a:r>
+              <a:rPr lang="en-US" sz="1600" kern="1200" dirty="0">
+                <a:solidFill>
+                  <a:schemeClr val="tx1"/>
+                </a:solidFill>
+                <a:latin typeface="+mn-lt"/>
+                <a:ea typeface="+mn-ea"/>
+                <a:cs typeface="+mn-cs"/>
+              </a:rPr>
+              <a:t>One important modification was from string data (involving a / ) in the rating information to integers for data analysis</a:t>
+            </a:r>
+            <a:endParaRPr lang="en-US" dirty="0"/>
+          </a:p>
+        </p:txBody>
+      </p:sp>
+    </p:spTree>
+    <p:extLst>
+      <p:ext uri="{BB962C8B-B14F-4D97-AF65-F5344CB8AC3E}">
+        <p14:creationId xmlns:p14="http://schemas.microsoft.com/office/powerpoint/2010/main" val="4249368755"/>
+      </p:ext>
+    </p:extLst>
+  </p:cSld>
+  <p:clrMapOvr>
+    <a:masterClrMapping/>
+  </p:clrMapOvr>
+</p:sld>
+</file>
+
+<file path=ppt/slides/slide22.xml><?xml version="1.0" encoding="utf-8"?>
+<p:sld xmlns:a="http://schemas.openxmlformats.org/drawingml/2006/main" xmlns:r="http://schemas.openxmlformats.org/officeDocument/2006/relationships" xmlns:p="http://schemas.openxmlformats.org/presentationml/2006/main">
+  <p:cSld>
+    <p:spTree>
+      <p:nvGrpSpPr>
+        <p:cNvPr id="1" name=""/>
+        <p:cNvGrpSpPr/>
+        <p:nvPr/>
+      </p:nvGrpSpPr>
+      <p:grpSpPr>
+        <a:xfrm>
+          <a:off x="0" y="0"/>
+          <a:ext cx="0" cy="0"/>
+          <a:chOff x="0" y="0"/>
+          <a:chExt cx="0" cy="0"/>
+        </a:xfrm>
+      </p:grpSpPr>
+      <p:sp>
+        <p:nvSpPr>
+          <p:cNvPr id="2" name="Title 1">
+            <a:extLst>
+              <a:ext uri="{FF2B5EF4-FFF2-40B4-BE49-F238E27FC236}">
+                <a16:creationId xmlns:a16="http://schemas.microsoft.com/office/drawing/2014/main" id="{6F77E0AD-D824-6B6E-5453-12456358687B}"/>
+              </a:ext>
+            </a:extLst>
+          </p:cNvPr>
+          <p:cNvSpPr>
+            <a:spLocks noGrp="1"/>
+          </p:cNvSpPr>
+          <p:nvPr>
+            <p:ph type="title"/>
+          </p:nvPr>
+        </p:nvSpPr>
+        <p:spPr/>
+        <p:txBody>
+          <a:bodyPr/>
+          <a:lstStyle/>
+          <a:p>
+            <a:r>
+              <a:rPr lang="en-US" dirty="0"/>
+              <a:t>Approach</a:t>
+            </a:r>
+            <a:br>
+              <a:rPr lang="en-US" dirty="0"/>
+            </a:br>
+            <a:endParaRPr lang="en-US" dirty="0"/>
+          </a:p>
+        </p:txBody>
+      </p:sp>
+      <p:sp>
+        <p:nvSpPr>
+          <p:cNvPr id="5" name="Text Placeholder 4">
+            <a:extLst>
+              <a:ext uri="{FF2B5EF4-FFF2-40B4-BE49-F238E27FC236}">
+                <a16:creationId xmlns:a16="http://schemas.microsoft.com/office/drawing/2014/main" id="{9E47819A-D1CA-406C-AFE6-774D546979EB}"/>
+              </a:ext>
+            </a:extLst>
+          </p:cNvPr>
+          <p:cNvSpPr>
+            <a:spLocks noGrp="1"/>
+          </p:cNvSpPr>
+          <p:nvPr>
+            <p:ph type="body" sz="half" idx="2"/>
+          </p:nvPr>
+        </p:nvSpPr>
+        <p:spPr>
+          <a:xfrm>
+            <a:off x="839788" y="2057400"/>
+            <a:ext cx="3932237" cy="2648164"/>
+          </a:xfrm>
+        </p:spPr>
+        <p:txBody>
+          <a:bodyPr/>
+          <a:lstStyle/>
+          <a:p>
+            <a:pPr marL="342900" indent="-342900">
+              <a:buAutoNum type="arabicPeriod" startAt="2"/>
+            </a:pPr>
+            <a:r>
+              <a:rPr lang="en-US" dirty="0"/>
+              <a:t>Filtering down to a specific score, which was decided amongst the team to be &gt; 80 for each ratings system</a:t>
+            </a:r>
+          </a:p>
+          <a:p>
+            <a:pPr marL="342900" indent="-342900">
+              <a:buAutoNum type="arabicPeriod" startAt="2"/>
+            </a:pPr>
+            <a:r>
+              <a:rPr lang="en-US" dirty="0"/>
+              <a:t>Plotting a line graph to display the counts for each year to visualize the continuum of years covered in each line graph</a:t>
+            </a:r>
+          </a:p>
+          <a:p>
+            <a:pPr marL="800100" lvl="1" indent="-342900">
+              <a:buFont typeface="Arial" panose="020B0604020202020204" pitchFamily="34" charset="0"/>
+              <a:buChar char="•"/>
+            </a:pPr>
+            <a:r>
+              <a:rPr lang="en-US" dirty="0"/>
+              <a:t>Because these ratings systems cover different years, plotting two lines on one graph is complicated </a:t>
+            </a:r>
+          </a:p>
+        </p:txBody>
+      </p:sp>
+      <p:pic>
+        <p:nvPicPr>
+          <p:cNvPr id="7" name="Picture 6">
+            <a:extLst>
+              <a:ext uri="{FF2B5EF4-FFF2-40B4-BE49-F238E27FC236}">
+                <a16:creationId xmlns:a16="http://schemas.microsoft.com/office/drawing/2014/main" id="{561ABE0C-0E80-72F2-68BA-5CB083E66F98}"/>
+              </a:ext>
+            </a:extLst>
+          </p:cNvPr>
+          <p:cNvPicPr>
+            <a:picLocks noChangeAspect="1"/>
+          </p:cNvPicPr>
+          <p:nvPr/>
+        </p:nvPicPr>
+        <p:blipFill>
+          <a:blip r:embed="rId2"/>
+          <a:stretch>
+            <a:fillRect/>
+          </a:stretch>
+        </p:blipFill>
+        <p:spPr>
+          <a:xfrm>
+            <a:off x="6368821" y="1040641"/>
+            <a:ext cx="4572000" cy="4776718"/>
+          </a:xfrm>
+          <a:prstGeom prst="rect">
+            <a:avLst/>
+          </a:prstGeom>
+        </p:spPr>
+      </p:pic>
+    </p:spTree>
+    <p:extLst>
+      <p:ext uri="{BB962C8B-B14F-4D97-AF65-F5344CB8AC3E}">
+        <p14:creationId xmlns:p14="http://schemas.microsoft.com/office/powerpoint/2010/main" val="3658290793"/>
+      </p:ext>
+    </p:extLst>
+  </p:cSld>
+  <p:clrMapOvr>
+    <a:masterClrMapping/>
+  </p:clrMapOvr>
+</p:sld>
+</file>
+
+<file path=ppt/slides/slide23.xml><?xml version="1.0" encoding="utf-8"?>
+<p:sld xmlns:a="http://schemas.openxmlformats.org/drawingml/2006/main" xmlns:r="http://schemas.openxmlformats.org/officeDocument/2006/relationships" xmlns:p="http://schemas.openxmlformats.org/presentationml/2006/main">
+  <p:cSld>
+    <p:bg>
+      <p:bgPr>
+        <a:solidFill>
+          <a:schemeClr val="bg1"/>
+        </a:solidFill>
+        <a:effectLst/>
+      </p:bgPr>
+    </p:bg>
+    <p:spTree>
+      <p:nvGrpSpPr>
+        <p:cNvPr id="1" name=""/>
+        <p:cNvGrpSpPr/>
+        <p:nvPr/>
+      </p:nvGrpSpPr>
+      <p:grpSpPr>
+        <a:xfrm>
+          <a:off x="0" y="0"/>
+          <a:ext cx="0" cy="0"/>
+          <a:chOff x="0" y="0"/>
+          <a:chExt cx="0" cy="0"/>
+        </a:xfrm>
+      </p:grpSpPr>
+      <p:sp>
+        <p:nvSpPr>
+          <p:cNvPr id="2" name="Title 1">
+            <a:extLst>
+              <a:ext uri="{FF2B5EF4-FFF2-40B4-BE49-F238E27FC236}">
+                <a16:creationId xmlns:a16="http://schemas.microsoft.com/office/drawing/2014/main" id="{6F77E0AD-D824-6B6E-5453-12456358687B}"/>
+              </a:ext>
+            </a:extLst>
+          </p:cNvPr>
+          <p:cNvSpPr>
+            <a:spLocks noGrp="1"/>
+          </p:cNvSpPr>
+          <p:nvPr>
+            <p:ph type="title"/>
+          </p:nvPr>
+        </p:nvSpPr>
+        <p:spPr>
+          <a:xfrm>
+            <a:off x="1295400" y="669925"/>
+            <a:ext cx="4800600" cy="1325563"/>
+          </a:xfrm>
+        </p:spPr>
+        <p:txBody>
+          <a:bodyPr vert="horz" lIns="91440" tIns="45720" rIns="91440" bIns="45720" rtlCol="0" anchor="b">
+            <a:normAutofit/>
+          </a:bodyPr>
+          <a:lstStyle/>
+          <a:p>
+            <a:r>
+              <a:rPr lang="en-US" sz="3200" b="1" dirty="0"/>
+              <a:t>Results</a:t>
+            </a:r>
+          </a:p>
+        </p:txBody>
+      </p:sp>
+      <p:sp>
+        <p:nvSpPr>
+          <p:cNvPr id="8" name="TextBox 7">
+            <a:extLst>
+              <a:ext uri="{FF2B5EF4-FFF2-40B4-BE49-F238E27FC236}">
+                <a16:creationId xmlns:a16="http://schemas.microsoft.com/office/drawing/2014/main" id="{4DEAA03B-287A-3FB8-E504-4D7AFD25CE6D}"/>
+              </a:ext>
+            </a:extLst>
+          </p:cNvPr>
+          <p:cNvSpPr txBox="1"/>
+          <p:nvPr/>
+        </p:nvSpPr>
+        <p:spPr>
+          <a:xfrm>
+            <a:off x="1295400" y="2288833"/>
+            <a:ext cx="4800600" cy="3444147"/>
+          </a:xfrm>
+          <a:prstGeom prst="rect">
+            <a:avLst/>
+          </a:prstGeom>
+        </p:spPr>
+        <p:txBody>
+          <a:bodyPr vert="horz" lIns="91440" tIns="45720" rIns="91440" bIns="45720" rtlCol="0">
+            <a:normAutofit/>
+          </a:bodyPr>
+          <a:lstStyle/>
+          <a:p>
+            <a:pPr marL="0" marR="0" lvl="0" indent="-228600" algn="l" defTabSz="914400" rtl="0" eaLnBrk="1" fontAlgn="auto" latinLnBrk="0" hangingPunct="1">
+              <a:lnSpc>
+                <a:spcPct val="90000"/>
+              </a:lnSpc>
+              <a:spcBef>
+                <a:spcPts val="0"/>
+              </a:spcBef>
+              <a:spcAft>
+                <a:spcPts val="600"/>
+              </a:spcAft>
+              <a:buClrTx/>
+              <a:buSzTx/>
+              <a:buFont typeface="Arial" panose="020B0604020202020204" pitchFamily="34" charset="0"/>
+              <a:buChar char="•"/>
+              <a:tabLst/>
+              <a:defRPr/>
+            </a:pPr>
+            <a:r>
+              <a:rPr kumimoji="0" lang="en-US" sz="1600" b="0" i="0" u="none" strike="noStrike" kern="1200" cap="none" spc="0" normalizeH="0" baseline="0" noProof="0" dirty="0">
+                <a:ln>
+                  <a:noFill/>
+                </a:ln>
+                <a:solidFill>
+                  <a:prstClr val="white"/>
+                </a:solidFill>
+                <a:effectLst/>
+                <a:uLnTx/>
+                <a:uFillTx/>
+                <a:latin typeface="Aptos" panose="02110004020202020204"/>
+                <a:ea typeface="+mn-ea"/>
+                <a:cs typeface="+mn-cs"/>
+              </a:rPr>
+              <a:t>IMDb’s year with the most highly rated shows is </a:t>
+            </a:r>
+            <a:r>
+              <a:rPr kumimoji="0" lang="en-US" sz="1600" b="1" i="0" u="none" strike="noStrike" kern="1200" cap="none" spc="0" normalizeH="0" baseline="0" noProof="0" dirty="0">
+                <a:ln>
+                  <a:noFill/>
+                </a:ln>
+                <a:solidFill>
+                  <a:prstClr val="white"/>
+                </a:solidFill>
+                <a:effectLst/>
+                <a:uLnTx/>
+                <a:uFillTx/>
+                <a:latin typeface="Aptos" panose="02110004020202020204"/>
+                <a:ea typeface="+mn-ea"/>
+                <a:cs typeface="+mn-cs"/>
+              </a:rPr>
+              <a:t>2019</a:t>
+            </a:r>
+            <a:r>
+              <a:rPr kumimoji="0" lang="en-US" sz="1600" b="0" i="0" u="none" strike="noStrike" kern="1200" cap="none" spc="0" normalizeH="0" baseline="0" noProof="0" dirty="0">
+                <a:ln>
+                  <a:noFill/>
+                </a:ln>
+                <a:solidFill>
+                  <a:prstClr val="white"/>
+                </a:solidFill>
+                <a:effectLst/>
+                <a:uLnTx/>
+                <a:uFillTx/>
+                <a:latin typeface="Aptos" panose="02110004020202020204"/>
+                <a:ea typeface="+mn-ea"/>
+                <a:cs typeface="+mn-cs"/>
+              </a:rPr>
+              <a:t>:</a:t>
+            </a:r>
+          </a:p>
+          <a:p>
+            <a:pPr lvl="1" indent="-228600" defTabSz="914400">
+              <a:lnSpc>
+                <a:spcPct val="90000"/>
+              </a:lnSpc>
+              <a:spcAft>
+                <a:spcPts val="600"/>
+              </a:spcAft>
+              <a:buFont typeface="Arial" panose="020B0604020202020204" pitchFamily="34" charset="0"/>
+              <a:buChar char="•"/>
+              <a:defRPr/>
+            </a:pPr>
+            <a:r>
+              <a:rPr kumimoji="0" lang="en-US" sz="1600" b="0" i="0" u="none" strike="noStrike" kern="1200" cap="none" spc="0" normalizeH="0" baseline="0" noProof="0" dirty="0">
+                <a:ln>
+                  <a:noFill/>
+                </a:ln>
+                <a:solidFill>
+                  <a:prstClr val="white"/>
+                </a:solidFill>
+                <a:effectLst/>
+                <a:uLnTx/>
+                <a:uFillTx/>
+                <a:latin typeface="Aptos" panose="02110004020202020204"/>
+                <a:ea typeface="+mn-ea"/>
+                <a:cs typeface="+mn-cs"/>
+              </a:rPr>
+              <a:t> in which they had 85 unique shows with an IMDb rating &gt; 80 (or 80/100 in their system)</a:t>
+            </a:r>
+          </a:p>
+          <a:p>
+            <a:pPr lvl="1" indent="-228600" defTabSz="914400">
+              <a:lnSpc>
+                <a:spcPct val="90000"/>
+              </a:lnSpc>
+              <a:spcAft>
+                <a:spcPts val="600"/>
+              </a:spcAft>
+              <a:buFont typeface="Arial" panose="020B0604020202020204" pitchFamily="34" charset="0"/>
+              <a:buChar char="•"/>
+              <a:defRPr/>
+            </a:pPr>
+            <a:r>
+              <a:rPr lang="en-US" sz="1600" dirty="0">
+                <a:solidFill>
+                  <a:prstClr val="white"/>
+                </a:solidFill>
+                <a:latin typeface="Aptos" panose="02110004020202020204"/>
+              </a:rPr>
+              <a:t>IMDb’s</a:t>
+            </a:r>
+            <a:r>
+              <a:rPr kumimoji="0" lang="en-US" sz="1600" b="0" i="0" u="none" strike="noStrike" kern="1200" cap="none" spc="0" normalizeH="0" baseline="0" noProof="0" dirty="0">
+                <a:ln>
+                  <a:noFill/>
+                </a:ln>
+                <a:solidFill>
+                  <a:prstClr val="white"/>
+                </a:solidFill>
+                <a:effectLst/>
+                <a:uLnTx/>
+                <a:uFillTx/>
+                <a:latin typeface="Aptos" panose="02110004020202020204"/>
+                <a:ea typeface="+mn-ea"/>
+                <a:cs typeface="+mn-cs"/>
+              </a:rPr>
+              <a:t> shows stretch back to 1934</a:t>
+            </a:r>
+          </a:p>
+          <a:p>
+            <a:pPr marL="0" marR="0" lvl="0" indent="-228600" algn="l" defTabSz="914400" rtl="0" eaLnBrk="1" fontAlgn="auto" latinLnBrk="0" hangingPunct="1">
+              <a:lnSpc>
+                <a:spcPct val="90000"/>
+              </a:lnSpc>
+              <a:spcBef>
+                <a:spcPts val="0"/>
+              </a:spcBef>
+              <a:spcAft>
+                <a:spcPts val="600"/>
+              </a:spcAft>
+              <a:buClrTx/>
+              <a:buSzTx/>
+              <a:buFont typeface="Arial" panose="020B0604020202020204" pitchFamily="34" charset="0"/>
+              <a:buChar char="•"/>
+              <a:tabLst/>
+              <a:defRPr/>
+            </a:pPr>
+            <a:r>
+              <a:rPr lang="en-US" sz="1600" dirty="0">
+                <a:solidFill>
+                  <a:prstClr val="white"/>
+                </a:solidFill>
+                <a:latin typeface="Aptos" panose="02110004020202020204"/>
+              </a:rPr>
+              <a:t>Rotten Tomatoes’ year with the most highly rated shows is </a:t>
+            </a:r>
+            <a:r>
+              <a:rPr lang="en-US" sz="1600" b="1" dirty="0">
+                <a:solidFill>
+                  <a:prstClr val="white"/>
+                </a:solidFill>
+                <a:latin typeface="Aptos" panose="02110004020202020204"/>
+              </a:rPr>
+              <a:t>2015</a:t>
+            </a:r>
+          </a:p>
+          <a:p>
+            <a:pPr lvl="1" indent="-228600" defTabSz="914400">
+              <a:lnSpc>
+                <a:spcPct val="90000"/>
+              </a:lnSpc>
+              <a:spcAft>
+                <a:spcPts val="600"/>
+              </a:spcAft>
+              <a:buFont typeface="Arial" panose="020B0604020202020204" pitchFamily="34" charset="0"/>
+              <a:buChar char="•"/>
+              <a:defRPr/>
+            </a:pPr>
+            <a:r>
+              <a:rPr lang="en-US" sz="1600" dirty="0">
+                <a:solidFill>
+                  <a:prstClr val="white"/>
+                </a:solidFill>
+                <a:latin typeface="Aptos" panose="02110004020202020204"/>
+              </a:rPr>
+              <a:t>in case they had 23 unique shows with a Rotten Tomatoes rating &gt; 8.0/10</a:t>
+            </a:r>
+          </a:p>
+          <a:p>
+            <a:pPr lvl="1" indent="-228600" defTabSz="914400">
+              <a:lnSpc>
+                <a:spcPct val="90000"/>
+              </a:lnSpc>
+              <a:spcAft>
+                <a:spcPts val="600"/>
+              </a:spcAft>
+              <a:buFont typeface="Arial" panose="020B0604020202020204" pitchFamily="34" charset="0"/>
+              <a:buChar char="•"/>
+              <a:defRPr/>
+            </a:pPr>
+            <a:r>
+              <a:rPr lang="en-US" sz="1600" dirty="0">
+                <a:solidFill>
+                  <a:prstClr val="white"/>
+                </a:solidFill>
+                <a:latin typeface="Aptos" panose="02110004020202020204"/>
+              </a:rPr>
+              <a:t>Rotten Tomatoes’ shows date back to 1959</a:t>
+            </a:r>
+          </a:p>
+          <a:p>
+            <a:pPr marL="0" marR="0" lvl="0" indent="-228600" algn="l" defTabSz="914400" rtl="0" eaLnBrk="1" fontAlgn="auto" latinLnBrk="0" hangingPunct="1">
+              <a:lnSpc>
+                <a:spcPct val="90000"/>
+              </a:lnSpc>
+              <a:spcBef>
+                <a:spcPts val="0"/>
+              </a:spcBef>
+              <a:spcAft>
+                <a:spcPts val="600"/>
+              </a:spcAft>
+              <a:buClrTx/>
+              <a:buSzTx/>
+              <a:buFont typeface="Arial" panose="020B0604020202020204" pitchFamily="34" charset="0"/>
+              <a:buChar char="•"/>
+              <a:tabLst/>
+              <a:defRPr/>
+            </a:pPr>
+            <a:r>
+              <a:rPr kumimoji="0" lang="en-US" sz="1600" b="0" i="0" u="none" strike="noStrike" kern="1200" cap="none" spc="0" normalizeH="0" baseline="0" noProof="0" dirty="0">
+                <a:ln>
+                  <a:noFill/>
+                </a:ln>
+                <a:solidFill>
+                  <a:prstClr val="white"/>
+                </a:solidFill>
+                <a:effectLst/>
+                <a:uLnTx/>
+                <a:uFillTx/>
+                <a:latin typeface="Aptos" panose="02110004020202020204"/>
+                <a:ea typeface="+mn-ea"/>
+                <a:cs typeface="+mn-cs"/>
+              </a:rPr>
+              <a:t>These differences hi</a:t>
+            </a:r>
+            <a:r>
+              <a:rPr lang="en-US" sz="1600" dirty="0" err="1">
+                <a:solidFill>
+                  <a:prstClr val="white"/>
+                </a:solidFill>
+                <a:latin typeface="Aptos" panose="02110004020202020204"/>
+              </a:rPr>
+              <a:t>ghlight</a:t>
+            </a:r>
+            <a:r>
+              <a:rPr lang="en-US" sz="1600" dirty="0">
+                <a:solidFill>
+                  <a:prstClr val="white"/>
+                </a:solidFill>
+                <a:latin typeface="Aptos" panose="02110004020202020204"/>
+              </a:rPr>
+              <a:t> an important difference that will be discussed on the next slide</a:t>
+            </a:r>
+            <a:endParaRPr kumimoji="0" lang="en-US" sz="1600" b="0" i="0" u="none" strike="noStrike" kern="1200" cap="none" spc="0" normalizeH="0" baseline="0" noProof="0" dirty="0">
+              <a:ln>
+                <a:noFill/>
+              </a:ln>
+              <a:solidFill>
+                <a:prstClr val="white"/>
+              </a:solidFill>
+              <a:effectLst/>
+              <a:uLnTx/>
+              <a:uFillTx/>
+              <a:latin typeface="Aptos" panose="02110004020202020204"/>
+              <a:ea typeface="+mn-ea"/>
+              <a:cs typeface="+mn-cs"/>
+            </a:endParaRPr>
+          </a:p>
+        </p:txBody>
+      </p:sp>
+      <p:pic>
+        <p:nvPicPr>
+          <p:cNvPr id="9" name="Picture 8" descr="A graph showing the number of years&#10;&#10;Description automatically generated">
+            <a:extLst>
+              <a:ext uri="{FF2B5EF4-FFF2-40B4-BE49-F238E27FC236}">
+                <a16:creationId xmlns:a16="http://schemas.microsoft.com/office/drawing/2014/main" id="{EA2DDBDA-5F57-8693-A12F-193326944B44}"/>
+              </a:ext>
+            </a:extLst>
+          </p:cNvPr>
+          <p:cNvPicPr>
+            <a:picLocks noChangeAspect="1"/>
+          </p:cNvPicPr>
+          <p:nvPr/>
+        </p:nvPicPr>
+        <p:blipFill>
+          <a:blip r:embed="rId2">
+            <a:extLst>
+              <a:ext uri="{28A0092B-C50C-407E-A947-70E740481C1C}">
+                <a14:useLocalDpi xmlns:a14="http://schemas.microsoft.com/office/drawing/2010/main" val="0"/>
+              </a:ext>
+            </a:extLst>
+          </a:blip>
+          <a:stretch>
+            <a:fillRect/>
+          </a:stretch>
+        </p:blipFill>
+        <p:spPr>
+          <a:xfrm>
+            <a:off x="6272709" y="669926"/>
+            <a:ext cx="3415821" cy="2561866"/>
+          </a:xfrm>
+          <a:prstGeom prst="rect">
+            <a:avLst/>
+          </a:prstGeom>
+        </p:spPr>
+      </p:pic>
+      <p:pic>
+        <p:nvPicPr>
+          <p:cNvPr id="11" name="Picture 10" descr="A graph showing the growth of tomatoes&#10;&#10;Description automatically generated">
+            <a:extLst>
+              <a:ext uri="{FF2B5EF4-FFF2-40B4-BE49-F238E27FC236}">
+                <a16:creationId xmlns:a16="http://schemas.microsoft.com/office/drawing/2014/main" id="{C408DE99-3B3F-DAA4-38A0-B157620D5822}"/>
+              </a:ext>
+            </a:extLst>
+          </p:cNvPr>
+          <p:cNvPicPr>
+            <a:picLocks noChangeAspect="1"/>
+          </p:cNvPicPr>
+          <p:nvPr/>
+        </p:nvPicPr>
+        <p:blipFill>
+          <a:blip r:embed="rId3">
+            <a:extLst>
+              <a:ext uri="{28A0092B-C50C-407E-A947-70E740481C1C}">
+                <a14:useLocalDpi xmlns:a14="http://schemas.microsoft.com/office/drawing/2010/main" val="0"/>
+              </a:ext>
+            </a:extLst>
+          </a:blip>
+          <a:stretch>
+            <a:fillRect/>
+          </a:stretch>
+        </p:blipFill>
+        <p:spPr>
+          <a:xfrm>
+            <a:off x="8152880" y="3627754"/>
+            <a:ext cx="3413760" cy="2560320"/>
+          </a:xfrm>
+          <a:prstGeom prst="rect">
+            <a:avLst/>
+          </a:prstGeom>
+        </p:spPr>
+      </p:pic>
+      <p:pic>
+        <p:nvPicPr>
+          <p:cNvPr id="13" name="Picture 12">
+            <a:extLst>
+              <a:ext uri="{FF2B5EF4-FFF2-40B4-BE49-F238E27FC236}">
+                <a16:creationId xmlns:a16="http://schemas.microsoft.com/office/drawing/2014/main" id="{6E9A6646-5A75-B475-8D0F-5EBD1DAC3864}"/>
+              </a:ext>
+            </a:extLst>
+          </p:cNvPr>
+          <p:cNvPicPr>
+            <a:picLocks noChangeAspect="1"/>
+          </p:cNvPicPr>
+          <p:nvPr/>
+        </p:nvPicPr>
+        <p:blipFill>
+          <a:blip r:embed="rId4"/>
+          <a:stretch>
+            <a:fillRect/>
+          </a:stretch>
+        </p:blipFill>
+        <p:spPr>
+          <a:xfrm>
+            <a:off x="6641507" y="3623277"/>
+            <a:ext cx="1543265" cy="543001"/>
+          </a:xfrm>
+          <a:prstGeom prst="rect">
+            <a:avLst/>
+          </a:prstGeom>
+        </p:spPr>
+      </p:pic>
+      <p:pic>
+        <p:nvPicPr>
+          <p:cNvPr id="15" name="Picture 14">
+            <a:extLst>
+              <a:ext uri="{FF2B5EF4-FFF2-40B4-BE49-F238E27FC236}">
+                <a16:creationId xmlns:a16="http://schemas.microsoft.com/office/drawing/2014/main" id="{31CFD8D0-7724-F0A8-FB7E-7B4C9837EC3C}"/>
+              </a:ext>
+            </a:extLst>
+          </p:cNvPr>
+          <p:cNvPicPr>
+            <a:picLocks noChangeAspect="1"/>
+          </p:cNvPicPr>
+          <p:nvPr/>
+        </p:nvPicPr>
+        <p:blipFill>
+          <a:blip r:embed="rId5"/>
+          <a:stretch>
+            <a:fillRect/>
+          </a:stretch>
+        </p:blipFill>
+        <p:spPr>
+          <a:xfrm>
+            <a:off x="9688530" y="671027"/>
+            <a:ext cx="905001" cy="552527"/>
+          </a:xfrm>
+          <a:prstGeom prst="rect">
+            <a:avLst/>
+          </a:prstGeom>
+        </p:spPr>
+      </p:pic>
+    </p:spTree>
+    <p:extLst>
+      <p:ext uri="{BB962C8B-B14F-4D97-AF65-F5344CB8AC3E}">
+        <p14:creationId xmlns:p14="http://schemas.microsoft.com/office/powerpoint/2010/main" val="491760267"/>
+      </p:ext>
+    </p:extLst>
+  </p:cSld>
+  <p:clrMapOvr>
+    <a:masterClrMapping/>
+  </p:clrMapOvr>
+</p:sld>
+</file>
+
+<file path=ppt/slides/slide24.xml><?xml version="1.0" encoding="utf-8"?>
+<p:sld xmlns:a="http://schemas.openxmlformats.org/drawingml/2006/main" xmlns:r="http://schemas.openxmlformats.org/officeDocument/2006/relationships" xmlns:p="http://schemas.openxmlformats.org/presentationml/2006/main">
+  <p:cSld>
+    <p:bg>
+      <p:bgPr>
+        <a:solidFill>
+          <a:schemeClr val="bg1"/>
+        </a:solidFill>
+        <a:effectLst/>
+      </p:bgPr>
+    </p:bg>
+    <p:spTree>
+      <p:nvGrpSpPr>
+        <p:cNvPr id="1" name=""/>
+        <p:cNvGrpSpPr/>
+        <p:nvPr/>
+      </p:nvGrpSpPr>
+      <p:grpSpPr>
+        <a:xfrm>
+          <a:off x="0" y="0"/>
+          <a:ext cx="0" cy="0"/>
+          <a:chOff x="0" y="0"/>
+          <a:chExt cx="0" cy="0"/>
+        </a:xfrm>
+      </p:grpSpPr>
+      <p:sp>
+        <p:nvSpPr>
+          <p:cNvPr id="2" name="Title 1">
+            <a:extLst>
+              <a:ext uri="{FF2B5EF4-FFF2-40B4-BE49-F238E27FC236}">
+                <a16:creationId xmlns:a16="http://schemas.microsoft.com/office/drawing/2014/main" id="{6F77E0AD-D824-6B6E-5453-12456358687B}"/>
+              </a:ext>
+            </a:extLst>
+          </p:cNvPr>
+          <p:cNvSpPr>
+            <a:spLocks noGrp="1"/>
+          </p:cNvSpPr>
+          <p:nvPr>
+            <p:ph type="title"/>
+          </p:nvPr>
+        </p:nvSpPr>
+        <p:spPr>
+          <a:xfrm>
+            <a:off x="1295400" y="669925"/>
+            <a:ext cx="4800600" cy="1325563"/>
+          </a:xfrm>
+        </p:spPr>
+        <p:txBody>
+          <a:bodyPr vert="horz" lIns="91440" tIns="45720" rIns="91440" bIns="45720" rtlCol="0" anchor="b">
+            <a:normAutofit/>
+          </a:bodyPr>
+          <a:lstStyle/>
+          <a:p>
+            <a:r>
+              <a:rPr lang="en-US" sz="3400" b="1" dirty="0"/>
+              <a:t>Equivalence</a:t>
+            </a:r>
+          </a:p>
+        </p:txBody>
+      </p:sp>
+      <p:sp>
+        <p:nvSpPr>
+          <p:cNvPr id="8" name="TextBox 7">
+            <a:extLst>
+              <a:ext uri="{FF2B5EF4-FFF2-40B4-BE49-F238E27FC236}">
+                <a16:creationId xmlns:a16="http://schemas.microsoft.com/office/drawing/2014/main" id="{4DEAA03B-287A-3FB8-E504-4D7AFD25CE6D}"/>
+              </a:ext>
+            </a:extLst>
+          </p:cNvPr>
+          <p:cNvSpPr txBox="1"/>
+          <p:nvPr/>
+        </p:nvSpPr>
+        <p:spPr>
+          <a:xfrm>
+            <a:off x="1295400" y="2288833"/>
+            <a:ext cx="4800600" cy="3546888"/>
+          </a:xfrm>
+          <a:prstGeom prst="rect">
+            <a:avLst/>
+          </a:prstGeom>
+        </p:spPr>
+        <p:txBody>
+          <a:bodyPr vert="horz" lIns="91440" tIns="45720" rIns="91440" bIns="45720" rtlCol="0">
+            <a:normAutofit lnSpcReduction="10000"/>
+          </a:bodyPr>
+          <a:lstStyle/>
+          <a:p>
+            <a:pPr marL="0" marR="0" lvl="0" indent="-228600" algn="l" defTabSz="914400" rtl="0" eaLnBrk="1" fontAlgn="auto" latinLnBrk="0" hangingPunct="1">
+              <a:lnSpc>
+                <a:spcPct val="90000"/>
+              </a:lnSpc>
+              <a:spcBef>
+                <a:spcPts val="0"/>
+              </a:spcBef>
+              <a:spcAft>
+                <a:spcPts val="600"/>
+              </a:spcAft>
+              <a:buClrTx/>
+              <a:buSzTx/>
+              <a:buFont typeface="Arial" panose="020B0604020202020204" pitchFamily="34" charset="0"/>
+              <a:buChar char="•"/>
+              <a:tabLst/>
+              <a:defRPr/>
+            </a:pPr>
+            <a:r>
+              <a:rPr lang="en-US" sz="2000" dirty="0">
+                <a:solidFill>
+                  <a:prstClr val="white"/>
+                </a:solidFill>
+                <a:latin typeface="Aptos" panose="02110004020202020204"/>
+              </a:rPr>
+              <a:t>Using linear regression, we can determine that there is only a moderate amount of correlation as noted in </a:t>
+            </a:r>
+            <a:r>
+              <a:rPr lang="en-US" sz="2000" dirty="0" err="1">
+                <a:solidFill>
+                  <a:prstClr val="white"/>
+                </a:solidFill>
+                <a:latin typeface="Aptos" panose="02110004020202020204"/>
+              </a:rPr>
+              <a:t>r-values</a:t>
+            </a:r>
+            <a:r>
+              <a:rPr lang="en-US" sz="2000" dirty="0">
+                <a:solidFill>
+                  <a:prstClr val="white"/>
+                </a:solidFill>
+                <a:latin typeface="Aptos" panose="02110004020202020204"/>
+              </a:rPr>
+              <a:t>:</a:t>
+            </a:r>
+          </a:p>
+          <a:p>
+            <a:pPr lvl="1" indent="-228600" defTabSz="914400">
+              <a:lnSpc>
+                <a:spcPct val="90000"/>
+              </a:lnSpc>
+              <a:spcAft>
+                <a:spcPts val="600"/>
+              </a:spcAft>
+              <a:buFont typeface="Arial" panose="020B0604020202020204" pitchFamily="34" charset="0"/>
+              <a:buChar char="•"/>
+              <a:defRPr/>
+            </a:pPr>
+            <a:r>
+              <a:rPr lang="en-US" sz="2000" dirty="0">
+                <a:solidFill>
+                  <a:prstClr val="white"/>
+                </a:solidFill>
+                <a:latin typeface="Aptos" panose="02110004020202020204"/>
+              </a:rPr>
+              <a:t>There are only modest association between IMDb ratings and Rotten Tomatoes ratings for:</a:t>
+            </a:r>
+          </a:p>
+          <a:p>
+            <a:pPr lvl="2" indent="-228600" defTabSz="914400">
+              <a:lnSpc>
+                <a:spcPct val="90000"/>
+              </a:lnSpc>
+              <a:spcAft>
+                <a:spcPts val="600"/>
+              </a:spcAft>
+              <a:buFont typeface="Arial" panose="020B0604020202020204" pitchFamily="34" charset="0"/>
+              <a:buChar char="•"/>
+              <a:defRPr/>
+            </a:pPr>
+            <a:r>
+              <a:rPr lang="en-US" sz="2000" dirty="0">
+                <a:solidFill>
+                  <a:prstClr val="white"/>
+                </a:solidFill>
+                <a:latin typeface="Aptos" panose="02110004020202020204"/>
+              </a:rPr>
+              <a:t>2019 alone</a:t>
+            </a:r>
+          </a:p>
+          <a:p>
+            <a:pPr lvl="2" indent="-228600" defTabSz="914400">
+              <a:lnSpc>
+                <a:spcPct val="90000"/>
+              </a:lnSpc>
+              <a:spcAft>
+                <a:spcPts val="600"/>
+              </a:spcAft>
+              <a:buFont typeface="Arial" panose="020B0604020202020204" pitchFamily="34" charset="0"/>
+              <a:buChar char="•"/>
+              <a:defRPr/>
+            </a:pPr>
+            <a:r>
+              <a:rPr lang="en-US" sz="2000" dirty="0">
+                <a:solidFill>
+                  <a:prstClr val="white"/>
+                </a:solidFill>
+                <a:latin typeface="Aptos" panose="02110004020202020204"/>
+              </a:rPr>
+              <a:t>2015-2019</a:t>
+            </a:r>
+          </a:p>
+          <a:p>
+            <a:pPr lvl="1" indent="-228600" defTabSz="914400">
+              <a:lnSpc>
+                <a:spcPct val="90000"/>
+              </a:lnSpc>
+              <a:spcAft>
+                <a:spcPts val="600"/>
+              </a:spcAft>
+              <a:buFont typeface="Arial" panose="020B0604020202020204" pitchFamily="34" charset="0"/>
+              <a:buChar char="•"/>
+              <a:defRPr/>
+            </a:pPr>
+            <a:r>
+              <a:rPr lang="en-US" sz="2000" dirty="0">
+                <a:solidFill>
+                  <a:prstClr val="white"/>
+                </a:solidFill>
+                <a:latin typeface="Aptos" panose="02110004020202020204"/>
+              </a:rPr>
+              <a:t>Meaning not every IMDb rating represents its counterpart in Rotten Tomatoes </a:t>
+            </a:r>
+          </a:p>
+          <a:p>
+            <a:pPr lvl="1" indent="-228600" defTabSz="914400">
+              <a:lnSpc>
+                <a:spcPct val="90000"/>
+              </a:lnSpc>
+              <a:spcAft>
+                <a:spcPts val="600"/>
+              </a:spcAft>
+              <a:buFont typeface="Arial" panose="020B0604020202020204" pitchFamily="34" charset="0"/>
+              <a:buChar char="•"/>
+              <a:defRPr/>
+            </a:pPr>
+            <a:endParaRPr kumimoji="0" lang="en-US" sz="2000" b="0" i="0" u="none" strike="noStrike" kern="1200" cap="none" spc="0" normalizeH="0" baseline="0" noProof="0" dirty="0">
+              <a:ln>
+                <a:noFill/>
+              </a:ln>
+              <a:solidFill>
+                <a:prstClr val="white"/>
+              </a:solidFill>
+              <a:effectLst/>
+              <a:uLnTx/>
+              <a:uFillTx/>
+              <a:latin typeface="Aptos" panose="02110004020202020204"/>
+              <a:ea typeface="+mn-ea"/>
+              <a:cs typeface="+mn-cs"/>
+            </a:endParaRPr>
+          </a:p>
+        </p:txBody>
+      </p:sp>
+      <p:pic>
+        <p:nvPicPr>
+          <p:cNvPr id="4" name="Picture 3" descr="A graph with blue dots and red line&#10;&#10;Description automatically generated">
+            <a:extLst>
+              <a:ext uri="{FF2B5EF4-FFF2-40B4-BE49-F238E27FC236}">
+                <a16:creationId xmlns:a16="http://schemas.microsoft.com/office/drawing/2014/main" id="{03B617EF-1173-57FD-E7D3-A6B64A601BDB}"/>
+              </a:ext>
+            </a:extLst>
+          </p:cNvPr>
+          <p:cNvPicPr>
+            <a:picLocks noChangeAspect="1"/>
+          </p:cNvPicPr>
+          <p:nvPr/>
+        </p:nvPicPr>
+        <p:blipFill>
+          <a:blip r:embed="rId2">
+            <a:extLst>
+              <a:ext uri="{28A0092B-C50C-407E-A947-70E740481C1C}">
+                <a14:useLocalDpi xmlns:a14="http://schemas.microsoft.com/office/drawing/2010/main" val="0"/>
+              </a:ext>
+            </a:extLst>
+          </a:blip>
+          <a:stretch>
+            <a:fillRect/>
+          </a:stretch>
+        </p:blipFill>
+        <p:spPr>
+          <a:xfrm>
+            <a:off x="6437096" y="575154"/>
+            <a:ext cx="3413760" cy="2560320"/>
+          </a:xfrm>
+          <a:prstGeom prst="rect">
+            <a:avLst/>
+          </a:prstGeom>
+        </p:spPr>
+      </p:pic>
+      <p:pic>
+        <p:nvPicPr>
+          <p:cNvPr id="6" name="Picture 5" descr="A graph with numbers and a red line&#10;&#10;Description automatically generated">
+            <a:extLst>
+              <a:ext uri="{FF2B5EF4-FFF2-40B4-BE49-F238E27FC236}">
+                <a16:creationId xmlns:a16="http://schemas.microsoft.com/office/drawing/2014/main" id="{7C1FDB7B-1668-F660-EB91-98CD18C0E5C3}"/>
+              </a:ext>
+            </a:extLst>
+          </p:cNvPr>
+          <p:cNvPicPr>
+            <a:picLocks noChangeAspect="1"/>
+          </p:cNvPicPr>
+          <p:nvPr/>
+        </p:nvPicPr>
+        <p:blipFill>
+          <a:blip r:embed="rId3">
+            <a:extLst>
+              <a:ext uri="{28A0092B-C50C-407E-A947-70E740481C1C}">
+                <a14:useLocalDpi xmlns:a14="http://schemas.microsoft.com/office/drawing/2010/main" val="0"/>
+              </a:ext>
+            </a:extLst>
+          </a:blip>
+          <a:stretch>
+            <a:fillRect/>
+          </a:stretch>
+        </p:blipFill>
+        <p:spPr>
+          <a:xfrm>
+            <a:off x="8265896" y="3650607"/>
+            <a:ext cx="3413760" cy="2560320"/>
+          </a:xfrm>
+          <a:prstGeom prst="rect">
+            <a:avLst/>
+          </a:prstGeom>
+        </p:spPr>
+      </p:pic>
+      <p:sp>
+        <p:nvSpPr>
+          <p:cNvPr id="7" name="TextBox 6">
+            <a:extLst>
+              <a:ext uri="{FF2B5EF4-FFF2-40B4-BE49-F238E27FC236}">
+                <a16:creationId xmlns:a16="http://schemas.microsoft.com/office/drawing/2014/main" id="{19C028BF-8F48-5E8F-5145-17B6CA9D245A}"/>
+              </a:ext>
+            </a:extLst>
+          </p:cNvPr>
+          <p:cNvSpPr txBox="1"/>
+          <p:nvPr/>
+        </p:nvSpPr>
+        <p:spPr>
+          <a:xfrm>
+            <a:off x="1387011" y="5835721"/>
+            <a:ext cx="4956421" cy="646331"/>
+          </a:xfrm>
+          <a:prstGeom prst="rect">
+            <a:avLst/>
+          </a:prstGeom>
+          <a:noFill/>
+        </p:spPr>
+        <p:txBody>
+          <a:bodyPr wrap="none" rtlCol="0">
+            <a:spAutoFit/>
+          </a:bodyPr>
+          <a:lstStyle/>
+          <a:p>
+            <a:r>
+              <a:rPr lang="en-US" dirty="0"/>
+              <a:t>YOUR CHOICE MAY COME DOWN TO WHO YOU</a:t>
+            </a:r>
+          </a:p>
+          <a:p>
+            <a:r>
+              <a:rPr lang="en-US" dirty="0"/>
+              <a:t>BELIEVE MORE!</a:t>
+            </a:r>
+          </a:p>
+        </p:txBody>
+      </p:sp>
+    </p:spTree>
+    <p:extLst>
+      <p:ext uri="{BB962C8B-B14F-4D97-AF65-F5344CB8AC3E}">
+        <p14:creationId xmlns:p14="http://schemas.microsoft.com/office/powerpoint/2010/main" val="2016141535"/>
+      </p:ext>
+    </p:extLst>
+  </p:cSld>
+  <p:clrMapOvr>
+    <a:masterClrMapping/>
+  </p:clrMapOvr>
+</p:sld>
+</file>
+
+<file path=ppt/slides/slide25.xml><?xml version="1.0" encoding="utf-8"?>
+<p:sld xmlns:a="http://schemas.openxmlformats.org/drawingml/2006/main" xmlns:r="http://schemas.openxmlformats.org/officeDocument/2006/relationships" xmlns:p="http://schemas.openxmlformats.org/presentationml/2006/main">
+  <p:cSld>
+    <p:spTree>
+      <p:nvGrpSpPr>
+        <p:cNvPr id="1" name=""/>
+        <p:cNvGrpSpPr/>
+        <p:nvPr/>
+      </p:nvGrpSpPr>
+      <p:grpSpPr>
+        <a:xfrm>
+          <a:off x="0" y="0"/>
+          <a:ext cx="0" cy="0"/>
+          <a:chOff x="0" y="0"/>
+          <a:chExt cx="0" cy="0"/>
+        </a:xfrm>
+      </p:grpSpPr>
+      <p:sp>
+        <p:nvSpPr>
+          <p:cNvPr id="2" name="Title 1">
+            <a:extLst>
+              <a:ext uri="{FF2B5EF4-FFF2-40B4-BE49-F238E27FC236}">
+                <a16:creationId xmlns:a16="http://schemas.microsoft.com/office/drawing/2014/main" id="{B04BA152-366A-6DC3-A56C-CA3D5B9EC720}"/>
+              </a:ext>
+            </a:extLst>
+          </p:cNvPr>
+          <p:cNvSpPr>
+            <a:spLocks noGrp="1"/>
+          </p:cNvSpPr>
+          <p:nvPr>
+            <p:ph type="title"/>
+          </p:nvPr>
+        </p:nvSpPr>
+        <p:spPr/>
+        <p:txBody>
+          <a:bodyPr/>
+          <a:lstStyle/>
+          <a:p>
+            <a:r>
+              <a:rPr lang="en-US" dirty="0"/>
+              <a:t>Next Steps</a:t>
+            </a:r>
+          </a:p>
+        </p:txBody>
+      </p:sp>
+      <p:sp>
+        <p:nvSpPr>
+          <p:cNvPr id="3" name="Content Placeholder 2">
+            <a:extLst>
+              <a:ext uri="{FF2B5EF4-FFF2-40B4-BE49-F238E27FC236}">
+                <a16:creationId xmlns:a16="http://schemas.microsoft.com/office/drawing/2014/main" id="{BFF6859F-5BC6-76A3-F7A4-87AB7AFAE14C}"/>
+              </a:ext>
+            </a:extLst>
+          </p:cNvPr>
+          <p:cNvSpPr>
+            <a:spLocks noGrp="1"/>
+          </p:cNvSpPr>
+          <p:nvPr>
+            <p:ph idx="1"/>
+          </p:nvPr>
+        </p:nvSpPr>
+        <p:spPr/>
+        <p:txBody>
+          <a:bodyPr>
+            <a:normAutofit/>
+          </a:bodyPr>
+          <a:lstStyle/>
+          <a:p>
+            <a:r>
+              <a:rPr lang="en-US" dirty="0"/>
+              <a:t>Expanding the scope to include more streaming services most likely by using an API-based approach</a:t>
+            </a:r>
+          </a:p>
+          <a:p>
+            <a:r>
+              <a:rPr lang="en-US" dirty="0"/>
+              <a:t>Asking additional questions to further our understanding of which streaming service may be best</a:t>
+            </a:r>
+          </a:p>
+          <a:p>
+            <a:pPr lvl="1"/>
+            <a:r>
+              <a:rPr lang="en-US" dirty="0"/>
+              <a:t>The API would afford us the opportunity to ask further questions at much greater depth</a:t>
+            </a:r>
+          </a:p>
+          <a:p>
+            <a:r>
+              <a:rPr lang="en-US" dirty="0"/>
+              <a:t>Using current (2023-2024) data to analyze and confirm our findings</a:t>
+            </a:r>
+          </a:p>
+          <a:p>
+            <a:r>
+              <a:rPr lang="en-US" dirty="0"/>
+              <a:t>A more comprehensive initial dataset could allow for more testing, including hypothesis testing</a:t>
+            </a:r>
+          </a:p>
+          <a:p>
+            <a:pPr marL="0" indent="0">
+              <a:buNone/>
+            </a:pPr>
+            <a:endParaRPr lang="en-US" dirty="0"/>
+          </a:p>
+          <a:p>
+            <a:endParaRPr lang="en-US" dirty="0"/>
+          </a:p>
+        </p:txBody>
+      </p:sp>
+    </p:spTree>
+    <p:extLst>
+      <p:ext uri="{BB962C8B-B14F-4D97-AF65-F5344CB8AC3E}">
+        <p14:creationId xmlns:p14="http://schemas.microsoft.com/office/powerpoint/2010/main" val="3789982252"/>
       </p:ext>
     </p:extLst>
   </p:cSld>
@@ -5196,6 +8782,13 @@
               <a:t>Dataset was limited to information up to and including 2021</a:t>
             </a:r>
           </a:p>
+          <a:p>
+            <a:pPr lvl="1"/>
+            <a:r>
+              <a:rPr lang="en-US" dirty="0"/>
+              <a:t>The research questions may have more than one correct answer</a:t>
+            </a:r>
+          </a:p>
         </p:txBody>
       </p:sp>
     </p:spTree>
@@ -5230,64 +8823,120 @@
       </p:grpSpPr>
       <p:sp>
         <p:nvSpPr>
-          <p:cNvPr id="2" name="Title 1">
+          <p:cNvPr id="9" name="Rectangle 1">
             <a:extLst>
               <a:ext uri="{FF2B5EF4-FFF2-40B4-BE49-F238E27FC236}">
-                <a16:creationId xmlns:a16="http://schemas.microsoft.com/office/drawing/2014/main" id="{6F77E0AD-D824-6B6E-5453-12456358687B}"/>
+                <a16:creationId xmlns:a16="http://schemas.microsoft.com/office/drawing/2014/main" id="{9A3A5BC1-28C4-405D-9FF4-1EA93E88C494}"/>
               </a:ext>
             </a:extLst>
           </p:cNvPr>
           <p:cNvSpPr>
-            <a:spLocks noGrp="1"/>
+            <a:spLocks noGrp="1" noChangeArrowheads="1"/>
           </p:cNvSpPr>
           <p:nvPr>
             <p:ph type="title"/>
           </p:nvPr>
         </p:nvSpPr>
-        <p:spPr/>
-        <p:txBody>
-          <a:bodyPr/>
-          <a:lstStyle/>
-          <a:p>
-            <a:r>
-              <a:rPr lang="en-US" dirty="0"/>
-              <a:t>Approach (Le)</a:t>
-            </a:r>
-          </a:p>
-        </p:txBody>
-      </p:sp>
-      <p:sp>
-        <p:nvSpPr>
-          <p:cNvPr id="3" name="Content Placeholder 2">
-            <a:extLst>
-              <a:ext uri="{FF2B5EF4-FFF2-40B4-BE49-F238E27FC236}">
-                <a16:creationId xmlns:a16="http://schemas.microsoft.com/office/drawing/2014/main" id="{C5F98696-3B9B-AD74-9AC6-930A9AFECF41}"/>
-              </a:ext>
-            </a:extLst>
-          </p:cNvPr>
-          <p:cNvSpPr>
-            <a:spLocks noGrp="1"/>
-          </p:cNvSpPr>
-          <p:nvPr>
-            <p:ph idx="1"/>
-          </p:nvPr>
-        </p:nvSpPr>
-        <p:spPr/>
-        <p:txBody>
-          <a:bodyPr/>
-          <a:lstStyle/>
-          <a:p>
-            <a:pPr marL="0" indent="0">
+        <p:spPr bwMode="auto">
+          <a:xfrm>
+            <a:off x="831850" y="2843719"/>
+            <a:ext cx="9504525" cy="584775"/>
+          </a:xfrm>
+          <a:prstGeom prst="rect">
+            <a:avLst/>
+          </a:prstGeom>
+          <a:noFill/>
+          <a:ln>
+            <a:noFill/>
+          </a:ln>
+          <a:effectLst/>
+          <a:extLst>
+            <a:ext uri="{909E8E84-426E-40DD-AFC4-6F175D3DCCD1}">
+              <a14:hiddenFill xmlns:a14="http://schemas.microsoft.com/office/drawing/2010/main">
+                <a:solidFill>
+                  <a:schemeClr val="accent1"/>
+                </a:solidFill>
+              </a14:hiddenFill>
+            </a:ext>
+            <a:ext uri="{91240B29-F687-4F45-9708-019B960494DF}">
+              <a14:hiddenLine xmlns:a14="http://schemas.microsoft.com/office/drawing/2010/main" w="9525">
+                <a:solidFill>
+                  <a:schemeClr val="tx1"/>
+                </a:solidFill>
+                <a:miter lim="800000"/>
+                <a:headEnd/>
+                <a:tailEnd/>
+              </a14:hiddenLine>
+            </a:ext>
+            <a:ext uri="{AF507438-7753-43E0-B8FC-AC1667EBCBE1}">
+              <a14:hiddenEffects xmlns:a14="http://schemas.microsoft.com/office/drawing/2010/main">
+                <a:effectLst>
+                  <a:outerShdw dist="35921" dir="2700000" algn="ctr" rotWithShape="0">
+                    <a:schemeClr val="bg2"/>
+                  </a:outerShdw>
+                </a:effectLst>
+              </a14:hiddenEffects>
+            </a:ext>
+          </a:extLst>
+        </p:spPr>
+        <p:txBody>
+          <a:bodyPr vert="horz" wrap="none" lIns="91440" tIns="45720" rIns="91440" bIns="45720" numCol="1" anchor="ctr" anchorCtr="0" compatLnSpc="1">
+            <a:prstTxWarp prst="textNoShape">
+              <a:avLst/>
+            </a:prstTxWarp>
+            <a:spAutoFit/>
+          </a:bodyPr>
+          <a:lstStyle/>
+          <a:p>
+            <a:pPr marL="0" marR="0" lvl="0" indent="0" algn="l" defTabSz="914400" rtl="0" eaLnBrk="0" fontAlgn="base" latinLnBrk="0" hangingPunct="0">
+              <a:lnSpc>
+                <a:spcPct val="100000"/>
+              </a:lnSpc>
+              <a:spcBef>
+                <a:spcPct val="0"/>
+              </a:spcBef>
+              <a:spcAft>
+                <a:spcPct val="0"/>
+              </a:spcAft>
+              <a:buClrTx/>
+              <a:buSzTx/>
+              <a:buFontTx/>
               <a:buNone/>
+              <a:tabLst/>
             </a:pPr>
-            <a:endParaRPr lang="en-US" dirty="0"/>
+            <a:r>
+              <a:rPr kumimoji="0" lang="en-US" altLang="en-US" sz="3200" b="1" i="1" u="none" strike="noStrike" cap="none" normalizeH="0" baseline="0" dirty="0">
+                <a:ln>
+                  <a:noFill/>
+                </a:ln>
+                <a:effectLst/>
+                <a:latin typeface="Arial Unicode MS"/>
+              </a:rPr>
+              <a:t>What service has the most highly rated shows?</a:t>
+            </a:r>
+            <a:r>
+              <a:rPr kumimoji="0" lang="en-US" altLang="en-US" sz="3200" b="1" i="0" u="none" strike="noStrike" cap="none" normalizeH="0" baseline="0" dirty="0">
+                <a:ln>
+                  <a:noFill/>
+                </a:ln>
+                <a:effectLst/>
+              </a:rPr>
+              <a:t> </a:t>
+            </a:r>
+            <a:endParaRPr kumimoji="0" lang="en-US" altLang="en-US" sz="3200" b="1" i="0" u="none" strike="noStrike" cap="none" normalizeH="0" baseline="0" dirty="0">
+              <a:ln>
+                <a:noFill/>
+              </a:ln>
+              <a:effectLst/>
+              <a:latin typeface="Arial" panose="020B0604020202020204" pitchFamily="34" charset="0"/>
+            </a:endParaRPr>
           </a:p>
         </p:txBody>
       </p:sp>
     </p:spTree>
     <p:extLst>
       <p:ext uri="{BB962C8B-B14F-4D97-AF65-F5344CB8AC3E}">
-        <p14:creationId xmlns:p14="http://schemas.microsoft.com/office/powerpoint/2010/main" val="3285236100"/>
+        <p14:creationId xmlns:p14="http://schemas.microsoft.com/office/powerpoint/2010/main" val="1530317400"/>
       </p:ext>
     </p:extLst>
   </p:cSld>
@@ -5337,43 +8986,313 @@
           <a:p>
             <a:r>
               <a:rPr lang="en-US" dirty="0"/>
-              <a:t>Results (Le)</a:t>
-            </a:r>
-          </a:p>
-        </p:txBody>
-      </p:sp>
-      <p:sp>
-        <p:nvSpPr>
-          <p:cNvPr id="3" name="Content Placeholder 2">
+              <a:t>What Service has the most highly rated show?</a:t>
+            </a:r>
+          </a:p>
+        </p:txBody>
+      </p:sp>
+      <p:sp>
+        <p:nvSpPr>
+          <p:cNvPr id="7" name="Content Placeholder 2">
             <a:extLst>
               <a:ext uri="{FF2B5EF4-FFF2-40B4-BE49-F238E27FC236}">
-                <a16:creationId xmlns:a16="http://schemas.microsoft.com/office/drawing/2014/main" id="{C5F98696-3B9B-AD74-9AC6-930A9AFECF41}"/>
+                <a16:creationId xmlns:a16="http://schemas.microsoft.com/office/drawing/2014/main" id="{9372001D-42B5-A41B-4689-8A0A06031349}"/>
               </a:ext>
             </a:extLst>
           </p:cNvPr>
-          <p:cNvSpPr>
-            <a:spLocks noGrp="1"/>
-          </p:cNvSpPr>
-          <p:nvPr>
-            <p:ph idx="1"/>
-          </p:nvPr>
-        </p:nvSpPr>
-        <p:spPr/>
-        <p:txBody>
-          <a:bodyPr/>
-          <a:lstStyle/>
-          <a:p>
-            <a:pPr marL="0" indent="0">
+          <p:cNvSpPr txBox="1">
+            <a:spLocks/>
+          </p:cNvSpPr>
+          <p:nvPr/>
+        </p:nvSpPr>
+        <p:spPr>
+          <a:xfrm>
+            <a:off x="838200" y="1825625"/>
+            <a:ext cx="10515600" cy="4667250"/>
+          </a:xfrm>
+          <a:prstGeom prst="rect">
+            <a:avLst/>
+          </a:prstGeom>
+        </p:spPr>
+        <p:txBody>
+          <a:bodyPr vert="horz" lIns="91440" tIns="45720" rIns="91440" bIns="45720" rtlCol="0">
+            <a:normAutofit/>
+          </a:bodyPr>
+          <a:lstStyle>
+            <a:lvl1pPr marL="228600" indent="-228600" algn="l" defTabSz="914400" rtl="0" eaLnBrk="1" latinLnBrk="0" hangingPunct="1">
+              <a:lnSpc>
+                <a:spcPct val="90000"/>
+              </a:lnSpc>
+              <a:spcBef>
+                <a:spcPts val="1000"/>
+              </a:spcBef>
+              <a:buFont typeface="Arial" panose="020B0604020202020204" pitchFamily="34" charset="0"/>
+              <a:buChar char="•"/>
+              <a:defRPr sz="2800" kern="1200">
+                <a:solidFill>
+                  <a:schemeClr val="tx1"/>
+                </a:solidFill>
+                <a:latin typeface="+mn-lt"/>
+                <a:ea typeface="+mn-ea"/>
+                <a:cs typeface="+mn-cs"/>
+              </a:defRPr>
+            </a:lvl1pPr>
+            <a:lvl2pPr marL="685800" indent="-228600" algn="l" defTabSz="914400" rtl="0" eaLnBrk="1" latinLnBrk="0" hangingPunct="1">
+              <a:lnSpc>
+                <a:spcPct val="90000"/>
+              </a:lnSpc>
+              <a:spcBef>
+                <a:spcPts val="500"/>
+              </a:spcBef>
+              <a:buFont typeface="Arial" panose="020B0604020202020204" pitchFamily="34" charset="0"/>
+              <a:buChar char="•"/>
+              <a:defRPr sz="2400" kern="1200">
+                <a:solidFill>
+                  <a:schemeClr val="tx1"/>
+                </a:solidFill>
+                <a:latin typeface="+mn-lt"/>
+                <a:ea typeface="+mn-ea"/>
+                <a:cs typeface="+mn-cs"/>
+              </a:defRPr>
+            </a:lvl2pPr>
+            <a:lvl3pPr marL="1143000" indent="-228600" algn="l" defTabSz="914400" rtl="0" eaLnBrk="1" latinLnBrk="0" hangingPunct="1">
+              <a:lnSpc>
+                <a:spcPct val="90000"/>
+              </a:lnSpc>
+              <a:spcBef>
+                <a:spcPts val="500"/>
+              </a:spcBef>
+              <a:buFont typeface="Arial" panose="020B0604020202020204" pitchFamily="34" charset="0"/>
+              <a:buChar char="•"/>
+              <a:defRPr sz="2000" kern="1200">
+                <a:solidFill>
+                  <a:schemeClr val="tx1"/>
+                </a:solidFill>
+                <a:latin typeface="+mn-lt"/>
+                <a:ea typeface="+mn-ea"/>
+                <a:cs typeface="+mn-cs"/>
+              </a:defRPr>
+            </a:lvl3pPr>
+            <a:lvl4pPr marL="1600200" indent="-228600" algn="l" defTabSz="914400" rtl="0" eaLnBrk="1" latinLnBrk="0" hangingPunct="1">
+              <a:lnSpc>
+                <a:spcPct val="90000"/>
+              </a:lnSpc>
+              <a:spcBef>
+                <a:spcPts val="500"/>
+              </a:spcBef>
+              <a:buFont typeface="Arial" panose="020B0604020202020204" pitchFamily="34" charset="0"/>
+              <a:buChar char="•"/>
+              <a:defRPr sz="1800" kern="1200">
+                <a:solidFill>
+                  <a:schemeClr val="tx1"/>
+                </a:solidFill>
+                <a:latin typeface="+mn-lt"/>
+                <a:ea typeface="+mn-ea"/>
+                <a:cs typeface="+mn-cs"/>
+              </a:defRPr>
+            </a:lvl4pPr>
+            <a:lvl5pPr marL="2057400" indent="-228600" algn="l" defTabSz="914400" rtl="0" eaLnBrk="1" latinLnBrk="0" hangingPunct="1">
+              <a:lnSpc>
+                <a:spcPct val="90000"/>
+              </a:lnSpc>
+              <a:spcBef>
+                <a:spcPts val="500"/>
+              </a:spcBef>
+              <a:buFont typeface="Arial" panose="020B0604020202020204" pitchFamily="34" charset="0"/>
+              <a:buChar char="•"/>
+              <a:defRPr sz="1800" kern="1200">
+                <a:solidFill>
+                  <a:schemeClr val="tx1"/>
+                </a:solidFill>
+                <a:latin typeface="+mn-lt"/>
+                <a:ea typeface="+mn-ea"/>
+                <a:cs typeface="+mn-cs"/>
+              </a:defRPr>
+            </a:lvl5pPr>
+            <a:lvl6pPr marL="2514600" indent="-228600" algn="l" defTabSz="914400" rtl="0" eaLnBrk="1" latinLnBrk="0" hangingPunct="1">
+              <a:lnSpc>
+                <a:spcPct val="90000"/>
+              </a:lnSpc>
+              <a:spcBef>
+                <a:spcPts val="500"/>
+              </a:spcBef>
+              <a:buFont typeface="Arial" panose="020B0604020202020204" pitchFamily="34" charset="0"/>
+              <a:buChar char="•"/>
+              <a:defRPr sz="1800" kern="1200">
+                <a:solidFill>
+                  <a:schemeClr val="tx1"/>
+                </a:solidFill>
+                <a:latin typeface="+mn-lt"/>
+                <a:ea typeface="+mn-ea"/>
+                <a:cs typeface="+mn-cs"/>
+              </a:defRPr>
+            </a:lvl6pPr>
+            <a:lvl7pPr marL="2971800" indent="-228600" algn="l" defTabSz="914400" rtl="0" eaLnBrk="1" latinLnBrk="0" hangingPunct="1">
+              <a:lnSpc>
+                <a:spcPct val="90000"/>
+              </a:lnSpc>
+              <a:spcBef>
+                <a:spcPts val="500"/>
+              </a:spcBef>
+              <a:buFont typeface="Arial" panose="020B0604020202020204" pitchFamily="34" charset="0"/>
+              <a:buChar char="•"/>
+              <a:defRPr sz="1800" kern="1200">
+                <a:solidFill>
+                  <a:schemeClr val="tx1"/>
+                </a:solidFill>
+                <a:latin typeface="+mn-lt"/>
+                <a:ea typeface="+mn-ea"/>
+                <a:cs typeface="+mn-cs"/>
+              </a:defRPr>
+            </a:lvl7pPr>
+            <a:lvl8pPr marL="3429000" indent="-228600" algn="l" defTabSz="914400" rtl="0" eaLnBrk="1" latinLnBrk="0" hangingPunct="1">
+              <a:lnSpc>
+                <a:spcPct val="90000"/>
+              </a:lnSpc>
+              <a:spcBef>
+                <a:spcPts val="500"/>
+              </a:spcBef>
+              <a:buFont typeface="Arial" panose="020B0604020202020204" pitchFamily="34" charset="0"/>
+              <a:buChar char="•"/>
+              <a:defRPr sz="1800" kern="1200">
+                <a:solidFill>
+                  <a:schemeClr val="tx1"/>
+                </a:solidFill>
+                <a:latin typeface="+mn-lt"/>
+                <a:ea typeface="+mn-ea"/>
+                <a:cs typeface="+mn-cs"/>
+              </a:defRPr>
+            </a:lvl8pPr>
+            <a:lvl9pPr marL="3886200" indent="-228600" algn="l" defTabSz="914400" rtl="0" eaLnBrk="1" latinLnBrk="0" hangingPunct="1">
+              <a:lnSpc>
+                <a:spcPct val="90000"/>
+              </a:lnSpc>
+              <a:spcBef>
+                <a:spcPts val="500"/>
+              </a:spcBef>
+              <a:buFont typeface="Arial" panose="020B0604020202020204" pitchFamily="34" charset="0"/>
+              <a:buChar char="•"/>
+              <a:defRPr sz="1800" kern="1200">
+                <a:solidFill>
+                  <a:schemeClr val="tx1"/>
+                </a:solidFill>
+                <a:latin typeface="+mn-lt"/>
+                <a:ea typeface="+mn-ea"/>
+                <a:cs typeface="+mn-cs"/>
+              </a:defRPr>
+            </a:lvl9pPr>
+          </a:lstStyle>
+          <a:p>
+            <a:r>
+              <a:rPr lang="en-US" dirty="0"/>
+              <a:t> The result will be based on 2 different rating systems:</a:t>
+            </a:r>
+          </a:p>
+          <a:p>
+            <a:endParaRPr lang="en-US" dirty="0"/>
+          </a:p>
+          <a:p>
+            <a:pPr lvl="1"/>
+            <a:r>
+              <a:rPr lang="en-US" dirty="0"/>
+              <a:t>IMDb</a:t>
+            </a:r>
+          </a:p>
+          <a:p>
+            <a:pPr marL="457200" lvl="1" indent="0">
               <a:buNone/>
             </a:pPr>
             <a:endParaRPr lang="en-US" dirty="0"/>
           </a:p>
-        </p:txBody>
-      </p:sp>
+          <a:p>
+            <a:pPr lvl="1"/>
+            <a:endParaRPr lang="en-US" dirty="0"/>
+          </a:p>
+          <a:p>
+            <a:pPr lvl="1"/>
+            <a:endParaRPr lang="en-US" dirty="0"/>
+          </a:p>
+          <a:p>
+            <a:pPr lvl="1"/>
+            <a:endParaRPr lang="en-US" dirty="0"/>
+          </a:p>
+          <a:p>
+            <a:pPr lvl="1"/>
+            <a:r>
+              <a:rPr lang="en-US" dirty="0"/>
+              <a:t>Rotten Tomatoes</a:t>
+            </a:r>
+          </a:p>
+          <a:p>
+            <a:pPr lvl="1"/>
+            <a:endParaRPr lang="en-US" dirty="0"/>
+          </a:p>
+        </p:txBody>
+      </p:sp>
+      <p:pic>
+        <p:nvPicPr>
+          <p:cNvPr id="8" name="Picture 7">
+            <a:extLst>
+              <a:ext uri="{FF2B5EF4-FFF2-40B4-BE49-F238E27FC236}">
+                <a16:creationId xmlns:a16="http://schemas.microsoft.com/office/drawing/2014/main" id="{785390BA-C09E-AFCB-92FA-A04BB1A511CE}"/>
+              </a:ext>
+            </a:extLst>
+          </p:cNvPr>
+          <p:cNvPicPr>
+            <a:picLocks noChangeAspect="1"/>
+          </p:cNvPicPr>
+          <p:nvPr/>
+        </p:nvPicPr>
+        <p:blipFill>
+          <a:blip r:embed="rId2"/>
+          <a:stretch>
+            <a:fillRect/>
+          </a:stretch>
+        </p:blipFill>
+        <p:spPr>
+          <a:xfrm>
+            <a:off x="2771272" y="3108037"/>
+            <a:ext cx="2838696" cy="1333616"/>
+          </a:xfrm>
+          <a:prstGeom prst="rect">
+            <a:avLst/>
+          </a:prstGeom>
+        </p:spPr>
+      </p:pic>
+      <p:pic>
+        <p:nvPicPr>
+          <p:cNvPr id="9" name="Picture 8">
+            <a:extLst>
+              <a:ext uri="{FF2B5EF4-FFF2-40B4-BE49-F238E27FC236}">
+                <a16:creationId xmlns:a16="http://schemas.microsoft.com/office/drawing/2014/main" id="{F5CBBD81-7DC7-6C2C-5FE3-2C7DD8131F1A}"/>
+              </a:ext>
+            </a:extLst>
+          </p:cNvPr>
+          <p:cNvPicPr>
+            <a:picLocks noChangeAspect="1"/>
+          </p:cNvPicPr>
+          <p:nvPr/>
+        </p:nvPicPr>
+        <p:blipFill>
+          <a:blip r:embed="rId3"/>
+          <a:stretch>
+            <a:fillRect/>
+          </a:stretch>
+        </p:blipFill>
+        <p:spPr>
+          <a:xfrm>
+            <a:off x="2852736" y="5159260"/>
+            <a:ext cx="4411187" cy="1333615"/>
+          </a:xfrm>
+          <a:prstGeom prst="rect">
+            <a:avLst/>
+          </a:prstGeom>
+        </p:spPr>
+      </p:pic>
     </p:spTree>
     <p:extLst>
       <p:ext uri="{BB962C8B-B14F-4D97-AF65-F5344CB8AC3E}">
-        <p14:creationId xmlns:p14="http://schemas.microsoft.com/office/powerpoint/2010/main" val="3901284342"/>
+        <p14:creationId xmlns:p14="http://schemas.microsoft.com/office/powerpoint/2010/main" val="2473587330"/>
       </p:ext>
     </p:extLst>
   </p:cSld>
@@ -5386,7 +9305,7 @@
 <file path=ppt/theme/theme1.xml><?xml version="1.0" encoding="utf-8"?>
 <a:theme xmlns:a="http://schemas.openxmlformats.org/drawingml/2006/main" name="Office Theme">
   <a:themeElements>
-    <a:clrScheme name="Office">
+    <a:clrScheme name="Office Theme">
       <a:dk1>
         <a:sysClr val="windowText" lastClr="000000"/>
       </a:dk1>
@@ -5418,13 +9337,13 @@
         <a:srgbClr val="4EA72E"/>
       </a:accent6>
       <a:hlink>
-        <a:srgbClr val="467886"/>
+        <a:srgbClr val="538D9D"/>
       </a:hlink>
       <a:folHlink>
-        <a:srgbClr val="96607D"/>
+        <a:srgbClr val="A5738E"/>
       </a:folHlink>
     </a:clrScheme>
-    <a:fontScheme name="Office">
+    <a:fontScheme name="Office Theme">
       <a:majorFont>
         <a:latin typeface="Aptos Display" panose="02110004020202020204"/>
         <a:ea typeface=""/>
@@ -5530,7 +9449,7 @@
         <a:font script="Tfng" typeface="Ebrima"/>
       </a:minorFont>
     </a:fontScheme>
-    <a:fmtScheme name="Office">
+    <a:fmtScheme name="Office Theme">
       <a:fillStyleLst>
         <a:solidFill>
           <a:schemeClr val="phClr"/>
@@ -5692,7 +9611,7 @@
   <a:extraClrSchemeLst/>
   <a:extLst>
     <a:ext uri="{05A4C25C-085E-4340-85A3-A5531E510DB2}">
-      <thm15:themeFamily xmlns:thm15="http://schemas.microsoft.com/office/thememl/2012/main" name="Office Theme" id="{2E142A2C-CD16-42D6-873A-C26D2A0506FA}" vid="{1BDDFF52-6CD6-40A5-AB3C-68EB2F1E4D0A}"/>
+      <thm15:themeFamily xmlns:thm15="http://schemas.microsoft.com/office/thememl/2012/main" name="Office Theme" id="{2E142A2C-CD16-42D6-873A-C26D2A0506FA}" vid="{3A418E6B-C5F0-4B95-8D77-61E3EF3B5DF5}"/>
     </a:ext>
   </a:extLst>
 </a:theme>
